--- a/4-ShikkhokBatayon.pptx
+++ b/4-ShikkhokBatayon.pptx
@@ -13,6 +13,10 @@
     <p:sldId id="261" r:id="rId8"/>
     <p:sldId id="262" r:id="rId9"/>
     <p:sldId id="263" r:id="rId10"/>
+    <p:sldId id="264" r:id="rId11"/>
+    <p:sldId id="265" r:id="rId12"/>
+    <p:sldId id="266" r:id="rId13"/>
+    <p:sldId id="267" r:id="rId14"/>
   </p:sldIdLst>
   <p:sldSz cx="9144000" cy="5143500"/>
   <p:notesSz cx="7559675" cy="10691812"/>
@@ -70,8 +74,8 @@
         </p:nvSpPr>
         <p:spPr>
           <a:xfrm>
-            <a:off x="685800" y="1597680"/>
-            <a:ext cx="7771320" cy="1102680"/>
+            <a:off x="457200" y="205200"/>
+            <a:ext cx="8229240" cy="858960"/>
           </a:xfrm>
           <a:prstGeom prst="rect">
             <a:avLst/>
@@ -98,7 +102,7 @@
         <p:spPr>
           <a:xfrm>
             <a:off x="457200" y="1203480"/>
-            <a:ext cx="8228880" cy="1422360"/>
+            <a:ext cx="8229240" cy="1422360"/>
           </a:xfrm>
           <a:prstGeom prst="rect">
             <a:avLst/>
@@ -124,7 +128,7 @@
         <p:spPr>
           <a:xfrm>
             <a:off x="457200" y="2761200"/>
-            <a:ext cx="8228880" cy="1422360"/>
+            <a:ext cx="8229240" cy="1422360"/>
           </a:xfrm>
           <a:prstGeom prst="rect">
             <a:avLst/>
@@ -171,8 +175,8 @@
         </p:nvSpPr>
         <p:spPr>
           <a:xfrm>
-            <a:off x="685800" y="1597680"/>
-            <a:ext cx="7771320" cy="1102680"/>
+            <a:off x="457200" y="205200"/>
+            <a:ext cx="8229240" cy="858960"/>
           </a:xfrm>
           <a:prstGeom prst="rect">
             <a:avLst/>
@@ -324,8 +328,8 @@
         </p:nvSpPr>
         <p:spPr>
           <a:xfrm>
-            <a:off x="685800" y="1597680"/>
-            <a:ext cx="7771320" cy="1102680"/>
+            <a:off x="457200" y="205200"/>
+            <a:ext cx="8229240" cy="858960"/>
           </a:xfrm>
           <a:prstGeom prst="rect">
             <a:avLst/>
@@ -425,8 +429,8 @@
         </p:nvSpPr>
         <p:spPr>
           <a:xfrm>
-            <a:off x="685800" y="1597680"/>
-            <a:ext cx="7771320" cy="1102680"/>
+            <a:off x="457200" y="205200"/>
+            <a:ext cx="8229240" cy="858960"/>
           </a:xfrm>
           <a:prstGeom prst="rect">
             <a:avLst/>
@@ -453,7 +457,7 @@
         <p:spPr>
           <a:xfrm>
             <a:off x="457200" y="1203480"/>
-            <a:ext cx="8228880" cy="2982960"/>
+            <a:ext cx="8229240" cy="2983320"/>
           </a:xfrm>
           <a:prstGeom prst="rect">
             <a:avLst/>
@@ -501,8 +505,8 @@
         </p:nvSpPr>
         <p:spPr>
           <a:xfrm>
-            <a:off x="685800" y="1597680"/>
-            <a:ext cx="7771320" cy="1102680"/>
+            <a:off x="457200" y="205200"/>
+            <a:ext cx="8229240" cy="858960"/>
           </a:xfrm>
           <a:prstGeom prst="rect">
             <a:avLst/>
@@ -529,7 +533,7 @@
         <p:spPr>
           <a:xfrm>
             <a:off x="457200" y="1203480"/>
-            <a:ext cx="8228880" cy="2982600"/>
+            <a:ext cx="8229240" cy="2982960"/>
           </a:xfrm>
           <a:prstGeom prst="rect">
             <a:avLst/>
@@ -576,8 +580,8 @@
         </p:nvSpPr>
         <p:spPr>
           <a:xfrm>
-            <a:off x="685800" y="1597680"/>
-            <a:ext cx="7771320" cy="1102680"/>
+            <a:off x="457200" y="205200"/>
+            <a:ext cx="8229240" cy="858960"/>
           </a:xfrm>
           <a:prstGeom prst="rect">
             <a:avLst/>
@@ -604,7 +608,7 @@
         <p:spPr>
           <a:xfrm>
             <a:off x="457200" y="1203480"/>
-            <a:ext cx="4015440" cy="2982600"/>
+            <a:ext cx="4015440" cy="2982960"/>
           </a:xfrm>
           <a:prstGeom prst="rect">
             <a:avLst/>
@@ -630,7 +634,7 @@
         <p:spPr>
           <a:xfrm>
             <a:off x="4673520" y="1203480"/>
-            <a:ext cx="4015440" cy="2982600"/>
+            <a:ext cx="4015440" cy="2982960"/>
           </a:xfrm>
           <a:prstGeom prst="rect">
             <a:avLst/>
@@ -677,8 +681,8 @@
         </p:nvSpPr>
         <p:spPr>
           <a:xfrm>
-            <a:off x="685800" y="1597680"/>
-            <a:ext cx="7771320" cy="1102680"/>
+            <a:off x="457200" y="205200"/>
+            <a:ext cx="8229240" cy="858960"/>
           </a:xfrm>
           <a:prstGeom prst="rect">
             <a:avLst/>
@@ -726,8 +730,8 @@
         </p:nvSpPr>
         <p:spPr>
           <a:xfrm>
-            <a:off x="685800" y="1597680"/>
-            <a:ext cx="7771320" cy="2588400"/>
+            <a:off x="457200" y="205200"/>
+            <a:ext cx="8229240" cy="3981240"/>
           </a:xfrm>
           <a:prstGeom prst="rect">
             <a:avLst/>
@@ -775,8 +779,8 @@
         </p:nvSpPr>
         <p:spPr>
           <a:xfrm>
-            <a:off x="685800" y="1597680"/>
-            <a:ext cx="7771320" cy="1102680"/>
+            <a:off x="457200" y="205200"/>
+            <a:ext cx="8229240" cy="858960"/>
           </a:xfrm>
           <a:prstGeom prst="rect">
             <a:avLst/>
@@ -855,7 +859,7 @@
         <p:spPr>
           <a:xfrm>
             <a:off x="4673520" y="1203480"/>
-            <a:ext cx="4015440" cy="2982600"/>
+            <a:ext cx="4015440" cy="2982960"/>
           </a:xfrm>
           <a:prstGeom prst="rect">
             <a:avLst/>
@@ -902,8 +906,8 @@
         </p:nvSpPr>
         <p:spPr>
           <a:xfrm>
-            <a:off x="685800" y="1597680"/>
-            <a:ext cx="7771320" cy="1102680"/>
+            <a:off x="457200" y="205200"/>
+            <a:ext cx="8229240" cy="858960"/>
           </a:xfrm>
           <a:prstGeom prst="rect">
             <a:avLst/>
@@ -930,7 +934,7 @@
         <p:spPr>
           <a:xfrm>
             <a:off x="457200" y="1203480"/>
-            <a:ext cx="4015440" cy="2982600"/>
+            <a:ext cx="4015440" cy="2982960"/>
           </a:xfrm>
           <a:prstGeom prst="rect">
             <a:avLst/>
@@ -1029,8 +1033,8 @@
         </p:nvSpPr>
         <p:spPr>
           <a:xfrm>
-            <a:off x="685800" y="1597680"/>
-            <a:ext cx="7771320" cy="1102680"/>
+            <a:off x="457200" y="205200"/>
+            <a:ext cx="8229240" cy="858960"/>
           </a:xfrm>
           <a:prstGeom prst="rect">
             <a:avLst/>
@@ -1130,16 +1134,6 @@
 <file path=ppt/slideMasters/slideMaster1.xml><?xml version="1.0" encoding="utf-8"?>
 <p:sldMaster xmlns:a="http://schemas.openxmlformats.org/drawingml/2006/main" xmlns:p="http://schemas.openxmlformats.org/presentationml/2006/main" xmlns:r="http://schemas.openxmlformats.org/officeDocument/2006/relationships">
   <p:cSld>
-    <p:bg>
-      <p:bgPr>
-        <a:blipFill>
-          <a:blip r:embed="rId2"/>
-          <a:stretch>
-            <a:fillRect/>
-          </a:stretch>
-        </a:blipFill>
-      </p:bgPr>
-    </p:bg>
     <p:spTree>
       <p:nvGrpSpPr>
         <p:cNvPr id="1" name=""/>
@@ -1166,8 +1160,8 @@
         </p:nvSpPr>
         <p:spPr>
           <a:xfrm>
-            <a:off x="685800" y="1597680"/>
-            <a:ext cx="7771320" cy="1102320"/>
+            <a:off x="457200" y="205200"/>
+            <a:ext cx="8229240" cy="858600"/>
           </a:xfrm>
           <a:prstGeom prst="rect">
             <a:avLst/>
@@ -1176,6 +1170,7 @@
         <p:txBody>
           <a:bodyPr anchor="ctr" bIns="0" lIns="0" rIns="0" tIns="0" wrap="none"/>
           <a:p>
+            <a:pPr algn="ctr"/>
             <a:r>
               <a:rPr lang="en-US"/>
               <a:t>Click to edit the title text format</a:t>
@@ -1197,7 +1192,7 @@
         <p:spPr>
           <a:xfrm>
             <a:off x="457200" y="1203480"/>
-            <a:ext cx="8228880" cy="2982600"/>
+            <a:ext cx="8229240" cy="2982960"/>
           </a:xfrm>
           <a:prstGeom prst="rect">
             <a:avLst/>
@@ -1295,18 +1290,18 @@
   </p:cSld>
   <p:clrMap accent1="accent1" accent2="accent2" accent3="accent3" accent4="accent4" accent5="accent5" accent6="accent6" bg1="lt1" bg2="lt2" folHlink="folHlink" hlink="hlink" tx1="dk1" tx2="dk2"/>
   <p:sldLayoutIdLst>
-    <p:sldLayoutId id="2147483649" r:id="rId3"/>
-    <p:sldLayoutId id="2147483650" r:id="rId4"/>
-    <p:sldLayoutId id="2147483651" r:id="rId5"/>
-    <p:sldLayoutId id="2147483652" r:id="rId6"/>
-    <p:sldLayoutId id="2147483653" r:id="rId7"/>
-    <p:sldLayoutId id="2147483654" r:id="rId8"/>
-    <p:sldLayoutId id="2147483655" r:id="rId9"/>
-    <p:sldLayoutId id="2147483656" r:id="rId10"/>
-    <p:sldLayoutId id="2147483657" r:id="rId11"/>
-    <p:sldLayoutId id="2147483658" r:id="rId12"/>
-    <p:sldLayoutId id="2147483659" r:id="rId13"/>
-    <p:sldLayoutId id="2147483660" r:id="rId14"/>
+    <p:sldLayoutId id="2147483649" r:id="rId2"/>
+    <p:sldLayoutId id="2147483650" r:id="rId3"/>
+    <p:sldLayoutId id="2147483651" r:id="rId4"/>
+    <p:sldLayoutId id="2147483652" r:id="rId5"/>
+    <p:sldLayoutId id="2147483653" r:id="rId6"/>
+    <p:sldLayoutId id="2147483654" r:id="rId7"/>
+    <p:sldLayoutId id="2147483655" r:id="rId8"/>
+    <p:sldLayoutId id="2147483656" r:id="rId9"/>
+    <p:sldLayoutId id="2147483657" r:id="rId10"/>
+    <p:sldLayoutId id="2147483658" r:id="rId11"/>
+    <p:sldLayoutId id="2147483659" r:id="rId12"/>
+    <p:sldLayoutId id="2147483660" r:id="rId13"/>
   </p:sldLayoutIdLst>
 </p:sldMaster>
 </file>
@@ -1314,16 +1309,6 @@
 <file path=ppt/slides/slide1.xml><?xml version="1.0" encoding="utf-8"?>
 <p:sld xmlns:a="http://schemas.openxmlformats.org/drawingml/2006/main" xmlns:p="http://schemas.openxmlformats.org/presentationml/2006/main" xmlns:r="http://schemas.openxmlformats.org/officeDocument/2006/relationships">
   <p:cSld>
-    <p:bg>
-      <p:bgPr>
-        <a:blipFill>
-          <a:blip r:embed="rId1"/>
-          <a:stretch>
-            <a:fillRect/>
-          </a:stretch>
-        </a:blipFill>
-      </p:bgPr>
-    </p:bg>
     <p:spTree>
       <p:nvGrpSpPr>
         <p:cNvPr id="1" name=""/>
@@ -1347,7 +1332,7 @@
         <p:spPr>
           <a:xfrm>
             <a:off x="685800" y="1200240"/>
-            <a:ext cx="7771320" cy="1101600"/>
+            <a:ext cx="7770600" cy="1100880"/>
           </a:xfrm>
           <a:prstGeom prst="rect">
             <a:avLst/>
@@ -1364,7 +1349,7 @@
             <a:r>
               <a:rPr b="1" lang="en-US" sz="4400">
                 <a:solidFill>
-                  <a:srgbClr val="ffc000"/>
+                  <a:srgbClr val="ff420e"/>
                 </a:solidFill>
                 <a:latin typeface="Calibri"/>
               </a:rPr>
@@ -1383,7 +1368,7 @@
         <p:spPr>
           <a:xfrm>
             <a:off x="1371600" y="2517120"/>
-            <a:ext cx="6399720" cy="1313280"/>
+            <a:ext cx="6491880" cy="1871640"/>
           </a:xfrm>
           <a:prstGeom prst="rect">
             <a:avLst/>
@@ -1414,10 +1399,18 @@
                 <a:spcPct val="100000"/>
               </a:lnSpc>
             </a:pPr>
+            <a:endParaRPr/>
+          </a:p>
+          <a:p>
+            <a:pPr algn="ctr">
+              <a:lnSpc>
+                <a:spcPct val="100000"/>
+              </a:lnSpc>
+            </a:pPr>
             <a:r>
               <a:rPr lang="en-US" sz="3200">
                 <a:solidFill>
-                  <a:srgbClr val="8b8b8b"/>
+                  <a:srgbClr val="993366"/>
                 </a:solidFill>
                 <a:latin typeface="Calibri"/>
               </a:rPr>
@@ -1439,6 +1432,632 @@
           <p:childTnLst>
             <p:seq>
               <p:cTn id="2" nodeType="mainSeq"/>
+              <p:prevCondLst>
+                <p:cond delay="0" evt="onPrev">
+                  <p:tgtEl>
+                    <p:sldTgt/>
+                  </p:tgtEl>
+                </p:cond>
+              </p:prevCondLst>
+              <p:nextCondLst>
+                <p:cond delay="0" evt="onNext">
+                  <p:tgtEl>
+                    <p:sldTgt/>
+                  </p:tgtEl>
+                </p:cond>
+              </p:nextCondLst>
+            </p:seq>
+          </p:childTnLst>
+        </p:cTn>
+      </p:par>
+    </p:tnLst>
+  </p:timing>
+</p:sld>
+</file>
+
+<file path=ppt/slides/slide10.xml><?xml version="1.0" encoding="utf-8"?>
+<p:sld xmlns:a="http://schemas.openxmlformats.org/drawingml/2006/main" xmlns:p="http://schemas.openxmlformats.org/presentationml/2006/main" xmlns:r="http://schemas.openxmlformats.org/officeDocument/2006/relationships">
+  <p:cSld>
+    <p:spTree>
+      <p:nvGrpSpPr>
+        <p:cNvPr id="1" name=""/>
+        <p:cNvGrpSpPr/>
+        <p:nvPr/>
+      </p:nvGrpSpPr>
+      <p:grpSpPr>
+        <a:xfrm>
+          <a:off x="0" y="0"/>
+          <a:ext cx="0" cy="0"/>
+          <a:chOff x="0" y="0"/>
+          <a:chExt cx="0" cy="0"/>
+        </a:xfrm>
+      </p:grpSpPr>
+      <p:sp>
+        <p:nvSpPr>
+          <p:cNvPr id="57" name="CustomShape 1"/>
+          <p:cNvSpPr/>
+          <p:nvPr/>
+        </p:nvSpPr>
+        <p:spPr>
+          <a:xfrm>
+            <a:off x="685800" y="1047600"/>
+            <a:ext cx="7770600" cy="1100880"/>
+          </a:xfrm>
+          <a:prstGeom prst="rect">
+            <a:avLst/>
+          </a:prstGeom>
+        </p:spPr>
+        <p:txBody>
+          <a:bodyPr anchor="ctr" bIns="45000" lIns="90000" rIns="90000" tIns="45000"/>
+          <a:p>
+            <a:pPr algn="ctr">
+              <a:lnSpc>
+                <a:spcPct val="100000"/>
+              </a:lnSpc>
+            </a:pPr>
+            <a:r>
+              <a:rPr b="1" lang="en-US" sz="4400">
+                <a:solidFill>
+                  <a:srgbClr val="ffc000"/>
+                </a:solidFill>
+                <a:latin typeface="Calibri"/>
+              </a:rPr>
+              <a:t>Support We Need</a:t>
+            </a:r>
+            <a:endParaRPr/>
+          </a:p>
+        </p:txBody>
+      </p:sp>
+      <p:sp>
+        <p:nvSpPr>
+          <p:cNvPr id="58" name="CustomShape 2"/>
+          <p:cNvSpPr/>
+          <p:nvPr/>
+        </p:nvSpPr>
+        <p:spPr>
+          <a:xfrm>
+            <a:off x="1371600" y="2364480"/>
+            <a:ext cx="6399000" cy="2298600"/>
+          </a:xfrm>
+          <a:prstGeom prst="rect">
+            <a:avLst/>
+          </a:prstGeom>
+        </p:spPr>
+        <p:txBody>
+          <a:bodyPr bIns="45000" lIns="90000" rIns="90000" tIns="45000"/>
+          <a:p>
+            <a:pPr algn="ctr">
+              <a:lnSpc>
+                <a:spcPct val="100000"/>
+              </a:lnSpc>
+            </a:pPr>
+            <a:r>
+              <a:rPr lang="en-US" sz="3200">
+                <a:solidFill>
+                  <a:srgbClr val="558ed5"/>
+                </a:solidFill>
+                <a:latin typeface="Calibri"/>
+              </a:rPr>
+              <a:t> </a:t>
+            </a:r>
+            <a:r>
+              <a:rPr lang="en-US" sz="3200">
+                <a:solidFill>
+                  <a:srgbClr val="558ed5"/>
+                </a:solidFill>
+                <a:latin typeface="Calibri"/>
+              </a:rPr>
+              <a:t>JSON / XML API for site data</a:t>
+            </a:r>
+            <a:endParaRPr/>
+          </a:p>
+          <a:p>
+            <a:pPr algn="ctr">
+              <a:lnSpc>
+                <a:spcPct val="100000"/>
+              </a:lnSpc>
+              <a:buFont typeface="StarSymbol"/>
+              <a:buChar char=""/>
+            </a:pPr>
+            <a:r>
+              <a:rPr lang="en-US" sz="3200">
+                <a:solidFill>
+                  <a:srgbClr val="558ed5"/>
+                </a:solidFill>
+                <a:latin typeface="Calibri"/>
+              </a:rPr>
+              <a:t> </a:t>
+            </a:r>
+            <a:r>
+              <a:rPr lang="en-US" sz="3200">
+                <a:solidFill>
+                  <a:srgbClr val="558ed5"/>
+                </a:solidFill>
+                <a:latin typeface="Calibri"/>
+              </a:rPr>
+              <a:t>Front page list of categories</a:t>
+            </a:r>
+            <a:endParaRPr/>
+          </a:p>
+          <a:p>
+            <a:pPr algn="ctr">
+              <a:lnSpc>
+                <a:spcPct val="100000"/>
+              </a:lnSpc>
+              <a:buFont typeface="StarSymbol"/>
+              <a:buChar char=""/>
+            </a:pPr>
+            <a:r>
+              <a:rPr lang="en-US" sz="3200">
+                <a:solidFill>
+                  <a:srgbClr val="558ed5"/>
+                </a:solidFill>
+                <a:latin typeface="Calibri"/>
+              </a:rPr>
+              <a:t> </a:t>
+            </a:r>
+            <a:r>
+              <a:rPr lang="en-US" sz="3200">
+                <a:solidFill>
+                  <a:srgbClr val="558ed5"/>
+                </a:solidFill>
+                <a:latin typeface="Calibri"/>
+              </a:rPr>
+              <a:t>Paged list of content in categories</a:t>
+            </a:r>
+            <a:endParaRPr/>
+          </a:p>
+          <a:p>
+            <a:pPr algn="ctr">
+              <a:lnSpc>
+                <a:spcPct val="100000"/>
+              </a:lnSpc>
+              <a:buFont typeface="StarSymbol"/>
+              <a:buChar char=""/>
+            </a:pPr>
+            <a:r>
+              <a:rPr lang="en-US" sz="3200">
+                <a:solidFill>
+                  <a:srgbClr val="558ed5"/>
+                </a:solidFill>
+                <a:latin typeface="Calibri"/>
+              </a:rPr>
+              <a:t>Blog Posts</a:t>
+            </a:r>
+            <a:r>
+              <a:rPr i="1" lang="en-US" sz="3200">
+                <a:solidFill>
+                  <a:srgbClr val="8b8b8b"/>
+                </a:solidFill>
+                <a:latin typeface="Calibri"/>
+              </a:rPr>
+              <a:t> </a:t>
+            </a:r>
+            <a:r>
+              <a:rPr lang="en-US" sz="3200">
+                <a:solidFill>
+                  <a:srgbClr val="8b8b8b"/>
+                </a:solidFill>
+                <a:latin typeface="Calibri"/>
+              </a:rPr>
+              <a:t>  </a:t>
+            </a:r>
+            <a:endParaRPr/>
+          </a:p>
+        </p:txBody>
+      </p:sp>
+    </p:spTree>
+  </p:cSld>
+  <p:transition>
+    <p:fade/>
+  </p:transition>
+  <p:timing>
+    <p:tnLst>
+      <p:par>
+        <p:cTn dur="indefinite" id="19" nodeType="tmRoot" restart="never">
+          <p:childTnLst>
+            <p:seq>
+              <p:cTn id="20" nodeType="mainSeq"/>
+              <p:prevCondLst>
+                <p:cond delay="0" evt="onPrev">
+                  <p:tgtEl>
+                    <p:sldTgt/>
+                  </p:tgtEl>
+                </p:cond>
+              </p:prevCondLst>
+              <p:nextCondLst>
+                <p:cond delay="0" evt="onNext">
+                  <p:tgtEl>
+                    <p:sldTgt/>
+                  </p:tgtEl>
+                </p:cond>
+              </p:nextCondLst>
+            </p:seq>
+          </p:childTnLst>
+        </p:cTn>
+      </p:par>
+    </p:tnLst>
+  </p:timing>
+</p:sld>
+</file>
+
+<file path=ppt/slides/slide11.xml><?xml version="1.0" encoding="utf-8"?>
+<p:sld xmlns:a="http://schemas.openxmlformats.org/drawingml/2006/main" xmlns:p="http://schemas.openxmlformats.org/presentationml/2006/main" xmlns:r="http://schemas.openxmlformats.org/officeDocument/2006/relationships">
+  <p:cSld>
+    <p:spTree>
+      <p:nvGrpSpPr>
+        <p:cNvPr id="1" name=""/>
+        <p:cNvGrpSpPr/>
+        <p:nvPr/>
+      </p:nvGrpSpPr>
+      <p:grpSpPr>
+        <a:xfrm>
+          <a:off x="0" y="0"/>
+          <a:ext cx="0" cy="0"/>
+          <a:chOff x="0" y="0"/>
+          <a:chExt cx="0" cy="0"/>
+        </a:xfrm>
+      </p:grpSpPr>
+      <p:sp>
+        <p:nvSpPr>
+          <p:cNvPr id="59" name="CustomShape 1"/>
+          <p:cNvSpPr/>
+          <p:nvPr/>
+        </p:nvSpPr>
+        <p:spPr>
+          <a:xfrm>
+            <a:off x="685800" y="457200"/>
+            <a:ext cx="7770600" cy="914040"/>
+          </a:xfrm>
+          <a:prstGeom prst="rect">
+            <a:avLst/>
+          </a:prstGeom>
+        </p:spPr>
+        <p:txBody>
+          <a:bodyPr anchor="ctr" bIns="45000" lIns="90000" rIns="90000" tIns="45000"/>
+          <a:p>
+            <a:pPr algn="ctr">
+              <a:lnSpc>
+                <a:spcPct val="100000"/>
+              </a:lnSpc>
+            </a:pPr>
+            <a:r>
+              <a:rPr b="1" lang="en-US" sz="4400">
+                <a:solidFill>
+                  <a:srgbClr val="ffc000"/>
+                </a:solidFill>
+                <a:latin typeface="Calibri"/>
+              </a:rPr>
+              <a:t>Team Details</a:t>
+            </a:r>
+            <a:endParaRPr/>
+          </a:p>
+        </p:txBody>
+      </p:sp>
+      <p:sp>
+        <p:nvSpPr>
+          <p:cNvPr id="60" name="CustomShape 2"/>
+          <p:cNvSpPr/>
+          <p:nvPr/>
+        </p:nvSpPr>
+        <p:spPr>
+          <a:xfrm>
+            <a:off x="0" y="1828800"/>
+            <a:ext cx="9143640" cy="2834280"/>
+          </a:xfrm>
+          <a:prstGeom prst="rect">
+            <a:avLst/>
+          </a:prstGeom>
+        </p:spPr>
+        <p:txBody>
+          <a:bodyPr bIns="45000" lIns="90000" rIns="90000" tIns="45000"/>
+          <a:p>
+            <a:pPr algn="ctr">
+              <a:lnSpc>
+                <a:spcPct val="100000"/>
+              </a:lnSpc>
+            </a:pPr>
+            <a:r>
+              <a:rPr lang="en-US" sz="3200">
+                <a:solidFill>
+                  <a:srgbClr val="558ed5"/>
+                </a:solidFill>
+                <a:latin typeface="Calibri"/>
+              </a:rPr>
+              <a:t>Aniruddha Adhikary </a:t>
+            </a:r>
+            <a:r>
+              <a:rPr lang="en-US" sz="2000">
+                <a:solidFill>
+                  <a:srgbClr val="558ed5"/>
+                </a:solidFill>
+                <a:latin typeface="Calibri"/>
+              </a:rPr>
+              <a:t>(aniruddha@adhikary.net)</a:t>
+            </a:r>
+            <a:endParaRPr/>
+          </a:p>
+          <a:p>
+            <a:pPr algn="ctr">
+              <a:lnSpc>
+                <a:spcPct val="100000"/>
+              </a:lnSpc>
+            </a:pPr>
+            <a:r>
+              <a:rPr lang="en-US" sz="3200">
+                <a:solidFill>
+                  <a:srgbClr val="558ed5"/>
+                </a:solidFill>
+                <a:latin typeface="Calibri"/>
+              </a:rPr>
+              <a:t>Ershadul Hakim Rayhan</a:t>
+            </a:r>
+            <a:endParaRPr/>
+          </a:p>
+          <a:p>
+            <a:pPr algn="ctr">
+              <a:lnSpc>
+                <a:spcPct val="100000"/>
+              </a:lnSpc>
+            </a:pPr>
+            <a:r>
+              <a:rPr lang="en-US" sz="3200">
+                <a:solidFill>
+                  <a:srgbClr val="558ed5"/>
+                </a:solidFill>
+                <a:latin typeface="Calibri"/>
+              </a:rPr>
+              <a:t>Iftekhar Mohammad</a:t>
+            </a:r>
+            <a:endParaRPr/>
+          </a:p>
+          <a:p>
+            <a:pPr algn="ctr">
+              <a:lnSpc>
+                <a:spcPct val="100000"/>
+              </a:lnSpc>
+            </a:pPr>
+            <a:endParaRPr/>
+          </a:p>
+          <a:p>
+            <a:pPr algn="ctr">
+              <a:lnSpc>
+                <a:spcPct val="100000"/>
+              </a:lnSpc>
+            </a:pPr>
+            <a:r>
+              <a:rPr lang="en-US" sz="3200">
+                <a:solidFill>
+                  <a:srgbClr val="558ed5"/>
+                </a:solidFill>
+                <a:latin typeface="Calibri"/>
+              </a:rPr>
+              <a:t>github.com/aniruddha-adhikary</a:t>
+            </a:r>
+            <a:endParaRPr/>
+          </a:p>
+          <a:p>
+            <a:pPr algn="ctr">
+              <a:lnSpc>
+                <a:spcPct val="100000"/>
+              </a:lnSpc>
+            </a:pPr>
+            <a:endParaRPr/>
+          </a:p>
+        </p:txBody>
+      </p:sp>
+    </p:spTree>
+  </p:cSld>
+  <p:transition>
+    <p:fade/>
+  </p:transition>
+  <p:timing>
+    <p:tnLst>
+      <p:par>
+        <p:cTn dur="indefinite" id="21" nodeType="tmRoot" restart="never">
+          <p:childTnLst>
+            <p:seq>
+              <p:cTn id="22" nodeType="mainSeq"/>
+              <p:prevCondLst>
+                <p:cond delay="0" evt="onPrev">
+                  <p:tgtEl>
+                    <p:sldTgt/>
+                  </p:tgtEl>
+                </p:cond>
+              </p:prevCondLst>
+              <p:nextCondLst>
+                <p:cond delay="0" evt="onNext">
+                  <p:tgtEl>
+                    <p:sldTgt/>
+                  </p:tgtEl>
+                </p:cond>
+              </p:nextCondLst>
+            </p:seq>
+          </p:childTnLst>
+        </p:cTn>
+      </p:par>
+    </p:tnLst>
+  </p:timing>
+</p:sld>
+</file>
+
+<file path=ppt/slides/slide12.xml><?xml version="1.0" encoding="utf-8"?>
+<p:sld xmlns:a="http://schemas.openxmlformats.org/drawingml/2006/main" xmlns:p="http://schemas.openxmlformats.org/presentationml/2006/main" xmlns:r="http://schemas.openxmlformats.org/officeDocument/2006/relationships">
+  <p:cSld>
+    <p:spTree>
+      <p:nvGrpSpPr>
+        <p:cNvPr id="1" name=""/>
+        <p:cNvGrpSpPr/>
+        <p:nvPr/>
+      </p:nvGrpSpPr>
+      <p:grpSpPr>
+        <a:xfrm>
+          <a:off x="0" y="0"/>
+          <a:ext cx="0" cy="0"/>
+          <a:chOff x="0" y="0"/>
+          <a:chExt cx="0" cy="0"/>
+        </a:xfrm>
+      </p:grpSpPr>
+      <p:sp>
+        <p:nvSpPr>
+          <p:cNvPr id="61" name="CustomShape 1"/>
+          <p:cNvSpPr/>
+          <p:nvPr/>
+        </p:nvSpPr>
+        <p:spPr>
+          <a:xfrm>
+            <a:off x="685800" y="457200"/>
+            <a:ext cx="7770600" cy="914040"/>
+          </a:xfrm>
+          <a:prstGeom prst="rect">
+            <a:avLst/>
+          </a:prstGeom>
+        </p:spPr>
+        <p:txBody>
+          <a:bodyPr anchor="ctr" bIns="45000" lIns="90000" rIns="90000" tIns="45000"/>
+          <a:p>
+            <a:pPr algn="ctr">
+              <a:lnSpc>
+                <a:spcPct val="100000"/>
+              </a:lnSpc>
+            </a:pPr>
+            <a:r>
+              <a:rPr b="1" lang="en-US" sz="4400">
+                <a:solidFill>
+                  <a:srgbClr val="ffc000"/>
+                </a:solidFill>
+                <a:latin typeface="Calibri"/>
+              </a:rPr>
+              <a:t>Team Details</a:t>
+            </a:r>
+            <a:endParaRPr/>
+          </a:p>
+        </p:txBody>
+      </p:sp>
+      <p:sp>
+        <p:nvSpPr>
+          <p:cNvPr id="62" name="CustomShape 2"/>
+          <p:cNvSpPr/>
+          <p:nvPr/>
+        </p:nvSpPr>
+        <p:spPr>
+          <a:xfrm>
+            <a:off x="0" y="1828800"/>
+            <a:ext cx="9143640" cy="2834280"/>
+          </a:xfrm>
+          <a:prstGeom prst="rect">
+            <a:avLst/>
+          </a:prstGeom>
+        </p:spPr>
+        <p:txBody>
+          <a:bodyPr bIns="45000" lIns="90000" rIns="90000" tIns="45000"/>
+          <a:p>
+            <a:pPr algn="ctr">
+              <a:lnSpc>
+                <a:spcPct val="100000"/>
+              </a:lnSpc>
+            </a:pPr>
+            <a:r>
+              <a:rPr lang="en-US" sz="3200">
+                <a:solidFill>
+                  <a:srgbClr val="558ed5"/>
+                </a:solidFill>
+                <a:latin typeface="Calibri"/>
+              </a:rPr>
+              <a:t>Aniruddha Adhikary </a:t>
+            </a:r>
+            <a:r>
+              <a:rPr lang="en-US" sz="2000">
+                <a:solidFill>
+                  <a:srgbClr val="558ed5"/>
+                </a:solidFill>
+                <a:latin typeface="Calibri"/>
+              </a:rPr>
+              <a:t>(aniruddha@adhikary.net)</a:t>
+            </a:r>
+            <a:endParaRPr/>
+          </a:p>
+          <a:p>
+            <a:pPr algn="ctr">
+              <a:lnSpc>
+                <a:spcPct val="100000"/>
+              </a:lnSpc>
+            </a:pPr>
+            <a:r>
+              <a:rPr lang="en-US" sz="3200">
+                <a:solidFill>
+                  <a:srgbClr val="558ed5"/>
+                </a:solidFill>
+                <a:latin typeface="Calibri"/>
+              </a:rPr>
+              <a:t>Ershadul Hakim Rayhan</a:t>
+            </a:r>
+            <a:endParaRPr/>
+          </a:p>
+          <a:p>
+            <a:pPr algn="ctr">
+              <a:lnSpc>
+                <a:spcPct val="100000"/>
+              </a:lnSpc>
+            </a:pPr>
+            <a:r>
+              <a:rPr lang="en-US" sz="3200">
+                <a:solidFill>
+                  <a:srgbClr val="558ed5"/>
+                </a:solidFill>
+                <a:latin typeface="Calibri"/>
+              </a:rPr>
+              <a:t>Iftekhar Mohammad</a:t>
+            </a:r>
+            <a:endParaRPr/>
+          </a:p>
+          <a:p>
+            <a:pPr algn="ctr">
+              <a:lnSpc>
+                <a:spcPct val="100000"/>
+              </a:lnSpc>
+            </a:pPr>
+            <a:endParaRPr/>
+          </a:p>
+          <a:p>
+            <a:pPr algn="ctr">
+              <a:lnSpc>
+                <a:spcPct val="100000"/>
+              </a:lnSpc>
+            </a:pPr>
+            <a:r>
+              <a:rPr lang="en-US" sz="3200">
+                <a:solidFill>
+                  <a:srgbClr val="558ed5"/>
+                </a:solidFill>
+                <a:latin typeface="Calibri"/>
+              </a:rPr>
+              <a:t>github.com/aniruddha-adhikary</a:t>
+            </a:r>
+            <a:endParaRPr/>
+          </a:p>
+          <a:p>
+            <a:pPr algn="ctr">
+              <a:lnSpc>
+                <a:spcPct val="100000"/>
+              </a:lnSpc>
+            </a:pPr>
+            <a:endParaRPr/>
+          </a:p>
+        </p:txBody>
+      </p:sp>
+    </p:spTree>
+  </p:cSld>
+  <p:transition>
+    <p:fade/>
+  </p:transition>
+  <p:timing>
+    <p:tnLst>
+      <p:par>
+        <p:cTn dur="indefinite" id="23" nodeType="tmRoot" restart="never">
+          <p:childTnLst>
+            <p:seq>
+              <p:cTn id="24" nodeType="mainSeq"/>
               <p:prevCondLst>
                 <p:cond delay="0" evt="onPrev">
                   <p:tgtEl>
@@ -1488,7 +2107,7 @@
         <p:spPr>
           <a:xfrm>
             <a:off x="685800" y="1047600"/>
-            <a:ext cx="7771320" cy="1101600"/>
+            <a:ext cx="7770600" cy="1100880"/>
           </a:xfrm>
           <a:prstGeom prst="rect">
             <a:avLst/>
@@ -1505,7 +2124,7 @@
             <a:r>
               <a:rPr b="1" lang="en-US" sz="4400">
                 <a:solidFill>
-                  <a:srgbClr val="ffc000"/>
+                  <a:srgbClr val="ff420e"/>
                 </a:solidFill>
                 <a:latin typeface="Calibri"/>
               </a:rPr>
@@ -1524,7 +2143,7 @@
         <p:spPr>
           <a:xfrm>
             <a:off x="1371600" y="2364480"/>
-            <a:ext cx="6399720" cy="1750320"/>
+            <a:ext cx="6399000" cy="1749600"/>
           </a:xfrm>
           <a:prstGeom prst="rect">
             <a:avLst/>
@@ -1541,7 +2160,7 @@
             <a:r>
               <a:rPr lang="en-US" sz="3200">
                 <a:solidFill>
-                  <a:srgbClr val="558ed5"/>
+                  <a:srgbClr val="993366"/>
                 </a:solidFill>
                 <a:latin typeface="Calibri"/>
               </a:rPr>
@@ -1612,7 +2231,7 @@
         <p:spPr>
           <a:xfrm>
             <a:off x="685800" y="514440"/>
-            <a:ext cx="7771320" cy="1101600"/>
+            <a:ext cx="7770600" cy="1100880"/>
           </a:xfrm>
           <a:prstGeom prst="rect">
             <a:avLst/>
@@ -1648,7 +2267,7 @@
         <p:spPr>
           <a:xfrm>
             <a:off x="822960" y="1828800"/>
-            <a:ext cx="7405920" cy="3775680"/>
+            <a:ext cx="7405200" cy="3774960"/>
           </a:xfrm>
           <a:prstGeom prst="rect">
             <a:avLst/>
@@ -1665,13 +2284,13 @@
               <a:buChar char="•"/>
             </a:pPr>
             <a:r>
-              <a:rPr i="1" lang="en-US" sz="2200">
-                <a:solidFill>
-                  <a:srgbClr val="8b8b8b"/>
-                </a:solidFill>
-                <a:latin typeface="Calibri"/>
-              </a:rPr>
-              <a:t>Get instant notification on device</a:t>
+              <a:rPr lang="en-US" sz="2200">
+                <a:solidFill>
+                  <a:srgbClr val="000000"/>
+                </a:solidFill>
+                <a:latin typeface="Calibri"/>
+              </a:rPr>
+              <a:t>Instant notification on device</a:t>
             </a:r>
             <a:endParaRPr/>
           </a:p>
@@ -1684,13 +2303,13 @@
               <a:buChar char="•"/>
             </a:pPr>
             <a:r>
-              <a:rPr i="1" lang="en-US" sz="2200">
-                <a:solidFill>
-                  <a:srgbClr val="8b8b8b"/>
-                </a:solidFill>
-                <a:latin typeface="Calibri"/>
-              </a:rPr>
-              <a:t>Preview, comment and rate presentations</a:t>
+              <a:rPr lang="en-US" sz="2200">
+                <a:solidFill>
+                  <a:srgbClr val="000000"/>
+                </a:solidFill>
+                <a:latin typeface="Calibri"/>
+              </a:rPr>
+              <a:t>Preview, Comment and rate presentations and blog post</a:t>
             </a:r>
             <a:endParaRPr/>
           </a:p>
@@ -1703,9 +2322,9 @@
               <a:buChar char="•"/>
             </a:pPr>
             <a:r>
-              <a:rPr i="1" lang="en-US" sz="2200">
-                <a:solidFill>
-                  <a:srgbClr val="8b8b8b"/>
+              <a:rPr lang="en-US" sz="2200">
+                <a:solidFill>
+                  <a:srgbClr val="000000"/>
                 </a:solidFill>
                 <a:latin typeface="Calibri"/>
               </a:rPr>
@@ -1722,9 +2341,9 @@
               <a:buChar char="•"/>
             </a:pPr>
             <a:r>
-              <a:rPr i="1" lang="en-US" sz="2200">
-                <a:solidFill>
-                  <a:srgbClr val="8b8b8b"/>
+              <a:rPr lang="en-US" sz="2200">
+                <a:solidFill>
+                  <a:srgbClr val="000000"/>
                 </a:solidFill>
                 <a:latin typeface="Calibri"/>
               </a:rPr>
@@ -1794,8 +2413,8 @@
         </p:nvSpPr>
         <p:spPr>
           <a:xfrm>
-            <a:off x="685800" y="1047600"/>
-            <a:ext cx="7771320" cy="1101600"/>
+            <a:off x="685800" y="291600"/>
+            <a:ext cx="4708800" cy="1100880"/>
           </a:xfrm>
           <a:prstGeom prst="rect">
             <a:avLst/>
@@ -1816,138 +2435,62 @@
                 </a:solidFill>
                 <a:latin typeface="Calibri"/>
               </a:rPr>
-              <a:t>What we developed in GDG</a:t>
-            </a:r>
-            <a:endParaRPr/>
-          </a:p>
-        </p:txBody>
-      </p:sp>
-      <p:sp>
-        <p:nvSpPr>
-          <p:cNvPr id="41" name="CustomShape 2"/>
+              <a:t>Main Activity</a:t>
+            </a:r>
+            <a:endParaRPr/>
+          </a:p>
+        </p:txBody>
+      </p:sp>
+      <p:pic>
+        <p:nvPicPr>
+          <p:cNvPr descr="" id="41" name=""/>
+          <p:cNvPicPr/>
+          <p:nvPr/>
+        </p:nvPicPr>
+        <p:blipFill>
+          <a:blip r:embed="rId1"/>
+          <a:stretch>
+            <a:fillRect/>
+          </a:stretch>
+        </p:blipFill>
+        <p:spPr>
+          <a:xfrm>
+            <a:off x="5852160" y="640080"/>
+            <a:ext cx="2827800" cy="4023000"/>
+          </a:xfrm>
+          <a:prstGeom prst="rect">
+            <a:avLst/>
+          </a:prstGeom>
+        </p:spPr>
+      </p:pic>
+      <p:sp>
+        <p:nvSpPr>
+          <p:cNvPr id="42" name="CustomShape 2"/>
           <p:cNvSpPr/>
           <p:nvPr/>
         </p:nvSpPr>
         <p:spPr>
           <a:xfrm>
-            <a:off x="3124080" y="3308760"/>
-            <a:ext cx="2894400" cy="1458360"/>
-          </a:xfrm>
-          <a:prstGeom prst="rect">
-            <a:avLst/>
-          </a:prstGeom>
-        </p:spPr>
-        <p:txBody>
-          <a:bodyPr bIns="45000" lIns="90000" rIns="90000" tIns="45000"/>
-          <a:p>
-            <a:pPr>
-              <a:lnSpc>
-                <a:spcPct val="100000"/>
-              </a:lnSpc>
-              <a:buFont typeface="Arial"/>
-              <a:buChar char="•"/>
-            </a:pPr>
-            <a:r>
-              <a:rPr i="1" lang="en-US" sz="1500">
-                <a:solidFill>
-                  <a:srgbClr val="8b8b8b"/>
-                </a:solidFill>
-                <a:latin typeface="Calibri"/>
-              </a:rPr>
-              <a:t> </a:t>
-            </a:r>
-            <a:r>
-              <a:rPr i="1" lang="en-US" sz="1500">
-                <a:solidFill>
-                  <a:srgbClr val="8b8b8b"/>
-                </a:solidFill>
-                <a:latin typeface="Calibri"/>
-              </a:rPr>
-              <a:t>DFD</a:t>
-            </a:r>
-            <a:endParaRPr/>
-          </a:p>
-          <a:p>
-            <a:pPr>
-              <a:lnSpc>
-                <a:spcPct val="100000"/>
-              </a:lnSpc>
-              <a:buFont typeface="Arial"/>
-              <a:buChar char="•"/>
-            </a:pPr>
-            <a:r>
-              <a:rPr i="1" lang="en-US" sz="1500">
-                <a:solidFill>
-                  <a:srgbClr val="8b8b8b"/>
-                </a:solidFill>
-                <a:latin typeface="Calibri"/>
-              </a:rPr>
-              <a:t> </a:t>
-            </a:r>
-            <a:r>
-              <a:rPr i="1" lang="en-US" sz="1500">
-                <a:solidFill>
-                  <a:srgbClr val="8b8b8b"/>
-                </a:solidFill>
-                <a:latin typeface="Calibri"/>
-              </a:rPr>
-              <a:t>Wireframe for first 3 features</a:t>
-            </a:r>
-            <a:endParaRPr/>
-          </a:p>
-          <a:p>
-            <a:pPr>
-              <a:lnSpc>
-                <a:spcPct val="100000"/>
-              </a:lnSpc>
-              <a:buFont typeface="Arial"/>
-              <a:buChar char="•"/>
-            </a:pPr>
-            <a:r>
-              <a:rPr i="1" lang="en-US" sz="1500">
-                <a:solidFill>
-                  <a:srgbClr val="8b8b8b"/>
-                </a:solidFill>
-                <a:latin typeface="Calibri"/>
-              </a:rPr>
-              <a:t> </a:t>
-            </a:r>
-            <a:r>
-              <a:rPr i="1" lang="en-US" sz="1500">
-                <a:solidFill>
-                  <a:srgbClr val="8b8b8b"/>
-                </a:solidFill>
-                <a:latin typeface="Calibri"/>
-              </a:rPr>
-              <a:t>Graphics for the 1st feature</a:t>
-            </a:r>
-            <a:endParaRPr/>
-          </a:p>
-          <a:p>
-            <a:pPr>
-              <a:lnSpc>
-                <a:spcPct val="100000"/>
-              </a:lnSpc>
-              <a:buFont typeface="Arial"/>
-              <a:buChar char="•"/>
-            </a:pPr>
-            <a:r>
-              <a:rPr i="1" lang="en-US" sz="1500">
-                <a:solidFill>
-                  <a:srgbClr val="8b8b8b"/>
-                </a:solidFill>
-                <a:latin typeface="Calibri"/>
-              </a:rPr>
-              <a:t> </a:t>
-            </a:r>
-            <a:r>
-              <a:rPr i="1" lang="en-US" sz="1500">
-                <a:solidFill>
-                  <a:srgbClr val="8b8b8b"/>
-                </a:solidFill>
-                <a:latin typeface="Calibri"/>
-              </a:rPr>
-              <a:t>etc</a:t>
+            <a:off x="1029240" y="1828800"/>
+            <a:ext cx="4456800" cy="1737000"/>
+          </a:xfrm>
+          <a:prstGeom prst="rect">
+            <a:avLst/>
+          </a:prstGeom>
+        </p:spPr>
+        <p:txBody>
+          <a:bodyPr bIns="45000" lIns="90000" rIns="90000" tIns="45000" wrap="none"/>
+          <a:p>
+            <a:r>
+              <a:rPr lang="en-US" sz="2800"/>
+              <a:t>Activity displaying the list</a:t>
+            </a:r>
+            <a:endParaRPr/>
+          </a:p>
+          <a:p>
+            <a:r>
+              <a:rPr lang="en-US" sz="2800"/>
+              <a:t>of presentation categories</a:t>
             </a:r>
             <a:endParaRPr/>
           </a:p>
@@ -2007,14 +2550,14 @@
       </p:grpSpPr>
       <p:sp>
         <p:nvSpPr>
-          <p:cNvPr id="42" name="CustomShape 1"/>
+          <p:cNvPr id="43" name="CustomShape 1"/>
           <p:cNvSpPr/>
           <p:nvPr/>
         </p:nvSpPr>
         <p:spPr>
           <a:xfrm>
-            <a:off x="685800" y="-95400"/>
-            <a:ext cx="7771320" cy="1101600"/>
+            <a:off x="685800" y="291600"/>
+            <a:ext cx="4708800" cy="1100880"/>
           </a:xfrm>
           <a:prstGeom prst="rect">
             <a:avLst/>
@@ -2035,79 +2578,92 @@
                 </a:solidFill>
                 <a:latin typeface="Calibri"/>
               </a:rPr>
-              <a:t>What we developed in GDG</a:t>
-            </a:r>
-            <a:endParaRPr/>
-          </a:p>
-        </p:txBody>
-      </p:sp>
-      <p:sp>
-        <p:nvSpPr>
-          <p:cNvPr id="43" name="CustomShape 2"/>
+              <a:t>Browsing</a:t>
+            </a:r>
+            <a:endParaRPr/>
+          </a:p>
+        </p:txBody>
+      </p:sp>
+      <p:sp>
+        <p:nvSpPr>
+          <p:cNvPr id="44" name="CustomShape 2"/>
           <p:cNvSpPr/>
           <p:nvPr/>
         </p:nvSpPr>
         <p:spPr>
           <a:xfrm>
-            <a:off x="1371600" y="2364480"/>
-            <a:ext cx="6399720" cy="1313280"/>
-          </a:xfrm>
-          <a:prstGeom prst="rect">
-            <a:avLst/>
-          </a:prstGeom>
-        </p:spPr>
-        <p:txBody>
-          <a:bodyPr bIns="45000" lIns="90000" rIns="90000" tIns="45000"/>
-          <a:p>
-            <a:pPr algn="ctr">
-              <a:lnSpc>
-                <a:spcPct val="100000"/>
-              </a:lnSpc>
-            </a:pPr>
-            <a:r>
-              <a:rPr lang="en-US" sz="3200">
-                <a:solidFill>
-                  <a:srgbClr val="558ed5"/>
-                </a:solidFill>
-                <a:latin typeface="Calibri"/>
-              </a:rPr>
-              <a:t>(Add 3 to 15 screen shots </a:t>
-            </a:r>
-            <a:endParaRPr/>
-          </a:p>
-          <a:p>
-            <a:pPr algn="ctr">
-              <a:lnSpc>
-                <a:spcPct val="100000"/>
-              </a:lnSpc>
-            </a:pPr>
-            <a:r>
-              <a:rPr lang="en-US" sz="3200">
-                <a:solidFill>
-                  <a:srgbClr val="558ed5"/>
-                </a:solidFill>
-                <a:latin typeface="Calibri"/>
-              </a:rPr>
-              <a:t>in consecutive slides)</a:t>
-            </a:r>
-            <a:r>
-              <a:rPr lang="en-US" sz="3200">
-                <a:solidFill>
-                  <a:srgbClr val="8b8b8b"/>
-                </a:solidFill>
-                <a:latin typeface="Calibri"/>
-              </a:rPr>
-              <a:t>  </a:t>
-            </a:r>
-            <a:endParaRPr/>
-          </a:p>
-        </p:txBody>
-      </p:sp>
+            <a:off x="1029240" y="1828800"/>
+            <a:ext cx="4456800" cy="1737000"/>
+          </a:xfrm>
+          <a:prstGeom prst="rect">
+            <a:avLst/>
+          </a:prstGeom>
+        </p:spPr>
+        <p:txBody>
+          <a:bodyPr bIns="45000" lIns="90000" rIns="90000" tIns="45000" wrap="none"/>
+          <a:p>
+            <a:r>
+              <a:rPr lang="en-US" sz="2800"/>
+              <a:t>Presentation listing</a:t>
+            </a:r>
+            <a:endParaRPr/>
+          </a:p>
+        </p:txBody>
+      </p:sp>
+      <p:pic>
+        <p:nvPicPr>
+          <p:cNvPr descr="" id="45" name=""/>
+          <p:cNvPicPr/>
+          <p:nvPr/>
+        </p:nvPicPr>
+        <p:blipFill>
+          <a:blip r:embed="rId1"/>
+          <a:stretch>
+            <a:fillRect/>
+          </a:stretch>
+        </p:blipFill>
+        <p:spPr>
+          <a:xfrm>
+            <a:off x="5669280" y="539640"/>
+            <a:ext cx="2892960" cy="4214880"/>
+          </a:xfrm>
+          <a:prstGeom prst="rect">
+            <a:avLst/>
+          </a:prstGeom>
+        </p:spPr>
+      </p:pic>
     </p:spTree>
   </p:cSld>
   <p:transition>
     <p:fade/>
   </p:transition>
+  <p:timing>
+    <p:tnLst>
+      <p:par>
+        <p:cTn dur="indefinite" id="9" nodeType="tmRoot" restart="never">
+          <p:childTnLst>
+            <p:seq>
+              <p:cTn id="10" nodeType="mainSeq"/>
+              <p:prevCondLst>
+                <p:cond delay="0" evt="onPrev">
+                  <p:tgtEl>
+                    <p:sldTgt/>
+                  </p:tgtEl>
+                </p:cond>
+              </p:prevCondLst>
+              <p:nextCondLst>
+                <p:cond delay="0" evt="onNext">
+                  <p:tgtEl>
+                    <p:sldTgt/>
+                  </p:tgtEl>
+                </p:cond>
+              </p:nextCondLst>
+            </p:seq>
+          </p:childTnLst>
+        </p:cTn>
+      </p:par>
+    </p:tnLst>
+  </p:timing>
 </p:sld>
 </file>
 
@@ -2130,14 +2686,14 @@
       </p:grpSpPr>
       <p:sp>
         <p:nvSpPr>
-          <p:cNvPr id="44" name="CustomShape 1"/>
+          <p:cNvPr id="46" name="CustomShape 1"/>
           <p:cNvSpPr/>
           <p:nvPr/>
         </p:nvSpPr>
         <p:spPr>
           <a:xfrm>
-            <a:off x="685800" y="209520"/>
-            <a:ext cx="7771320" cy="1101600"/>
+            <a:off x="4206240" y="291600"/>
+            <a:ext cx="4480200" cy="1100880"/>
           </a:xfrm>
           <a:prstGeom prst="rect">
             <a:avLst/>
@@ -2158,191 +2714,55 @@
                 </a:solidFill>
                 <a:latin typeface="Calibri"/>
               </a:rPr>
-              <a:t>Final Vision</a:t>
-            </a:r>
-            <a:endParaRPr/>
-          </a:p>
-        </p:txBody>
-      </p:sp>
-      <p:sp>
-        <p:nvSpPr>
-          <p:cNvPr id="45" name="CustomShape 2"/>
+              <a:t>Notifications</a:t>
+            </a:r>
+            <a:endParaRPr/>
+          </a:p>
+        </p:txBody>
+      </p:sp>
+      <p:pic>
+        <p:nvPicPr>
+          <p:cNvPr descr="" id="47" name=""/>
+          <p:cNvPicPr/>
+          <p:nvPr/>
+        </p:nvPicPr>
+        <p:blipFill>
+          <a:blip r:embed="rId1"/>
+          <a:stretch>
+            <a:fillRect/>
+          </a:stretch>
+        </p:blipFill>
+        <p:spPr>
+          <a:xfrm>
+            <a:off x="274320" y="274320"/>
+            <a:ext cx="2923920" cy="4662720"/>
+          </a:xfrm>
+          <a:prstGeom prst="rect">
+            <a:avLst/>
+          </a:prstGeom>
+        </p:spPr>
+      </p:pic>
+      <p:sp>
+        <p:nvSpPr>
+          <p:cNvPr id="48" name="CustomShape 2"/>
           <p:cNvSpPr/>
           <p:nvPr/>
         </p:nvSpPr>
         <p:spPr>
           <a:xfrm>
-            <a:off x="1371600" y="1526400"/>
-            <a:ext cx="6399720" cy="1313280"/>
-          </a:xfrm>
-          <a:prstGeom prst="rect">
-            <a:avLst/>
-          </a:prstGeom>
-        </p:spPr>
-        <p:txBody>
-          <a:bodyPr bIns="45000" lIns="90000" rIns="90000" tIns="45000"/>
-          <a:p>
-            <a:pPr algn="ctr">
-              <a:lnSpc>
-                <a:spcPct val="100000"/>
-              </a:lnSpc>
-            </a:pPr>
-            <a:r>
-              <a:rPr lang="en-US" sz="3200">
-                <a:solidFill>
-                  <a:srgbClr val="558ed5"/>
-                </a:solidFill>
-                <a:latin typeface="Calibri"/>
-              </a:rPr>
-              <a:t>(What will your final product consist of? How long will it take to deliver?)</a:t>
-            </a:r>
-            <a:endParaRPr/>
-          </a:p>
-          <a:p>
-            <a:pPr algn="ctr">
-              <a:lnSpc>
-                <a:spcPct val="100000"/>
-              </a:lnSpc>
-            </a:pPr>
-            <a:r>
-              <a:rPr i="1" lang="en-US" sz="3200">
-                <a:solidFill>
-                  <a:srgbClr val="8b8b8b"/>
-                </a:solidFill>
-                <a:latin typeface="Calibri"/>
-              </a:rPr>
-              <a:t>Ex. </a:t>
-            </a:r>
-            <a:r>
-              <a:rPr lang="en-US" sz="3200">
-                <a:solidFill>
-                  <a:srgbClr val="8b8b8b"/>
-                </a:solidFill>
-                <a:latin typeface="Calibri"/>
-              </a:rPr>
-              <a:t>  </a:t>
-            </a:r>
-            <a:endParaRPr/>
-          </a:p>
-        </p:txBody>
-      </p:sp>
-      <p:sp>
-        <p:nvSpPr>
-          <p:cNvPr id="46" name="CustomShape 3"/>
-          <p:cNvSpPr/>
-          <p:nvPr/>
-        </p:nvSpPr>
-        <p:spPr>
-          <a:xfrm>
-            <a:off x="3352680" y="2952720"/>
-            <a:ext cx="2437200" cy="1001880"/>
-          </a:xfrm>
-          <a:prstGeom prst="rect">
-            <a:avLst/>
-          </a:prstGeom>
-        </p:spPr>
-        <p:txBody>
-          <a:bodyPr bIns="45000" lIns="90000" rIns="90000" tIns="45000"/>
-          <a:p>
-            <a:pPr>
-              <a:lnSpc>
-                <a:spcPct val="100000"/>
-              </a:lnSpc>
-              <a:buFont typeface="Arial"/>
-              <a:buChar char="•"/>
-            </a:pPr>
-            <a:r>
-              <a:rPr i="1" lang="en-US" sz="1500">
-                <a:solidFill>
-                  <a:srgbClr val="8b8b8b"/>
-                </a:solidFill>
-                <a:latin typeface="Calibri"/>
-              </a:rPr>
-              <a:t> </a:t>
-            </a:r>
-            <a:r>
-              <a:rPr i="1" lang="en-US" sz="1500">
-                <a:solidFill>
-                  <a:srgbClr val="8b8b8b"/>
-                </a:solidFill>
-                <a:latin typeface="Calibri"/>
-              </a:rPr>
-              <a:t>National agricultural map</a:t>
-            </a:r>
-            <a:endParaRPr/>
-          </a:p>
-          <a:p>
-            <a:pPr>
-              <a:lnSpc>
-                <a:spcPct val="100000"/>
-              </a:lnSpc>
-              <a:buFont typeface="Arial"/>
-              <a:buChar char="•"/>
-            </a:pPr>
-            <a:r>
-              <a:rPr i="1" lang="en-US" sz="1500">
-                <a:solidFill>
-                  <a:srgbClr val="8b8b8b"/>
-                </a:solidFill>
-                <a:latin typeface="Calibri"/>
-              </a:rPr>
-              <a:t> </a:t>
-            </a:r>
-            <a:r>
-              <a:rPr i="1" lang="en-US" sz="1500">
-                <a:solidFill>
-                  <a:srgbClr val="8b8b8b"/>
-                </a:solidFill>
-                <a:latin typeface="Calibri"/>
-              </a:rPr>
-              <a:t>Synchronized transaction</a:t>
-            </a:r>
-            <a:endParaRPr/>
-          </a:p>
-        </p:txBody>
-      </p:sp>
-      <p:sp>
-        <p:nvSpPr>
-          <p:cNvPr id="47" name="CustomShape 4"/>
-          <p:cNvSpPr/>
-          <p:nvPr/>
-        </p:nvSpPr>
-        <p:spPr>
-          <a:xfrm>
-            <a:off x="3352680" y="3486240"/>
-            <a:ext cx="2437200" cy="317880"/>
-          </a:xfrm>
-          <a:prstGeom prst="rect">
-            <a:avLst/>
-          </a:prstGeom>
-        </p:spPr>
-        <p:txBody>
-          <a:bodyPr bIns="45000" lIns="90000" rIns="90000" tIns="45000"/>
-          <a:p>
-            <a:pPr>
-              <a:lnSpc>
-                <a:spcPct val="100000"/>
-              </a:lnSpc>
-              <a:buFont typeface="Arial"/>
-              <a:buChar char="•"/>
-            </a:pPr>
-            <a:r>
-              <a:rPr i="1" lang="en-US" sz="1500">
-                <a:solidFill>
-                  <a:srgbClr val="8b8b8b"/>
-                </a:solidFill>
-                <a:latin typeface="Calibri"/>
-              </a:rPr>
-              <a:t> </a:t>
-            </a:r>
-            <a:r>
-              <a:rPr i="1" lang="en-US" sz="1500">
-                <a:solidFill>
-                  <a:srgbClr val="8b8b8b"/>
-                </a:solidFill>
-                <a:latin typeface="Calibri"/>
-              </a:rPr>
-              <a:t>90 Working Days</a:t>
+            <a:off x="4114800" y="1828800"/>
+            <a:ext cx="4456800" cy="1737000"/>
+          </a:xfrm>
+          <a:prstGeom prst="rect">
+            <a:avLst/>
+          </a:prstGeom>
+        </p:spPr>
+        <p:txBody>
+          <a:bodyPr bIns="45000" lIns="90000" rIns="90000" tIns="45000" wrap="none"/>
+          <a:p>
+            <a:r>
+              <a:rPr lang="en-US" sz="2800"/>
+              <a:t>Default Android Notifications and a quick one click notification access button.</a:t>
             </a:r>
             <a:endParaRPr/>
           </a:p>
@@ -2353,6 +2773,33 @@
   <p:transition>
     <p:fade/>
   </p:transition>
+  <p:timing>
+    <p:tnLst>
+      <p:par>
+        <p:cTn dur="indefinite" id="11" nodeType="tmRoot" restart="never">
+          <p:childTnLst>
+            <p:seq>
+              <p:cTn id="12" nodeType="mainSeq"/>
+              <p:prevCondLst>
+                <p:cond delay="0" evt="onPrev">
+                  <p:tgtEl>
+                    <p:sldTgt/>
+                  </p:tgtEl>
+                </p:cond>
+              </p:prevCondLst>
+              <p:nextCondLst>
+                <p:cond delay="0" evt="onNext">
+                  <p:tgtEl>
+                    <p:sldTgt/>
+                  </p:tgtEl>
+                </p:cond>
+              </p:nextCondLst>
+            </p:seq>
+          </p:childTnLst>
+        </p:cTn>
+      </p:par>
+    </p:tnLst>
+  </p:timing>
 </p:sld>
 </file>
 
@@ -2375,14 +2822,14 @@
       </p:grpSpPr>
       <p:sp>
         <p:nvSpPr>
-          <p:cNvPr id="48" name="CustomShape 1"/>
+          <p:cNvPr id="49" name="CustomShape 1"/>
           <p:cNvSpPr/>
           <p:nvPr/>
         </p:nvSpPr>
         <p:spPr>
           <a:xfrm>
-            <a:off x="685800" y="1047600"/>
-            <a:ext cx="7771320" cy="1101600"/>
+            <a:off x="685800" y="291600"/>
+            <a:ext cx="4708800" cy="1100880"/>
           </a:xfrm>
           <a:prstGeom prst="rect">
             <a:avLst/>
@@ -2403,69 +2850,62 @@
                 </a:solidFill>
                 <a:latin typeface="Calibri"/>
               </a:rPr>
-              <a:t>Supports We Need</a:t>
-            </a:r>
-            <a:endParaRPr/>
-          </a:p>
-        </p:txBody>
-      </p:sp>
-      <p:sp>
-        <p:nvSpPr>
-          <p:cNvPr id="49" name="CustomShape 2"/>
+              <a:t>Viewer</a:t>
+            </a:r>
+            <a:endParaRPr/>
+          </a:p>
+        </p:txBody>
+      </p:sp>
+      <p:pic>
+        <p:nvPicPr>
+          <p:cNvPr descr="" id="50" name=""/>
+          <p:cNvPicPr/>
+          <p:nvPr/>
+        </p:nvPicPr>
+        <p:blipFill>
+          <a:blip r:embed="rId1"/>
+          <a:stretch>
+            <a:fillRect/>
+          </a:stretch>
+        </p:blipFill>
+        <p:spPr>
+          <a:xfrm>
+            <a:off x="5669280" y="274320"/>
+            <a:ext cx="3017160" cy="4388400"/>
+          </a:xfrm>
+          <a:prstGeom prst="rect">
+            <a:avLst/>
+          </a:prstGeom>
+        </p:spPr>
+      </p:pic>
+      <p:sp>
+        <p:nvSpPr>
+          <p:cNvPr id="51" name="CustomShape 2"/>
           <p:cNvSpPr/>
           <p:nvPr/>
         </p:nvSpPr>
         <p:spPr>
           <a:xfrm>
-            <a:off x="1371600" y="2364480"/>
-            <a:ext cx="6399720" cy="1313280"/>
-          </a:xfrm>
-          <a:prstGeom prst="rect">
-            <a:avLst/>
-          </a:prstGeom>
-        </p:spPr>
-        <p:txBody>
-          <a:bodyPr bIns="45000" lIns="90000" rIns="90000" tIns="45000"/>
-          <a:p>
-            <a:pPr algn="ctr">
-              <a:lnSpc>
-                <a:spcPct val="100000"/>
-              </a:lnSpc>
-            </a:pPr>
-            <a:r>
-              <a:rPr lang="en-US" sz="3200">
-                <a:solidFill>
-                  <a:srgbClr val="558ed5"/>
-                </a:solidFill>
-                <a:latin typeface="Calibri"/>
-              </a:rPr>
-              <a:t>(What support do you need to deliver the final product?)</a:t>
-            </a:r>
-            <a:endParaRPr/>
-          </a:p>
-          <a:p>
-            <a:pPr algn="ctr">
-              <a:lnSpc>
-                <a:spcPct val="100000"/>
-              </a:lnSpc>
-            </a:pPr>
-            <a:r>
-              <a:rPr i="1" lang="en-US" sz="3200">
-                <a:solidFill>
-                  <a:srgbClr val="8b8b8b"/>
-                </a:solidFill>
-                <a:latin typeface="Calibri"/>
-              </a:rPr>
-              <a:t>Ex. APIs, Database Access, Partnerships etc. </a:t>
-            </a:r>
-            <a:r>
-              <a:rPr lang="en-US" sz="3200">
-                <a:solidFill>
-                  <a:srgbClr val="8b8b8b"/>
-                </a:solidFill>
-                <a:latin typeface="Calibri"/>
-              </a:rPr>
-              <a:t>  </a:t>
+            <a:off x="1029600" y="1828800"/>
+            <a:ext cx="4456800" cy="1737000"/>
+          </a:xfrm>
+          <a:prstGeom prst="rect">
+            <a:avLst/>
+          </a:prstGeom>
+        </p:spPr>
+        <p:txBody>
+          <a:bodyPr bIns="45000" lIns="90000" rIns="90000" tIns="45000" wrap="none"/>
+          <a:p>
+            <a:r>
+              <a:rPr lang="en-US" sz="2800"/>
+              <a:t>Click on presentation and</a:t>
+            </a:r>
+            <a:endParaRPr/>
+          </a:p>
+          <a:p>
+            <a:r>
+              <a:rPr lang="en-US" sz="2800"/>
+              <a:t>preview that on a third-party viewer. Rate and comment to engage.</a:t>
             </a:r>
             <a:endParaRPr/>
           </a:p>
@@ -2476,6 +2916,33 @@
   <p:transition>
     <p:fade/>
   </p:transition>
+  <p:timing>
+    <p:tnLst>
+      <p:par>
+        <p:cTn dur="indefinite" id="13" nodeType="tmRoot" restart="never">
+          <p:childTnLst>
+            <p:seq>
+              <p:cTn id="14" nodeType="mainSeq"/>
+              <p:prevCondLst>
+                <p:cond delay="0" evt="onPrev">
+                  <p:tgtEl>
+                    <p:sldTgt/>
+                  </p:tgtEl>
+                </p:cond>
+              </p:prevCondLst>
+              <p:nextCondLst>
+                <p:cond delay="0" evt="onNext">
+                  <p:tgtEl>
+                    <p:sldTgt/>
+                  </p:tgtEl>
+                </p:cond>
+              </p:nextCondLst>
+            </p:seq>
+          </p:childTnLst>
+        </p:cTn>
+      </p:par>
+    </p:tnLst>
+  </p:timing>
 </p:sld>
 </file>
 
@@ -2498,14 +2965,14 @@
       </p:grpSpPr>
       <p:sp>
         <p:nvSpPr>
-          <p:cNvPr id="50" name="CustomShape 1"/>
+          <p:cNvPr id="52" name="CustomShape 1"/>
           <p:cNvSpPr/>
           <p:nvPr/>
         </p:nvSpPr>
         <p:spPr>
           <a:xfrm>
-            <a:off x="685800" y="1047600"/>
-            <a:ext cx="7771320" cy="1101600"/>
+            <a:off x="4206240" y="291600"/>
+            <a:ext cx="4480200" cy="1100880"/>
           </a:xfrm>
           <a:prstGeom prst="rect">
             <a:avLst/>
@@ -2526,78 +2993,55 @@
                 </a:solidFill>
                 <a:latin typeface="Calibri"/>
               </a:rPr>
-              <a:t>Team Details</a:t>
-            </a:r>
-            <a:endParaRPr/>
-          </a:p>
-        </p:txBody>
-      </p:sp>
-      <p:sp>
-        <p:nvSpPr>
-          <p:cNvPr id="51" name="CustomShape 2"/>
+              <a:t>Subscription</a:t>
+            </a:r>
+            <a:endParaRPr/>
+          </a:p>
+        </p:txBody>
+      </p:sp>
+      <p:pic>
+        <p:nvPicPr>
+          <p:cNvPr descr="" id="53" name=""/>
+          <p:cNvPicPr/>
+          <p:nvPr/>
+        </p:nvPicPr>
+        <p:blipFill>
+          <a:blip r:embed="rId1"/>
+          <a:stretch>
+            <a:fillRect/>
+          </a:stretch>
+        </p:blipFill>
+        <p:spPr>
+          <a:xfrm>
+            <a:off x="257760" y="254880"/>
+            <a:ext cx="3108600" cy="4571640"/>
+          </a:xfrm>
+          <a:prstGeom prst="rect">
+            <a:avLst/>
+          </a:prstGeom>
+        </p:spPr>
+      </p:pic>
+      <p:sp>
+        <p:nvSpPr>
+          <p:cNvPr id="54" name="CustomShape 2"/>
           <p:cNvSpPr/>
           <p:nvPr/>
         </p:nvSpPr>
         <p:spPr>
           <a:xfrm>
-            <a:off x="1371600" y="2364480"/>
-            <a:ext cx="6399720" cy="1313280"/>
-          </a:xfrm>
-          <a:prstGeom prst="rect">
-            <a:avLst/>
-          </a:prstGeom>
-        </p:spPr>
-        <p:txBody>
-          <a:bodyPr bIns="45000" lIns="90000" rIns="90000" tIns="45000"/>
-          <a:p>
-            <a:pPr algn="ctr">
-              <a:lnSpc>
-                <a:spcPct val="100000"/>
-              </a:lnSpc>
-            </a:pPr>
-            <a:r>
-              <a:rPr lang="en-US" sz="3200">
-                <a:solidFill>
-                  <a:srgbClr val="558ed5"/>
-                </a:solidFill>
-                <a:latin typeface="Calibri"/>
-              </a:rPr>
-              <a:t>(Name, Contact for all members. </a:t>
-            </a:r>
-            <a:endParaRPr/>
-          </a:p>
-          <a:p>
-            <a:pPr algn="ctr">
-              <a:lnSpc>
-                <a:spcPct val="100000"/>
-              </a:lnSpc>
-            </a:pPr>
-            <a:r>
-              <a:rPr lang="en-US" sz="3200">
-                <a:solidFill>
-                  <a:srgbClr val="558ed5"/>
-                </a:solidFill>
-                <a:latin typeface="Calibri"/>
-              </a:rPr>
-              <a:t>Focal Person and Git Link)</a:t>
-            </a:r>
-            <a:r>
-              <a:rPr i="1" lang="en-US" sz="3200">
-                <a:solidFill>
-                  <a:srgbClr val="8b8b8b"/>
-                </a:solidFill>
-                <a:latin typeface="Calibri"/>
-              </a:rPr>
-              <a:t> </a:t>
-            </a:r>
-            <a:r>
-              <a:rPr lang="en-US" sz="3200">
-                <a:solidFill>
-                  <a:srgbClr val="8b8b8b"/>
-                </a:solidFill>
-                <a:latin typeface="Calibri"/>
-              </a:rPr>
-              <a:t>  </a:t>
+            <a:off x="4023360" y="1920240"/>
+            <a:ext cx="4456800" cy="1737000"/>
+          </a:xfrm>
+          <a:prstGeom prst="rect">
+            <a:avLst/>
+          </a:prstGeom>
+        </p:spPr>
+        <p:txBody>
+          <a:bodyPr bIns="45000" lIns="90000" rIns="90000" tIns="45000" wrap="none"/>
+          <a:p>
+            <a:r>
+              <a:rPr lang="en-US" sz="2800"/>
+              <a:t>Subscribe to different categories to get notified of newly uploaded content.</a:t>
             </a:r>
             <a:endParaRPr/>
           </a:p>
@@ -2608,6 +3052,232 @@
   <p:transition>
     <p:fade/>
   </p:transition>
+  <p:timing>
+    <p:tnLst>
+      <p:par>
+        <p:cTn dur="indefinite" id="15" nodeType="tmRoot" restart="never">
+          <p:childTnLst>
+            <p:seq>
+              <p:cTn id="16" nodeType="mainSeq"/>
+              <p:prevCondLst>
+                <p:cond delay="0" evt="onPrev">
+                  <p:tgtEl>
+                    <p:sldTgt/>
+                  </p:tgtEl>
+                </p:cond>
+              </p:prevCondLst>
+              <p:nextCondLst>
+                <p:cond delay="0" evt="onNext">
+                  <p:tgtEl>
+                    <p:sldTgt/>
+                  </p:tgtEl>
+                </p:cond>
+              </p:nextCondLst>
+            </p:seq>
+          </p:childTnLst>
+        </p:cTn>
+      </p:par>
+    </p:tnLst>
+  </p:timing>
+</p:sld>
+</file>
+
+<file path=ppt/slides/slide9.xml><?xml version="1.0" encoding="utf-8"?>
+<p:sld xmlns:a="http://schemas.openxmlformats.org/drawingml/2006/main" xmlns:p="http://schemas.openxmlformats.org/presentationml/2006/main" xmlns:r="http://schemas.openxmlformats.org/officeDocument/2006/relationships">
+  <p:cSld>
+    <p:spTree>
+      <p:nvGrpSpPr>
+        <p:cNvPr id="1" name=""/>
+        <p:cNvGrpSpPr/>
+        <p:nvPr/>
+      </p:nvGrpSpPr>
+      <p:grpSpPr>
+        <a:xfrm>
+          <a:off x="0" y="0"/>
+          <a:ext cx="0" cy="0"/>
+          <a:chOff x="0" y="0"/>
+          <a:chExt cx="0" cy="0"/>
+        </a:xfrm>
+      </p:grpSpPr>
+      <p:sp>
+        <p:nvSpPr>
+          <p:cNvPr id="55" name="CustomShape 1"/>
+          <p:cNvSpPr/>
+          <p:nvPr/>
+        </p:nvSpPr>
+        <p:spPr>
+          <a:xfrm>
+            <a:off x="685800" y="209520"/>
+            <a:ext cx="7770600" cy="1100880"/>
+          </a:xfrm>
+          <a:prstGeom prst="rect">
+            <a:avLst/>
+          </a:prstGeom>
+        </p:spPr>
+        <p:txBody>
+          <a:bodyPr anchor="ctr" bIns="45000" lIns="90000" rIns="90000" tIns="45000"/>
+          <a:p>
+            <a:pPr algn="ctr">
+              <a:lnSpc>
+                <a:spcPct val="100000"/>
+              </a:lnSpc>
+            </a:pPr>
+            <a:r>
+              <a:rPr b="1" lang="en-US" sz="4400">
+                <a:solidFill>
+                  <a:srgbClr val="ffc000"/>
+                </a:solidFill>
+                <a:latin typeface="Calibri"/>
+              </a:rPr>
+              <a:t>Final Vision</a:t>
+            </a:r>
+            <a:endParaRPr/>
+          </a:p>
+        </p:txBody>
+      </p:sp>
+      <p:sp>
+        <p:nvSpPr>
+          <p:cNvPr id="56" name="CustomShape 2"/>
+          <p:cNvSpPr/>
+          <p:nvPr/>
+        </p:nvSpPr>
+        <p:spPr>
+          <a:xfrm>
+            <a:off x="1371600" y="1526400"/>
+            <a:ext cx="7223400" cy="2862360"/>
+          </a:xfrm>
+          <a:prstGeom prst="rect">
+            <a:avLst/>
+          </a:prstGeom>
+        </p:spPr>
+        <p:txBody>
+          <a:bodyPr bIns="45000" lIns="90000" rIns="90000" tIns="45000"/>
+          <a:p>
+            <a:pPr>
+              <a:lnSpc>
+                <a:spcPct val="100000"/>
+              </a:lnSpc>
+            </a:pPr>
+            <a:endParaRPr/>
+          </a:p>
+          <a:p>
+            <a:pPr>
+              <a:lnSpc>
+                <a:spcPct val="100000"/>
+              </a:lnSpc>
+              <a:buFont typeface="StarSymbol"/>
+              <a:buChar char="l"/>
+            </a:pPr>
+            <a:r>
+              <a:rPr lang="en-US" sz="3200">
+                <a:solidFill>
+                  <a:srgbClr val="558ed5"/>
+                </a:solidFill>
+                <a:latin typeface="Calibri"/>
+              </a:rPr>
+              <a:t> </a:t>
+            </a:r>
+            <a:r>
+              <a:rPr lang="en-US" sz="3200">
+                <a:solidFill>
+                  <a:srgbClr val="558ed5"/>
+                </a:solidFill>
+                <a:latin typeface="Calibri"/>
+              </a:rPr>
+              <a:t>View / Download Presentations</a:t>
+            </a:r>
+            <a:endParaRPr/>
+          </a:p>
+          <a:p>
+            <a:pPr>
+              <a:lnSpc>
+                <a:spcPct val="100000"/>
+              </a:lnSpc>
+              <a:buFont typeface="StarSymbol"/>
+              <a:buChar char="l"/>
+            </a:pPr>
+            <a:r>
+              <a:rPr lang="en-US" sz="3200">
+                <a:solidFill>
+                  <a:srgbClr val="558ed5"/>
+                </a:solidFill>
+                <a:latin typeface="Calibri"/>
+              </a:rPr>
+              <a:t> </a:t>
+            </a:r>
+            <a:r>
+              <a:rPr lang="en-US" sz="3200">
+                <a:solidFill>
+                  <a:srgbClr val="558ed5"/>
+                </a:solidFill>
+                <a:latin typeface="Calibri"/>
+              </a:rPr>
+              <a:t>Presentation rating, comment</a:t>
+            </a:r>
+            <a:endParaRPr/>
+          </a:p>
+          <a:p>
+            <a:pPr>
+              <a:lnSpc>
+                <a:spcPct val="100000"/>
+              </a:lnSpc>
+              <a:buFont typeface="StarSymbol"/>
+              <a:buChar char="l"/>
+            </a:pPr>
+            <a:r>
+              <a:rPr lang="en-US" sz="3200">
+                <a:solidFill>
+                  <a:srgbClr val="558ed5"/>
+                </a:solidFill>
+                <a:latin typeface="Calibri"/>
+              </a:rPr>
+              <a:t> </a:t>
+            </a:r>
+            <a:r>
+              <a:rPr lang="en-US" sz="3200">
+                <a:solidFill>
+                  <a:srgbClr val="558ed5"/>
+                </a:solidFill>
+                <a:latin typeface="Calibri"/>
+              </a:rPr>
+              <a:t>Blog post reader</a:t>
+            </a:r>
+            <a:endParaRPr/>
+          </a:p>
+        </p:txBody>
+      </p:sp>
+    </p:spTree>
+  </p:cSld>
+  <p:transition>
+    <p:fade/>
+  </p:transition>
+  <p:timing>
+    <p:tnLst>
+      <p:par>
+        <p:cTn dur="indefinite" id="17" nodeType="tmRoot" restart="never">
+          <p:childTnLst>
+            <p:seq>
+              <p:cTn id="18" nodeType="mainSeq"/>
+              <p:prevCondLst>
+                <p:cond delay="0" evt="onPrev">
+                  <p:tgtEl>
+                    <p:sldTgt/>
+                  </p:tgtEl>
+                </p:cond>
+              </p:prevCondLst>
+              <p:nextCondLst>
+                <p:cond delay="0" evt="onNext">
+                  <p:tgtEl>
+                    <p:sldTgt/>
+                  </p:tgtEl>
+                </p:cond>
+              </p:nextCondLst>
+            </p:seq>
+          </p:childTnLst>
+        </p:cTn>
+      </p:par>
+    </p:tnLst>
+  </p:timing>
 </p:sld>
 </file>
 

--- a/4-ShikkhokBatayon.pptx
+++ b/4-ShikkhokBatayon.pptx
@@ -1,30 +1,124 @@
 
 <file path=ppt/presentation.xml><?xml version="1.0" encoding="utf-8"?>
-<p:presentation xmlns:a="http://schemas.openxmlformats.org/drawingml/2006/main" xmlns:p="http://schemas.openxmlformats.org/presentationml/2006/main" xmlns:r="http://schemas.openxmlformats.org/officeDocument/2006/relationships">
+<p:presentation xmlns:a="http://schemas.openxmlformats.org/drawingml/2006/main" xmlns:r="http://schemas.openxmlformats.org/officeDocument/2006/relationships" xmlns:p="http://schemas.openxmlformats.org/presentationml/2006/main">
   <p:sldMasterIdLst>
-    <p:sldMasterId id="2147483648" r:id="rId2"/>
+    <p:sldMasterId id="2147483648" r:id="rId1"/>
   </p:sldMasterIdLst>
   <p:sldIdLst>
-    <p:sldId id="256" r:id="rId3"/>
-    <p:sldId id="257" r:id="rId4"/>
-    <p:sldId id="258" r:id="rId5"/>
-    <p:sldId id="259" r:id="rId6"/>
-    <p:sldId id="260" r:id="rId7"/>
-    <p:sldId id="261" r:id="rId8"/>
-    <p:sldId id="262" r:id="rId9"/>
-    <p:sldId id="263" r:id="rId10"/>
-    <p:sldId id="264" r:id="rId11"/>
-    <p:sldId id="265" r:id="rId12"/>
-    <p:sldId id="266" r:id="rId13"/>
-    <p:sldId id="267" r:id="rId14"/>
+    <p:sldId id="256" r:id="rId2"/>
+    <p:sldId id="257" r:id="rId3"/>
+    <p:sldId id="258" r:id="rId4"/>
+    <p:sldId id="259" r:id="rId5"/>
+    <p:sldId id="260" r:id="rId6"/>
+    <p:sldId id="261" r:id="rId7"/>
+    <p:sldId id="262" r:id="rId8"/>
+    <p:sldId id="263" r:id="rId9"/>
+    <p:sldId id="264" r:id="rId10"/>
+    <p:sldId id="265" r:id="rId11"/>
+    <p:sldId id="266" r:id="rId12"/>
   </p:sldIdLst>
-  <p:sldSz cx="9144000" cy="5143500"/>
-  <p:notesSz cx="7559675" cy="10691812"/>
+  <p:sldSz cx="9144000" cy="5143500" type="screen16x9"/>
+  <p:notesSz cx="7559675" cy="10691813"/>
+  <p:defaultTextStyle>
+    <a:defPPr>
+      <a:defRPr lang="en-US"/>
+    </a:defPPr>
+    <a:lvl1pPr marL="0" algn="l" defTabSz="914400" rtl="0" eaLnBrk="1" latinLnBrk="0" hangingPunct="1">
+      <a:defRPr sz="1800" kern="1200">
+        <a:solidFill>
+          <a:schemeClr val="tx1"/>
+        </a:solidFill>
+        <a:latin typeface="+mn-lt"/>
+        <a:ea typeface="+mn-ea"/>
+        <a:cs typeface="+mn-cs"/>
+      </a:defRPr>
+    </a:lvl1pPr>
+    <a:lvl2pPr marL="457200" algn="l" defTabSz="914400" rtl="0" eaLnBrk="1" latinLnBrk="0" hangingPunct="1">
+      <a:defRPr sz="1800" kern="1200">
+        <a:solidFill>
+          <a:schemeClr val="tx1"/>
+        </a:solidFill>
+        <a:latin typeface="+mn-lt"/>
+        <a:ea typeface="+mn-ea"/>
+        <a:cs typeface="+mn-cs"/>
+      </a:defRPr>
+    </a:lvl2pPr>
+    <a:lvl3pPr marL="914400" algn="l" defTabSz="914400" rtl="0" eaLnBrk="1" latinLnBrk="0" hangingPunct="1">
+      <a:defRPr sz="1800" kern="1200">
+        <a:solidFill>
+          <a:schemeClr val="tx1"/>
+        </a:solidFill>
+        <a:latin typeface="+mn-lt"/>
+        <a:ea typeface="+mn-ea"/>
+        <a:cs typeface="+mn-cs"/>
+      </a:defRPr>
+    </a:lvl3pPr>
+    <a:lvl4pPr marL="1371600" algn="l" defTabSz="914400" rtl="0" eaLnBrk="1" latinLnBrk="0" hangingPunct="1">
+      <a:defRPr sz="1800" kern="1200">
+        <a:solidFill>
+          <a:schemeClr val="tx1"/>
+        </a:solidFill>
+        <a:latin typeface="+mn-lt"/>
+        <a:ea typeface="+mn-ea"/>
+        <a:cs typeface="+mn-cs"/>
+      </a:defRPr>
+    </a:lvl4pPr>
+    <a:lvl5pPr marL="1828800" algn="l" defTabSz="914400" rtl="0" eaLnBrk="1" latinLnBrk="0" hangingPunct="1">
+      <a:defRPr sz="1800" kern="1200">
+        <a:solidFill>
+          <a:schemeClr val="tx1"/>
+        </a:solidFill>
+        <a:latin typeface="+mn-lt"/>
+        <a:ea typeface="+mn-ea"/>
+        <a:cs typeface="+mn-cs"/>
+      </a:defRPr>
+    </a:lvl5pPr>
+    <a:lvl6pPr marL="2286000" algn="l" defTabSz="914400" rtl="0" eaLnBrk="1" latinLnBrk="0" hangingPunct="1">
+      <a:defRPr sz="1800" kern="1200">
+        <a:solidFill>
+          <a:schemeClr val="tx1"/>
+        </a:solidFill>
+        <a:latin typeface="+mn-lt"/>
+        <a:ea typeface="+mn-ea"/>
+        <a:cs typeface="+mn-cs"/>
+      </a:defRPr>
+    </a:lvl6pPr>
+    <a:lvl7pPr marL="2743200" algn="l" defTabSz="914400" rtl="0" eaLnBrk="1" latinLnBrk="0" hangingPunct="1">
+      <a:defRPr sz="1800" kern="1200">
+        <a:solidFill>
+          <a:schemeClr val="tx1"/>
+        </a:solidFill>
+        <a:latin typeface="+mn-lt"/>
+        <a:ea typeface="+mn-ea"/>
+        <a:cs typeface="+mn-cs"/>
+      </a:defRPr>
+    </a:lvl7pPr>
+    <a:lvl8pPr marL="3200400" algn="l" defTabSz="914400" rtl="0" eaLnBrk="1" latinLnBrk="0" hangingPunct="1">
+      <a:defRPr sz="1800" kern="1200">
+        <a:solidFill>
+          <a:schemeClr val="tx1"/>
+        </a:solidFill>
+        <a:latin typeface="+mn-lt"/>
+        <a:ea typeface="+mn-ea"/>
+        <a:cs typeface="+mn-cs"/>
+      </a:defRPr>
+    </a:lvl8pPr>
+    <a:lvl9pPr marL="3657600" algn="l" defTabSz="914400" rtl="0" eaLnBrk="1" latinLnBrk="0" hangingPunct="1">
+      <a:defRPr sz="1800" kern="1200">
+        <a:solidFill>
+          <a:schemeClr val="tx1"/>
+        </a:solidFill>
+        <a:latin typeface="+mn-lt"/>
+        <a:ea typeface="+mn-ea"/>
+        <a:cs typeface="+mn-cs"/>
+      </a:defRPr>
+    </a:lvl9pPr>
+  </p:defaultTextStyle>
 </p:presentation>
 </file>
 
 <file path=ppt/slideLayouts/slideLayout1.xml><?xml version="1.0" encoding="utf-8"?>
-<p:sldLayout xmlns:a="http://schemas.openxmlformats.org/drawingml/2006/main" xmlns:p="http://schemas.openxmlformats.org/presentationml/2006/main" xmlns:r="http://schemas.openxmlformats.org/officeDocument/2006/relationships" preserve="1" type="blank">
+<p:sldLayout xmlns:a="http://schemas.openxmlformats.org/drawingml/2006/main" xmlns:r="http://schemas.openxmlformats.org/officeDocument/2006/relationships" xmlns:p="http://schemas.openxmlformats.org/presentationml/2006/main" type="blank" preserve="1">
   <p:cSld name="Blank Slide">
     <p:spTree>
       <p:nvGrpSpPr>
@@ -42,11 +136,14 @@
       </p:grpSpPr>
     </p:spTree>
   </p:cSld>
+  <p:clrMapOvr>
+    <a:masterClrMapping/>
+  </p:clrMapOvr>
 </p:sldLayout>
 </file>
 
 <file path=ppt/slideLayouts/slideLayout10.xml><?xml version="1.0" encoding="utf-8"?>
-<p:sldLayout xmlns:a="http://schemas.openxmlformats.org/drawingml/2006/main" xmlns:p="http://schemas.openxmlformats.org/presentationml/2006/main" xmlns:r="http://schemas.openxmlformats.org/officeDocument/2006/relationships" preserve="1" type="objOverTx">
+<p:sldLayout xmlns:a="http://schemas.openxmlformats.org/drawingml/2006/main" xmlns:r="http://schemas.openxmlformats.org/officeDocument/2006/relationships" xmlns:p="http://schemas.openxmlformats.org/presentationml/2006/main" type="objOverTx" preserve="1">
   <p:cSld name="Title, Content over Content">
     <p:spTree>
       <p:nvGrpSpPr>
@@ -82,7 +179,8 @@
           </a:prstGeom>
         </p:spPr>
         <p:txBody>
-          <a:bodyPr anchor="ctr" bIns="0" lIns="0" rIns="0" tIns="0" wrap="none"/>
+          <a:bodyPr wrap="none" lIns="0" tIns="0" rIns="0" bIns="0" anchor="ctr"/>
+          <a:lstStyle/>
           <a:p>
             <a:pPr algn="ctr"/>
             <a:endParaRPr/>
@@ -109,7 +207,8 @@
           </a:prstGeom>
         </p:spPr>
         <p:txBody>
-          <a:bodyPr bIns="0" lIns="0" rIns="0" tIns="0" wrap="none"/>
+          <a:bodyPr wrap="none" lIns="0" tIns="0" rIns="0" bIns="0"/>
+          <a:lstStyle/>
           <a:p>
             <a:endParaRPr/>
           </a:p>
@@ -135,7 +234,8 @@
           </a:prstGeom>
         </p:spPr>
         <p:txBody>
-          <a:bodyPr bIns="0" lIns="0" rIns="0" tIns="0" wrap="none"/>
+          <a:bodyPr wrap="none" lIns="0" tIns="0" rIns="0" bIns="0"/>
+          <a:lstStyle/>
           <a:p>
             <a:endParaRPr/>
           </a:p>
@@ -143,11 +243,14 @@
       </p:sp>
     </p:spTree>
   </p:cSld>
+  <p:clrMapOvr>
+    <a:masterClrMapping/>
+  </p:clrMapOvr>
 </p:sldLayout>
 </file>
 
 <file path=ppt/slideLayouts/slideLayout11.xml><?xml version="1.0" encoding="utf-8"?>
-<p:sldLayout xmlns:a="http://schemas.openxmlformats.org/drawingml/2006/main" xmlns:p="http://schemas.openxmlformats.org/presentationml/2006/main" xmlns:r="http://schemas.openxmlformats.org/officeDocument/2006/relationships" preserve="1" type="fourObj">
+<p:sldLayout xmlns:a="http://schemas.openxmlformats.org/drawingml/2006/main" xmlns:r="http://schemas.openxmlformats.org/officeDocument/2006/relationships" xmlns:p="http://schemas.openxmlformats.org/presentationml/2006/main" type="fourObj" preserve="1">
   <p:cSld name="Title, 4 Content">
     <p:spTree>
       <p:nvGrpSpPr>
@@ -183,7 +286,8 @@
           </a:prstGeom>
         </p:spPr>
         <p:txBody>
-          <a:bodyPr anchor="ctr" bIns="0" lIns="0" rIns="0" tIns="0" wrap="none"/>
+          <a:bodyPr wrap="none" lIns="0" tIns="0" rIns="0" bIns="0" anchor="ctr"/>
+          <a:lstStyle/>
           <a:p>
             <a:pPr algn="ctr"/>
             <a:endParaRPr/>
@@ -210,7 +314,8 @@
           </a:prstGeom>
         </p:spPr>
         <p:txBody>
-          <a:bodyPr bIns="0" lIns="0" rIns="0" tIns="0" wrap="none"/>
+          <a:bodyPr wrap="none" lIns="0" tIns="0" rIns="0" bIns="0"/>
+          <a:lstStyle/>
           <a:p>
             <a:endParaRPr/>
           </a:p>
@@ -236,7 +341,8 @@
           </a:prstGeom>
         </p:spPr>
         <p:txBody>
-          <a:bodyPr bIns="0" lIns="0" rIns="0" tIns="0" wrap="none"/>
+          <a:bodyPr wrap="none" lIns="0" tIns="0" rIns="0" bIns="0"/>
+          <a:lstStyle/>
           <a:p>
             <a:endParaRPr/>
           </a:p>
@@ -262,7 +368,8 @@
           </a:prstGeom>
         </p:spPr>
         <p:txBody>
-          <a:bodyPr bIns="0" lIns="0" rIns="0" tIns="0" wrap="none"/>
+          <a:bodyPr wrap="none" lIns="0" tIns="0" rIns="0" bIns="0"/>
+          <a:lstStyle/>
           <a:p>
             <a:endParaRPr/>
           </a:p>
@@ -288,7 +395,8 @@
           </a:prstGeom>
         </p:spPr>
         <p:txBody>
-          <a:bodyPr bIns="0" lIns="0" rIns="0" tIns="0" wrap="none"/>
+          <a:bodyPr wrap="none" lIns="0" tIns="0" rIns="0" bIns="0"/>
+          <a:lstStyle/>
           <a:p>
             <a:endParaRPr/>
           </a:p>
@@ -296,11 +404,14 @@
       </p:sp>
     </p:spTree>
   </p:cSld>
+  <p:clrMapOvr>
+    <a:masterClrMapping/>
+  </p:clrMapOvr>
 </p:sldLayout>
 </file>
 
 <file path=ppt/slideLayouts/slideLayout12.xml><?xml version="1.0" encoding="utf-8"?>
-<p:sldLayout xmlns:a="http://schemas.openxmlformats.org/drawingml/2006/main" xmlns:p="http://schemas.openxmlformats.org/presentationml/2006/main" xmlns:r="http://schemas.openxmlformats.org/officeDocument/2006/relationships" preserve="1" type="blank">
+<p:sldLayout xmlns:a="http://schemas.openxmlformats.org/drawingml/2006/main" xmlns:r="http://schemas.openxmlformats.org/officeDocument/2006/relationships" xmlns:p="http://schemas.openxmlformats.org/presentationml/2006/main" type="blank" preserve="1">
   <p:cSld name="Title, 6 Content">
     <p:spTree>
       <p:nvGrpSpPr>
@@ -336,7 +447,8 @@
           </a:prstGeom>
         </p:spPr>
         <p:txBody>
-          <a:bodyPr anchor="ctr" bIns="0" lIns="0" rIns="0" tIns="0" wrap="none"/>
+          <a:bodyPr wrap="none" lIns="0" tIns="0" rIns="0" bIns="0" anchor="ctr"/>
+          <a:lstStyle/>
           <a:p>
             <a:pPr algn="ctr"/>
             <a:endParaRPr/>
@@ -363,7 +475,8 @@
           </a:prstGeom>
         </p:spPr>
         <p:txBody>
-          <a:bodyPr bIns="0" lIns="0" rIns="0" tIns="0" wrap="none"/>
+          <a:bodyPr wrap="none" lIns="0" tIns="0" rIns="0" bIns="0"/>
+          <a:lstStyle/>
           <a:p>
             <a:endParaRPr/>
           </a:p>
@@ -389,7 +502,8 @@
           </a:prstGeom>
         </p:spPr>
         <p:txBody>
-          <a:bodyPr bIns="0" lIns="0" rIns="0" tIns="0" wrap="none"/>
+          <a:bodyPr wrap="none" lIns="0" tIns="0" rIns="0" bIns="0"/>
+          <a:lstStyle/>
           <a:p>
             <a:endParaRPr/>
           </a:p>
@@ -397,11 +511,14 @@
       </p:sp>
     </p:spTree>
   </p:cSld>
+  <p:clrMapOvr>
+    <a:masterClrMapping/>
+  </p:clrMapOvr>
 </p:sldLayout>
 </file>
 
 <file path=ppt/slideLayouts/slideLayout2.xml><?xml version="1.0" encoding="utf-8"?>
-<p:sldLayout xmlns:a="http://schemas.openxmlformats.org/drawingml/2006/main" xmlns:p="http://schemas.openxmlformats.org/presentationml/2006/main" xmlns:r="http://schemas.openxmlformats.org/officeDocument/2006/relationships" preserve="1" type="tx">
+<p:sldLayout xmlns:a="http://schemas.openxmlformats.org/drawingml/2006/main" xmlns:r="http://schemas.openxmlformats.org/officeDocument/2006/relationships" xmlns:p="http://schemas.openxmlformats.org/presentationml/2006/main" type="tx" preserve="1">
   <p:cSld name="Title Slide">
     <p:spTree>
       <p:nvGrpSpPr>
@@ -437,7 +554,8 @@
           </a:prstGeom>
         </p:spPr>
         <p:txBody>
-          <a:bodyPr anchor="ctr" bIns="0" lIns="0" rIns="0" tIns="0" wrap="none"/>
+          <a:bodyPr wrap="none" lIns="0" tIns="0" rIns="0" bIns="0" anchor="ctr"/>
+          <a:lstStyle/>
           <a:p>
             <a:pPr algn="ctr"/>
             <a:endParaRPr/>
@@ -464,7 +582,8 @@
           </a:prstGeom>
         </p:spPr>
         <p:txBody>
-          <a:bodyPr anchor="ctr" bIns="0" lIns="0" rIns="0" tIns="0" wrap="none"/>
+          <a:bodyPr wrap="none" lIns="0" tIns="0" rIns="0" bIns="0" anchor="ctr"/>
+          <a:lstStyle/>
           <a:p>
             <a:pPr algn="ctr"/>
             <a:endParaRPr/>
@@ -473,11 +592,14 @@
       </p:sp>
     </p:spTree>
   </p:cSld>
+  <p:clrMapOvr>
+    <a:masterClrMapping/>
+  </p:clrMapOvr>
 </p:sldLayout>
 </file>
 
 <file path=ppt/slideLayouts/slideLayout3.xml><?xml version="1.0" encoding="utf-8"?>
-<p:sldLayout xmlns:a="http://schemas.openxmlformats.org/drawingml/2006/main" xmlns:p="http://schemas.openxmlformats.org/presentationml/2006/main" xmlns:r="http://schemas.openxmlformats.org/officeDocument/2006/relationships" preserve="1" type="obj">
+<p:sldLayout xmlns:a="http://schemas.openxmlformats.org/drawingml/2006/main" xmlns:r="http://schemas.openxmlformats.org/officeDocument/2006/relationships" xmlns:p="http://schemas.openxmlformats.org/presentationml/2006/main" type="obj" preserve="1">
   <p:cSld name="Title, Content">
     <p:spTree>
       <p:nvGrpSpPr>
@@ -513,7 +635,8 @@
           </a:prstGeom>
         </p:spPr>
         <p:txBody>
-          <a:bodyPr anchor="ctr" bIns="0" lIns="0" rIns="0" tIns="0" wrap="none"/>
+          <a:bodyPr wrap="none" lIns="0" tIns="0" rIns="0" bIns="0" anchor="ctr"/>
+          <a:lstStyle/>
           <a:p>
             <a:pPr algn="ctr"/>
             <a:endParaRPr/>
@@ -540,7 +663,8 @@
           </a:prstGeom>
         </p:spPr>
         <p:txBody>
-          <a:bodyPr bIns="0" lIns="0" rIns="0" tIns="0" wrap="none"/>
+          <a:bodyPr wrap="none" lIns="0" tIns="0" rIns="0" bIns="0"/>
+          <a:lstStyle/>
           <a:p>
             <a:endParaRPr/>
           </a:p>
@@ -548,11 +672,14 @@
       </p:sp>
     </p:spTree>
   </p:cSld>
+  <p:clrMapOvr>
+    <a:masterClrMapping/>
+  </p:clrMapOvr>
 </p:sldLayout>
 </file>
 
 <file path=ppt/slideLayouts/slideLayout4.xml><?xml version="1.0" encoding="utf-8"?>
-<p:sldLayout xmlns:a="http://schemas.openxmlformats.org/drawingml/2006/main" xmlns:p="http://schemas.openxmlformats.org/presentationml/2006/main" xmlns:r="http://schemas.openxmlformats.org/officeDocument/2006/relationships" preserve="1" type="twoObj">
+<p:sldLayout xmlns:a="http://schemas.openxmlformats.org/drawingml/2006/main" xmlns:r="http://schemas.openxmlformats.org/officeDocument/2006/relationships" xmlns:p="http://schemas.openxmlformats.org/presentationml/2006/main" type="twoObj" preserve="1">
   <p:cSld name="Title, 2 Content">
     <p:spTree>
       <p:nvGrpSpPr>
@@ -588,7 +715,8 @@
           </a:prstGeom>
         </p:spPr>
         <p:txBody>
-          <a:bodyPr anchor="ctr" bIns="0" lIns="0" rIns="0" tIns="0" wrap="none"/>
+          <a:bodyPr wrap="none" lIns="0" tIns="0" rIns="0" bIns="0" anchor="ctr"/>
+          <a:lstStyle/>
           <a:p>
             <a:pPr algn="ctr"/>
             <a:endParaRPr/>
@@ -615,7 +743,8 @@
           </a:prstGeom>
         </p:spPr>
         <p:txBody>
-          <a:bodyPr bIns="0" lIns="0" rIns="0" tIns="0" wrap="none"/>
+          <a:bodyPr wrap="none" lIns="0" tIns="0" rIns="0" bIns="0"/>
+          <a:lstStyle/>
           <a:p>
             <a:endParaRPr/>
           </a:p>
@@ -641,7 +770,8 @@
           </a:prstGeom>
         </p:spPr>
         <p:txBody>
-          <a:bodyPr bIns="0" lIns="0" rIns="0" tIns="0" wrap="none"/>
+          <a:bodyPr wrap="none" lIns="0" tIns="0" rIns="0" bIns="0"/>
+          <a:lstStyle/>
           <a:p>
             <a:endParaRPr/>
           </a:p>
@@ -649,11 +779,14 @@
       </p:sp>
     </p:spTree>
   </p:cSld>
+  <p:clrMapOvr>
+    <a:masterClrMapping/>
+  </p:clrMapOvr>
 </p:sldLayout>
 </file>
 
 <file path=ppt/slideLayouts/slideLayout5.xml><?xml version="1.0" encoding="utf-8"?>
-<p:sldLayout xmlns:a="http://schemas.openxmlformats.org/drawingml/2006/main" xmlns:p="http://schemas.openxmlformats.org/presentationml/2006/main" xmlns:r="http://schemas.openxmlformats.org/officeDocument/2006/relationships" preserve="1" type="titleOnly">
+<p:sldLayout xmlns:a="http://schemas.openxmlformats.org/drawingml/2006/main" xmlns:r="http://schemas.openxmlformats.org/officeDocument/2006/relationships" xmlns:p="http://schemas.openxmlformats.org/presentationml/2006/main" type="titleOnly" preserve="1">
   <p:cSld name="Title Only">
     <p:spTree>
       <p:nvGrpSpPr>
@@ -689,7 +822,8 @@
           </a:prstGeom>
         </p:spPr>
         <p:txBody>
-          <a:bodyPr anchor="ctr" bIns="0" lIns="0" rIns="0" tIns="0" wrap="none"/>
+          <a:bodyPr wrap="none" lIns="0" tIns="0" rIns="0" bIns="0" anchor="ctr"/>
+          <a:lstStyle/>
           <a:p>
             <a:pPr algn="ctr"/>
             <a:endParaRPr/>
@@ -698,11 +832,14 @@
       </p:sp>
     </p:spTree>
   </p:cSld>
+  <p:clrMapOvr>
+    <a:masterClrMapping/>
+  </p:clrMapOvr>
 </p:sldLayout>
 </file>
 
 <file path=ppt/slideLayouts/slideLayout6.xml><?xml version="1.0" encoding="utf-8"?>
-<p:sldLayout xmlns:a="http://schemas.openxmlformats.org/drawingml/2006/main" xmlns:p="http://schemas.openxmlformats.org/presentationml/2006/main" xmlns:r="http://schemas.openxmlformats.org/officeDocument/2006/relationships" preserve="1" type="objOnly">
+<p:sldLayout xmlns:a="http://schemas.openxmlformats.org/drawingml/2006/main" xmlns:r="http://schemas.openxmlformats.org/officeDocument/2006/relationships" xmlns:p="http://schemas.openxmlformats.org/presentationml/2006/main" type="objOnly" preserve="1">
   <p:cSld name="Centered Text">
     <p:spTree>
       <p:nvGrpSpPr>
@@ -738,7 +875,8 @@
           </a:prstGeom>
         </p:spPr>
         <p:txBody>
-          <a:bodyPr anchor="ctr" bIns="0" lIns="0" rIns="0" tIns="0" wrap="none"/>
+          <a:bodyPr wrap="none" lIns="0" tIns="0" rIns="0" bIns="0" anchor="ctr"/>
+          <a:lstStyle/>
           <a:p>
             <a:pPr algn="ctr"/>
             <a:endParaRPr/>
@@ -747,11 +885,14 @@
       </p:sp>
     </p:spTree>
   </p:cSld>
+  <p:clrMapOvr>
+    <a:masterClrMapping/>
+  </p:clrMapOvr>
 </p:sldLayout>
 </file>
 
 <file path=ppt/slideLayouts/slideLayout7.xml><?xml version="1.0" encoding="utf-8"?>
-<p:sldLayout xmlns:a="http://schemas.openxmlformats.org/drawingml/2006/main" xmlns:p="http://schemas.openxmlformats.org/presentationml/2006/main" xmlns:r="http://schemas.openxmlformats.org/officeDocument/2006/relationships" preserve="1" type="twoObjAndObj">
+<p:sldLayout xmlns:a="http://schemas.openxmlformats.org/drawingml/2006/main" xmlns:r="http://schemas.openxmlformats.org/officeDocument/2006/relationships" xmlns:p="http://schemas.openxmlformats.org/presentationml/2006/main" type="twoObjAndObj" preserve="1">
   <p:cSld name="Title, 2 Content and Content">
     <p:spTree>
       <p:nvGrpSpPr>
@@ -787,7 +928,8 @@
           </a:prstGeom>
         </p:spPr>
         <p:txBody>
-          <a:bodyPr anchor="ctr" bIns="0" lIns="0" rIns="0" tIns="0" wrap="none"/>
+          <a:bodyPr wrap="none" lIns="0" tIns="0" rIns="0" bIns="0" anchor="ctr"/>
+          <a:lstStyle/>
           <a:p>
             <a:pPr algn="ctr"/>
             <a:endParaRPr/>
@@ -814,7 +956,8 @@
           </a:prstGeom>
         </p:spPr>
         <p:txBody>
-          <a:bodyPr bIns="0" lIns="0" rIns="0" tIns="0" wrap="none"/>
+          <a:bodyPr wrap="none" lIns="0" tIns="0" rIns="0" bIns="0"/>
+          <a:lstStyle/>
           <a:p>
             <a:endParaRPr/>
           </a:p>
@@ -840,7 +983,8 @@
           </a:prstGeom>
         </p:spPr>
         <p:txBody>
-          <a:bodyPr bIns="0" lIns="0" rIns="0" tIns="0" wrap="none"/>
+          <a:bodyPr wrap="none" lIns="0" tIns="0" rIns="0" bIns="0"/>
+          <a:lstStyle/>
           <a:p>
             <a:endParaRPr/>
           </a:p>
@@ -866,7 +1010,8 @@
           </a:prstGeom>
         </p:spPr>
         <p:txBody>
-          <a:bodyPr bIns="0" lIns="0" rIns="0" tIns="0" wrap="none"/>
+          <a:bodyPr wrap="none" lIns="0" tIns="0" rIns="0" bIns="0"/>
+          <a:lstStyle/>
           <a:p>
             <a:endParaRPr/>
           </a:p>
@@ -874,11 +1019,14 @@
       </p:sp>
     </p:spTree>
   </p:cSld>
+  <p:clrMapOvr>
+    <a:masterClrMapping/>
+  </p:clrMapOvr>
 </p:sldLayout>
 </file>
 
 <file path=ppt/slideLayouts/slideLayout8.xml><?xml version="1.0" encoding="utf-8"?>
-<p:sldLayout xmlns:a="http://schemas.openxmlformats.org/drawingml/2006/main" xmlns:p="http://schemas.openxmlformats.org/presentationml/2006/main" xmlns:r="http://schemas.openxmlformats.org/officeDocument/2006/relationships" preserve="1" type="objAndTwoObj">
+<p:sldLayout xmlns:a="http://schemas.openxmlformats.org/drawingml/2006/main" xmlns:r="http://schemas.openxmlformats.org/officeDocument/2006/relationships" xmlns:p="http://schemas.openxmlformats.org/presentationml/2006/main" type="objAndTwoObj" preserve="1">
   <p:cSld name="Title Content and 2 Content">
     <p:spTree>
       <p:nvGrpSpPr>
@@ -914,7 +1062,8 @@
           </a:prstGeom>
         </p:spPr>
         <p:txBody>
-          <a:bodyPr anchor="ctr" bIns="0" lIns="0" rIns="0" tIns="0" wrap="none"/>
+          <a:bodyPr wrap="none" lIns="0" tIns="0" rIns="0" bIns="0" anchor="ctr"/>
+          <a:lstStyle/>
           <a:p>
             <a:pPr algn="ctr"/>
             <a:endParaRPr/>
@@ -941,7 +1090,8 @@
           </a:prstGeom>
         </p:spPr>
         <p:txBody>
-          <a:bodyPr bIns="0" lIns="0" rIns="0" tIns="0" wrap="none"/>
+          <a:bodyPr wrap="none" lIns="0" tIns="0" rIns="0" bIns="0"/>
+          <a:lstStyle/>
           <a:p>
             <a:endParaRPr/>
           </a:p>
@@ -967,7 +1117,8 @@
           </a:prstGeom>
         </p:spPr>
         <p:txBody>
-          <a:bodyPr bIns="0" lIns="0" rIns="0" tIns="0" wrap="none"/>
+          <a:bodyPr wrap="none" lIns="0" tIns="0" rIns="0" bIns="0"/>
+          <a:lstStyle/>
           <a:p>
             <a:endParaRPr/>
           </a:p>
@@ -993,7 +1144,8 @@
           </a:prstGeom>
         </p:spPr>
         <p:txBody>
-          <a:bodyPr bIns="0" lIns="0" rIns="0" tIns="0" wrap="none"/>
+          <a:bodyPr wrap="none" lIns="0" tIns="0" rIns="0" bIns="0"/>
+          <a:lstStyle/>
           <a:p>
             <a:endParaRPr/>
           </a:p>
@@ -1001,11 +1153,14 @@
       </p:sp>
     </p:spTree>
   </p:cSld>
+  <p:clrMapOvr>
+    <a:masterClrMapping/>
+  </p:clrMapOvr>
 </p:sldLayout>
 </file>
 
 <file path=ppt/slideLayouts/slideLayout9.xml><?xml version="1.0" encoding="utf-8"?>
-<p:sldLayout xmlns:a="http://schemas.openxmlformats.org/drawingml/2006/main" xmlns:p="http://schemas.openxmlformats.org/presentationml/2006/main" xmlns:r="http://schemas.openxmlformats.org/officeDocument/2006/relationships" preserve="1" type="twoObjOverTx">
+<p:sldLayout xmlns:a="http://schemas.openxmlformats.org/drawingml/2006/main" xmlns:r="http://schemas.openxmlformats.org/officeDocument/2006/relationships" xmlns:p="http://schemas.openxmlformats.org/presentationml/2006/main" type="twoObjOverTx" preserve="1">
   <p:cSld name="Title, 2 Content over Content">
     <p:spTree>
       <p:nvGrpSpPr>
@@ -1041,7 +1196,8 @@
           </a:prstGeom>
         </p:spPr>
         <p:txBody>
-          <a:bodyPr anchor="ctr" bIns="0" lIns="0" rIns="0" tIns="0" wrap="none"/>
+          <a:bodyPr wrap="none" lIns="0" tIns="0" rIns="0" bIns="0" anchor="ctr"/>
+          <a:lstStyle/>
           <a:p>
             <a:pPr algn="ctr"/>
             <a:endParaRPr/>
@@ -1068,7 +1224,8 @@
           </a:prstGeom>
         </p:spPr>
         <p:txBody>
-          <a:bodyPr bIns="0" lIns="0" rIns="0" tIns="0" wrap="none"/>
+          <a:bodyPr wrap="none" lIns="0" tIns="0" rIns="0" bIns="0"/>
+          <a:lstStyle/>
           <a:p>
             <a:endParaRPr/>
           </a:p>
@@ -1094,7 +1251,8 @@
           </a:prstGeom>
         </p:spPr>
         <p:txBody>
-          <a:bodyPr bIns="0" lIns="0" rIns="0" tIns="0" wrap="none"/>
+          <a:bodyPr wrap="none" lIns="0" tIns="0" rIns="0" bIns="0"/>
+          <a:lstStyle/>
           <a:p>
             <a:endParaRPr/>
           </a:p>
@@ -1120,7 +1278,8 @@
           </a:prstGeom>
         </p:spPr>
         <p:txBody>
-          <a:bodyPr bIns="0" lIns="0" rIns="0" tIns="0" wrap="none"/>
+          <a:bodyPr wrap="none" lIns="0" tIns="0" rIns="0" bIns="0"/>
+          <a:lstStyle/>
           <a:p>
             <a:endParaRPr/>
           </a:p>
@@ -1128,11 +1287,201 @@
       </p:sp>
     </p:spTree>
   </p:cSld>
+  <p:clrMapOvr>
+    <a:masterClrMapping/>
+  </p:clrMapOvr>
 </p:sldLayout>
 </file>
 
 <file path=ppt/slideMasters/slideMaster1.xml><?xml version="1.0" encoding="utf-8"?>
-<p:sldMaster xmlns:a="http://schemas.openxmlformats.org/drawingml/2006/main" xmlns:p="http://schemas.openxmlformats.org/presentationml/2006/main" xmlns:r="http://schemas.openxmlformats.org/officeDocument/2006/relationships">
+<p:sldMaster xmlns:a="http://schemas.openxmlformats.org/drawingml/2006/main" xmlns:r="http://schemas.openxmlformats.org/officeDocument/2006/relationships" xmlns:p="http://schemas.openxmlformats.org/presentationml/2006/main">
+  <p:cSld>
+    <p:bg>
+      <p:bgRef idx="1001">
+        <a:schemeClr val="bg1"/>
+      </p:bgRef>
+    </p:bg>
+    <p:spTree>
+      <p:nvGrpSpPr>
+        <p:cNvPr id="1" name=""/>
+        <p:cNvGrpSpPr/>
+        <p:nvPr/>
+      </p:nvGrpSpPr>
+      <p:grpSpPr>
+        <a:xfrm>
+          <a:off x="0" y="0"/>
+          <a:ext cx="0" cy="0"/>
+          <a:chOff x="0" y="0"/>
+          <a:chExt cx="0" cy="0"/>
+        </a:xfrm>
+      </p:grpSpPr>
+      <p:sp>
+        <p:nvSpPr>
+          <p:cNvPr id="2" name="PlaceHolder 1"/>
+          <p:cNvSpPr>
+            <a:spLocks noGrp="1"/>
+          </p:cNvSpPr>
+          <p:nvPr>
+            <p:ph type="title"/>
+          </p:nvPr>
+        </p:nvSpPr>
+        <p:spPr>
+          <a:xfrm>
+            <a:off x="457200" y="205200"/>
+            <a:ext cx="8229240" cy="858600"/>
+          </a:xfrm>
+          <a:prstGeom prst="rect">
+            <a:avLst/>
+          </a:prstGeom>
+        </p:spPr>
+        <p:txBody>
+          <a:bodyPr wrap="none" lIns="0" tIns="0" rIns="0" bIns="0" anchor="ctr"/>
+          <a:lstStyle/>
+          <a:p>
+            <a:pPr algn="ctr"/>
+            <a:r>
+              <a:rPr lang="en-US"/>
+              <a:t>Click to edit the title text format</a:t>
+            </a:r>
+            <a:endParaRPr/>
+          </a:p>
+        </p:txBody>
+      </p:sp>
+      <p:sp>
+        <p:nvSpPr>
+          <p:cNvPr id="3" name="PlaceHolder 2"/>
+          <p:cNvSpPr>
+            <a:spLocks noGrp="1"/>
+          </p:cNvSpPr>
+          <p:nvPr>
+            <p:ph type="body"/>
+          </p:nvPr>
+        </p:nvSpPr>
+        <p:spPr>
+          <a:xfrm>
+            <a:off x="457200" y="1203480"/>
+            <a:ext cx="8229240" cy="2982960"/>
+          </a:xfrm>
+          <a:prstGeom prst="rect">
+            <a:avLst/>
+          </a:prstGeom>
+        </p:spPr>
+        <p:txBody>
+          <a:bodyPr wrap="none" lIns="0" tIns="0" rIns="0" bIns="0"/>
+          <a:lstStyle/>
+          <a:p>
+            <a:pPr>
+              <a:buSzPct val="25000"/>
+              <a:buFont typeface="StarSymbol"/>
+              <a:buChar char=""/>
+            </a:pPr>
+            <a:r>
+              <a:rPr lang="en-US"/>
+              <a:t>Click to edit the outline text format</a:t>
+            </a:r>
+            <a:endParaRPr/>
+          </a:p>
+          <a:p>
+            <a:pPr lvl="1">
+              <a:buSzPct val="25000"/>
+              <a:buFont typeface="StarSymbol"/>
+              <a:buChar char=""/>
+            </a:pPr>
+            <a:r>
+              <a:rPr lang="en-US"/>
+              <a:t>Second Outline Level</a:t>
+            </a:r>
+            <a:endParaRPr/>
+          </a:p>
+          <a:p>
+            <a:pPr lvl="2">
+              <a:buSzPct val="25000"/>
+              <a:buFont typeface="StarSymbol"/>
+              <a:buChar char=""/>
+            </a:pPr>
+            <a:r>
+              <a:rPr lang="en-US"/>
+              <a:t>Third Outline Level</a:t>
+            </a:r>
+            <a:endParaRPr/>
+          </a:p>
+          <a:p>
+            <a:pPr lvl="3">
+              <a:buSzPct val="25000"/>
+              <a:buFont typeface="StarSymbol"/>
+              <a:buChar char=""/>
+            </a:pPr>
+            <a:r>
+              <a:rPr lang="en-US"/>
+              <a:t>Fourth Outline Level</a:t>
+            </a:r>
+            <a:endParaRPr/>
+          </a:p>
+          <a:p>
+            <a:pPr lvl="4">
+              <a:buSzPct val="25000"/>
+              <a:buFont typeface="StarSymbol"/>
+              <a:buChar char=""/>
+            </a:pPr>
+            <a:r>
+              <a:rPr lang="en-US"/>
+              <a:t>Fifth Outline Level</a:t>
+            </a:r>
+            <a:endParaRPr/>
+          </a:p>
+          <a:p>
+            <a:pPr lvl="5">
+              <a:buSzPct val="25000"/>
+              <a:buFont typeface="StarSymbol"/>
+              <a:buChar char=""/>
+            </a:pPr>
+            <a:r>
+              <a:rPr lang="en-US"/>
+              <a:t>Sixth Outline Level</a:t>
+            </a:r>
+            <a:endParaRPr/>
+          </a:p>
+          <a:p>
+            <a:pPr lvl="6">
+              <a:buSzPct val="25000"/>
+              <a:buFont typeface="StarSymbol"/>
+              <a:buChar char=""/>
+            </a:pPr>
+            <a:r>
+              <a:rPr lang="en-US"/>
+              <a:t>Seventh Outline Level</a:t>
+            </a:r>
+            <a:endParaRPr/>
+          </a:p>
+        </p:txBody>
+      </p:sp>
+    </p:spTree>
+  </p:cSld>
+  <p:clrMap bg1="lt1" tx1="dk1" bg2="lt2" tx2="dk2" accent1="accent1" accent2="accent2" accent3="accent3" accent4="accent4" accent5="accent5" accent6="accent6" hlink="hlink" folHlink="folHlink"/>
+  <p:sldLayoutIdLst>
+    <p:sldLayoutId id="2147483649" r:id="rId1"/>
+    <p:sldLayoutId id="2147483650" r:id="rId2"/>
+    <p:sldLayoutId id="2147483651" r:id="rId3"/>
+    <p:sldLayoutId id="2147483652" r:id="rId4"/>
+    <p:sldLayoutId id="2147483653" r:id="rId5"/>
+    <p:sldLayoutId id="2147483654" r:id="rId6"/>
+    <p:sldLayoutId id="2147483655" r:id="rId7"/>
+    <p:sldLayoutId id="2147483656" r:id="rId8"/>
+    <p:sldLayoutId id="2147483657" r:id="rId9"/>
+    <p:sldLayoutId id="2147483658" r:id="rId10"/>
+    <p:sldLayoutId id="2147483659" r:id="rId11"/>
+    <p:sldLayoutId id="2147483660" r:id="rId12"/>
+  </p:sldLayoutIdLst>
+  <p:txStyles>
+    <p:titleStyle/>
+    <p:bodyStyle/>
+    <p:otherStyle/>
+  </p:txStyles>
+</p:sldMaster>
+</file>
+
+<file path=ppt/slides/slide1.xml><?xml version="1.0" encoding="utf-8"?>
+<p:sld xmlns:a="http://schemas.openxmlformats.org/drawingml/2006/main" xmlns:r="http://schemas.openxmlformats.org/officeDocument/2006/relationships" xmlns:p="http://schemas.openxmlformats.org/presentationml/2006/main">
   <p:cSld>
     <p:spTree>
       <p:nvGrpSpPr>
@@ -1150,164 +1499,154 @@
       </p:grpSpPr>
       <p:sp>
         <p:nvSpPr>
-          <p:cNvPr id="0" name="PlaceHolder 1"/>
-          <p:cNvSpPr>
-            <a:spLocks noGrp="1"/>
-          </p:cNvSpPr>
-          <p:nvPr>
-            <p:ph type="title"/>
-          </p:nvPr>
-        </p:nvSpPr>
-        <p:spPr>
-          <a:xfrm>
-            <a:off x="457200" y="205200"/>
-            <a:ext cx="8229240" cy="858600"/>
-          </a:xfrm>
-          <a:prstGeom prst="rect">
-            <a:avLst/>
-          </a:prstGeom>
-        </p:spPr>
-        <p:txBody>
-          <a:bodyPr anchor="ctr" bIns="0" lIns="0" rIns="0" tIns="0" wrap="none"/>
-          <a:p>
-            <a:pPr algn="ctr"/>
-            <a:r>
-              <a:rPr lang="en-US"/>
-              <a:t>Click to edit the title text format</a:t>
-            </a:r>
-            <a:endParaRPr/>
-          </a:p>
-        </p:txBody>
-      </p:sp>
-      <p:sp>
-        <p:nvSpPr>
-          <p:cNvPr id="1" name="PlaceHolder 2"/>
-          <p:cNvSpPr>
-            <a:spLocks noGrp="1"/>
-          </p:cNvSpPr>
-          <p:nvPr>
-            <p:ph type="body"/>
-          </p:nvPr>
-        </p:nvSpPr>
-        <p:spPr>
-          <a:xfrm>
-            <a:off x="457200" y="1203480"/>
-            <a:ext cx="8229240" cy="2982960"/>
-          </a:xfrm>
-          <a:prstGeom prst="rect">
-            <a:avLst/>
-          </a:prstGeom>
-        </p:spPr>
-        <p:txBody>
-          <a:bodyPr bIns="0" lIns="0" rIns="0" tIns="0" wrap="none"/>
-          <a:p>
-            <a:pPr>
-              <a:buSzPct val="25000"/>
-              <a:buFont typeface="StarSymbol"/>
-              <a:buChar char=""/>
+          <p:cNvPr id="34" name="CustomShape 1"/>
+          <p:cNvSpPr/>
+          <p:nvPr/>
+        </p:nvSpPr>
+        <p:spPr>
+          <a:xfrm>
+            <a:off x="685800" y="1200240"/>
+            <a:ext cx="7770600" cy="1100880"/>
+          </a:xfrm>
+          <a:prstGeom prst="rect">
+            <a:avLst/>
+          </a:prstGeom>
+        </p:spPr>
+        <p:txBody>
+          <a:bodyPr lIns="90000" tIns="45000" rIns="90000" bIns="45000" anchor="ctr"/>
+          <a:lstStyle/>
+          <a:p>
+            <a:pPr algn="ctr">
+              <a:lnSpc>
+                <a:spcPct val="100000"/>
+              </a:lnSpc>
             </a:pPr>
             <a:r>
-              <a:rPr lang="en-US"/>
-              <a:t>Click to edit the outline text format</a:t>
-            </a:r>
-            <a:endParaRPr/>
-          </a:p>
-          <a:p>
-            <a:pPr lvl="1">
-              <a:buSzPct val="25000"/>
-              <a:buFont typeface="StarSymbol"/>
-              <a:buChar char=""/>
+              <a:rPr lang="en-US" sz="4400" b="1">
+                <a:solidFill>
+                  <a:srgbClr val="FF420E"/>
+                </a:solidFill>
+                <a:latin typeface="Calibri"/>
+              </a:rPr>
+              <a:t>Shikkhok Batayon</a:t>
+            </a:r>
+            <a:endParaRPr/>
+          </a:p>
+        </p:txBody>
+      </p:sp>
+      <p:sp>
+        <p:nvSpPr>
+          <p:cNvPr id="35" name="CustomShape 2"/>
+          <p:cNvSpPr/>
+          <p:nvPr/>
+        </p:nvSpPr>
+        <p:spPr>
+          <a:xfrm>
+            <a:off x="1371600" y="2517120"/>
+            <a:ext cx="6491880" cy="1871640"/>
+          </a:xfrm>
+          <a:prstGeom prst="rect">
+            <a:avLst/>
+          </a:prstGeom>
+        </p:spPr>
+        <p:txBody>
+          <a:bodyPr lIns="90000" tIns="45000" rIns="90000" bIns="45000"/>
+          <a:lstStyle/>
+          <a:p>
+            <a:pPr algn="ctr">
+              <a:lnSpc>
+                <a:spcPct val="100000"/>
+              </a:lnSpc>
             </a:pPr>
             <a:r>
-              <a:rPr lang="en-US"/>
-              <a:t>Second Outline Level</a:t>
-            </a:r>
-            <a:endParaRPr/>
-          </a:p>
-          <a:p>
-            <a:pPr lvl="2">
-              <a:buSzPct val="25000"/>
-              <a:buFont typeface="StarSymbol"/>
-              <a:buChar char=""/>
+              <a:rPr lang="en-US" sz="2800" dirty="0" err="1">
+                <a:solidFill>
+                  <a:srgbClr val="558ED5"/>
+                </a:solidFill>
+                <a:latin typeface="Calibri" pitchFamily="34" charset="0"/>
+                <a:cs typeface="Calibri" pitchFamily="34" charset="0"/>
+              </a:rPr>
+              <a:t>RipubliCats</a:t>
+            </a:r>
+            <a:endParaRPr sz="3600" dirty="0">
+              <a:latin typeface="Calibri" pitchFamily="34" charset="0"/>
+              <a:cs typeface="Calibri" pitchFamily="34" charset="0"/>
+            </a:endParaRPr>
+          </a:p>
+          <a:p>
+            <a:pPr algn="ctr">
+              <a:lnSpc>
+                <a:spcPct val="100000"/>
+              </a:lnSpc>
             </a:pPr>
-            <a:r>
-              <a:rPr lang="en-US"/>
-              <a:t>Third Outline Level</a:t>
-            </a:r>
-            <a:endParaRPr/>
-          </a:p>
-          <a:p>
-            <a:pPr lvl="3">
-              <a:buSzPct val="25000"/>
-              <a:buFont typeface="StarSymbol"/>
-              <a:buChar char=""/>
+            <a:endParaRPr sz="3600" dirty="0">
+              <a:latin typeface="Calibri" pitchFamily="34" charset="0"/>
+              <a:cs typeface="Calibri" pitchFamily="34" charset="0"/>
+            </a:endParaRPr>
+          </a:p>
+          <a:p>
+            <a:pPr algn="ctr">
+              <a:lnSpc>
+                <a:spcPct val="100000"/>
+              </a:lnSpc>
             </a:pPr>
             <a:r>
-              <a:rPr lang="en-US"/>
-              <a:t>Fourth Outline Level</a:t>
-            </a:r>
-            <a:endParaRPr/>
-          </a:p>
-          <a:p>
-            <a:pPr lvl="4">
-              <a:buSzPct val="25000"/>
-              <a:buFont typeface="StarSymbol"/>
-              <a:buChar char=""/>
-            </a:pPr>
-            <a:r>
-              <a:rPr lang="en-US"/>
-              <a:t>Fifth Outline Level</a:t>
-            </a:r>
-            <a:endParaRPr/>
-          </a:p>
-          <a:p>
-            <a:pPr lvl="5">
-              <a:buSzPct val="25000"/>
-              <a:buFont typeface="StarSymbol"/>
-              <a:buChar char=""/>
-            </a:pPr>
-            <a:r>
-              <a:rPr lang="en-US"/>
-              <a:t>Sixth Outline Level</a:t>
-            </a:r>
-            <a:endParaRPr/>
-          </a:p>
-          <a:p>
-            <a:pPr lvl="6">
-              <a:buSzPct val="25000"/>
-              <a:buFont typeface="StarSymbol"/>
-              <a:buChar char=""/>
-            </a:pPr>
-            <a:r>
-              <a:rPr lang="en-US"/>
-              <a:t>Seventh Outline Level</a:t>
-            </a:r>
-            <a:endParaRPr/>
+              <a:rPr lang="en-US" sz="3600" dirty="0">
+                <a:solidFill>
+                  <a:srgbClr val="993366"/>
+                </a:solidFill>
+                <a:latin typeface="Calibri" pitchFamily="34" charset="0"/>
+                <a:cs typeface="Calibri" pitchFamily="34" charset="0"/>
+              </a:rPr>
+              <a:t>Team #4</a:t>
+            </a:r>
+            <a:endParaRPr sz="3600" dirty="0">
+              <a:latin typeface="Calibri" pitchFamily="34" charset="0"/>
+              <a:cs typeface="Calibri" pitchFamily="34" charset="0"/>
+            </a:endParaRPr>
           </a:p>
         </p:txBody>
       </p:sp>
     </p:spTree>
   </p:cSld>
-  <p:clrMap accent1="accent1" accent2="accent2" accent3="accent3" accent4="accent4" accent5="accent5" accent6="accent6" bg1="lt1" bg2="lt2" folHlink="folHlink" hlink="hlink" tx1="dk1" tx2="dk2"/>
-  <p:sldLayoutIdLst>
-    <p:sldLayoutId id="2147483649" r:id="rId2"/>
-    <p:sldLayoutId id="2147483650" r:id="rId3"/>
-    <p:sldLayoutId id="2147483651" r:id="rId4"/>
-    <p:sldLayoutId id="2147483652" r:id="rId5"/>
-    <p:sldLayoutId id="2147483653" r:id="rId6"/>
-    <p:sldLayoutId id="2147483654" r:id="rId7"/>
-    <p:sldLayoutId id="2147483655" r:id="rId8"/>
-    <p:sldLayoutId id="2147483656" r:id="rId9"/>
-    <p:sldLayoutId id="2147483657" r:id="rId10"/>
-    <p:sldLayoutId id="2147483658" r:id="rId11"/>
-    <p:sldLayoutId id="2147483659" r:id="rId12"/>
-    <p:sldLayoutId id="2147483660" r:id="rId13"/>
-  </p:sldLayoutIdLst>
-</p:sldMaster>
+  <p:clrMapOvr>
+    <a:masterClrMapping/>
+  </p:clrMapOvr>
+  <p:transition>
+    <p:fade/>
+  </p:transition>
+  <p:timing>
+    <p:tnLst>
+      <p:par>
+        <p:cTn id="1" dur="indefinite" restart="never" nodeType="tmRoot">
+          <p:childTnLst>
+            <p:seq>
+              <p:cTn id="2" nodeType="mainSeq"/>
+              <p:prevCondLst>
+                <p:cond evt="onPrev" delay="0">
+                  <p:tgtEl>
+                    <p:sldTgt/>
+                  </p:tgtEl>
+                </p:cond>
+              </p:prevCondLst>
+              <p:nextCondLst>
+                <p:cond evt="onNext" delay="0">
+                  <p:tgtEl>
+                    <p:sldTgt/>
+                  </p:tgtEl>
+                </p:cond>
+              </p:nextCondLst>
+            </p:seq>
+          </p:childTnLst>
+        </p:cTn>
+      </p:par>
+    </p:tnLst>
+  </p:timing>
+</p:sld>
 </file>
 
-<file path=ppt/slides/slide1.xml><?xml version="1.0" encoding="utf-8"?>
-<p:sld xmlns:a="http://schemas.openxmlformats.org/drawingml/2006/main" xmlns:p="http://schemas.openxmlformats.org/presentationml/2006/main" xmlns:r="http://schemas.openxmlformats.org/officeDocument/2006/relationships">
+<file path=ppt/slides/slide10.xml><?xml version="1.0" encoding="utf-8"?>
+<p:sld xmlns:a="http://schemas.openxmlformats.org/drawingml/2006/main" xmlns:r="http://schemas.openxmlformats.org/officeDocument/2006/relationships" xmlns:p="http://schemas.openxmlformats.org/presentationml/2006/main">
   <p:cSld>
     <p:spTree>
       <p:nvGrpSpPr>
@@ -1325,13 +1664,13 @@
       </p:grpSpPr>
       <p:sp>
         <p:nvSpPr>
-          <p:cNvPr id="34" name="CustomShape 1"/>
+          <p:cNvPr id="57" name="CustomShape 1"/>
           <p:cNvSpPr/>
           <p:nvPr/>
         </p:nvSpPr>
         <p:spPr>
           <a:xfrm>
-            <a:off x="685800" y="1200240"/>
+            <a:off x="685800" y="1047600"/>
             <a:ext cx="7770600" cy="1100880"/>
           </a:xfrm>
           <a:prstGeom prst="rect">
@@ -1339,7 +1678,8 @@
           </a:prstGeom>
         </p:spPr>
         <p:txBody>
-          <a:bodyPr anchor="ctr" bIns="45000" lIns="90000" rIns="90000" tIns="45000"/>
+          <a:bodyPr lIns="90000" tIns="45000" rIns="90000" bIns="45000" anchor="ctr"/>
+          <a:lstStyle/>
           <a:p>
             <a:pPr algn="ctr">
               <a:lnSpc>
@@ -1347,35 +1687,36 @@
               </a:lnSpc>
             </a:pPr>
             <a:r>
-              <a:rPr b="1" lang="en-US" sz="4400">
-                <a:solidFill>
-                  <a:srgbClr val="ff420e"/>
-                </a:solidFill>
-                <a:latin typeface="Calibri"/>
-              </a:rPr>
-              <a:t>Shikkhok Batayon</a:t>
-            </a:r>
-            <a:endParaRPr/>
-          </a:p>
-        </p:txBody>
-      </p:sp>
-      <p:sp>
-        <p:nvSpPr>
-          <p:cNvPr id="35" name="CustomShape 2"/>
+              <a:rPr lang="en-US" sz="4400" b="1">
+                <a:solidFill>
+                  <a:srgbClr val="FFC000"/>
+                </a:solidFill>
+                <a:latin typeface="Calibri"/>
+              </a:rPr>
+              <a:t>Support We Need</a:t>
+            </a:r>
+            <a:endParaRPr/>
+          </a:p>
+        </p:txBody>
+      </p:sp>
+      <p:sp>
+        <p:nvSpPr>
+          <p:cNvPr id="58" name="CustomShape 2"/>
           <p:cNvSpPr/>
           <p:nvPr/>
         </p:nvSpPr>
         <p:spPr>
           <a:xfrm>
-            <a:off x="1371600" y="2517120"/>
-            <a:ext cx="6491880" cy="1871640"/>
-          </a:xfrm>
-          <a:prstGeom prst="rect">
-            <a:avLst/>
-          </a:prstGeom>
-        </p:spPr>
-        <p:txBody>
-          <a:bodyPr bIns="45000" lIns="90000" rIns="90000" tIns="45000"/>
+            <a:off x="1371600" y="2364480"/>
+            <a:ext cx="6399000" cy="2493270"/>
+          </a:xfrm>
+          <a:prstGeom prst="rect">
+            <a:avLst/>
+          </a:prstGeom>
+        </p:spPr>
+        <p:txBody>
+          <a:bodyPr lIns="90000" tIns="45000" rIns="90000" bIns="45000"/>
+          <a:lstStyle/>
           <a:p>
             <a:pPr algn="ctr">
               <a:lnSpc>
@@ -1383,64 +1724,135 @@
               </a:lnSpc>
             </a:pPr>
             <a:r>
-              <a:rPr lang="en-US" sz="3200">
-                <a:solidFill>
-                  <a:srgbClr val="558ed5"/>
-                </a:solidFill>
-                <a:latin typeface="Calibri"/>
-              </a:rPr>
-              <a:t>RipubliCats</a:t>
-            </a:r>
-            <a:endParaRPr/>
-          </a:p>
-          <a:p>
-            <a:pPr algn="ctr">
+              <a:rPr lang="en-US" sz="3200" dirty="0">
+                <a:solidFill>
+                  <a:srgbClr val="558ED5"/>
+                </a:solidFill>
+                <a:latin typeface="Calibri"/>
+              </a:rPr>
+              <a:t> JSON / XML API for site data</a:t>
+            </a:r>
+            <a:endParaRPr dirty="0"/>
+          </a:p>
+          <a:p>
+            <a:pPr marL="457200" indent="-457200">
               <a:lnSpc>
                 <a:spcPct val="100000"/>
               </a:lnSpc>
+              <a:buFont typeface="Arial" pitchFamily="34" charset="0"/>
+              <a:buChar char="•"/>
             </a:pPr>
-            <a:endParaRPr/>
-          </a:p>
-          <a:p>
-            <a:pPr algn="ctr">
+            <a:r>
+              <a:rPr lang="en-US" sz="3200" dirty="0" smtClean="0">
+                <a:solidFill>
+                  <a:srgbClr val="558ED5"/>
+                </a:solidFill>
+                <a:latin typeface="Calibri"/>
+              </a:rPr>
+              <a:t> Front page list of categories</a:t>
+            </a:r>
+            <a:endParaRPr dirty="0" smtClean="0"/>
+          </a:p>
+          <a:p>
+            <a:pPr marL="457200" indent="-457200">
               <a:lnSpc>
                 <a:spcPct val="100000"/>
               </a:lnSpc>
+              <a:buFont typeface="Arial" pitchFamily="34" charset="0"/>
+              <a:buChar char="•"/>
             </a:pPr>
             <a:r>
-              <a:rPr lang="en-US" sz="3200">
-                <a:solidFill>
-                  <a:srgbClr val="993366"/>
-                </a:solidFill>
-                <a:latin typeface="Calibri"/>
-              </a:rPr>
-              <a:t>Team #4</a:t>
-            </a:r>
-            <a:endParaRPr/>
+              <a:rPr lang="en-US" sz="3200" dirty="0" smtClean="0">
+                <a:solidFill>
+                  <a:srgbClr val="558ED5"/>
+                </a:solidFill>
+                <a:latin typeface="Calibri"/>
+              </a:rPr>
+              <a:t> </a:t>
+            </a:r>
+            <a:r>
+              <a:rPr lang="en-US" sz="3200" dirty="0">
+                <a:solidFill>
+                  <a:srgbClr val="558ED5"/>
+                </a:solidFill>
+                <a:latin typeface="Calibri"/>
+              </a:rPr>
+              <a:t>Paged list of content in categories</a:t>
+            </a:r>
+            <a:endParaRPr dirty="0"/>
+          </a:p>
+          <a:p>
+            <a:pPr marL="457200" indent="-457200">
+              <a:lnSpc>
+                <a:spcPct val="100000"/>
+              </a:lnSpc>
+              <a:buFont typeface="Arial" pitchFamily="34" charset="0"/>
+              <a:buChar char="•"/>
+            </a:pPr>
+            <a:r>
+              <a:rPr lang="en-US" sz="3200" dirty="0" smtClean="0">
+                <a:solidFill>
+                  <a:srgbClr val="558ED5"/>
+                </a:solidFill>
+                <a:latin typeface="Calibri"/>
+              </a:rPr>
+              <a:t> Blog </a:t>
+            </a:r>
+            <a:r>
+              <a:rPr lang="en-US" sz="3200" dirty="0">
+                <a:solidFill>
+                  <a:srgbClr val="558ED5"/>
+                </a:solidFill>
+                <a:latin typeface="Calibri"/>
+              </a:rPr>
+              <a:t>Posts</a:t>
+            </a:r>
+            <a:r>
+              <a:rPr lang="en-US" sz="3200" i="1" dirty="0">
+                <a:solidFill>
+                  <a:srgbClr val="8B8B8B"/>
+                </a:solidFill>
+                <a:latin typeface="Calibri"/>
+              </a:rPr>
+              <a:t> </a:t>
+            </a:r>
+            <a:r>
+              <a:rPr lang="en-US" sz="3200" dirty="0">
+                <a:solidFill>
+                  <a:srgbClr val="8B8B8B"/>
+                </a:solidFill>
+                <a:latin typeface="Calibri"/>
+              </a:rPr>
+              <a:t>  </a:t>
+            </a:r>
+            <a:endParaRPr dirty="0"/>
           </a:p>
         </p:txBody>
       </p:sp>
     </p:spTree>
   </p:cSld>
+  <p:clrMapOvr>
+    <a:masterClrMapping/>
+  </p:clrMapOvr>
   <p:transition>
     <p:fade/>
   </p:transition>
   <p:timing>
     <p:tnLst>
       <p:par>
-        <p:cTn dur="indefinite" id="1" nodeType="tmRoot" restart="never">
+        <p:cTn id="1" dur="indefinite" restart="never" nodeType="tmRoot">
           <p:childTnLst>
             <p:seq>
               <p:cTn id="2" nodeType="mainSeq"/>
               <p:prevCondLst>
-                <p:cond delay="0" evt="onPrev">
+                <p:cond evt="onPrev" delay="0">
                   <p:tgtEl>
                     <p:sldTgt/>
                   </p:tgtEl>
                 </p:cond>
               </p:prevCondLst>
               <p:nextCondLst>
-                <p:cond delay="0" evt="onNext">
+                <p:cond evt="onNext" delay="0">
                   <p:tgtEl>
                     <p:sldTgt/>
                   </p:tgtEl>
@@ -1455,8 +1867,8 @@
 </p:sld>
 </file>
 
-<file path=ppt/slides/slide10.xml><?xml version="1.0" encoding="utf-8"?>
-<p:sld xmlns:a="http://schemas.openxmlformats.org/drawingml/2006/main" xmlns:p="http://schemas.openxmlformats.org/presentationml/2006/main" xmlns:r="http://schemas.openxmlformats.org/officeDocument/2006/relationships">
+<file path=ppt/slides/slide11.xml><?xml version="1.0" encoding="utf-8"?>
+<p:sld xmlns:a="http://schemas.openxmlformats.org/drawingml/2006/main" xmlns:r="http://schemas.openxmlformats.org/officeDocument/2006/relationships" xmlns:p="http://schemas.openxmlformats.org/presentationml/2006/main">
   <p:cSld>
     <p:spTree>
       <p:nvGrpSpPr>
@@ -1474,21 +1886,22 @@
       </p:grpSpPr>
       <p:sp>
         <p:nvSpPr>
-          <p:cNvPr id="57" name="CustomShape 1"/>
+          <p:cNvPr id="59" name="CustomShape 1"/>
           <p:cNvSpPr/>
           <p:nvPr/>
         </p:nvSpPr>
         <p:spPr>
           <a:xfrm>
-            <a:off x="685800" y="1047600"/>
-            <a:ext cx="7770600" cy="1100880"/>
-          </a:xfrm>
-          <a:prstGeom prst="rect">
-            <a:avLst/>
-          </a:prstGeom>
-        </p:spPr>
-        <p:txBody>
-          <a:bodyPr anchor="ctr" bIns="45000" lIns="90000" rIns="90000" tIns="45000"/>
+            <a:off x="685800" y="457200"/>
+            <a:ext cx="7770600" cy="914040"/>
+          </a:xfrm>
+          <a:prstGeom prst="rect">
+            <a:avLst/>
+          </a:prstGeom>
+        </p:spPr>
+        <p:txBody>
+          <a:bodyPr lIns="90000" tIns="45000" rIns="90000" bIns="45000" anchor="ctr"/>
+          <a:lstStyle/>
           <a:p>
             <a:pPr algn="ctr">
               <a:lnSpc>
@@ -1496,177 +1909,272 @@
               </a:lnSpc>
             </a:pPr>
             <a:r>
-              <a:rPr b="1" lang="en-US" sz="4400">
-                <a:solidFill>
-                  <a:srgbClr val="ffc000"/>
-                </a:solidFill>
-                <a:latin typeface="Calibri"/>
-              </a:rPr>
-              <a:t>Support We Need</a:t>
-            </a:r>
-            <a:endParaRPr/>
-          </a:p>
-        </p:txBody>
-      </p:sp>
-      <p:sp>
-        <p:nvSpPr>
-          <p:cNvPr id="58" name="CustomShape 2"/>
-          <p:cNvSpPr/>
+              <a:rPr lang="en-US" sz="4400" b="1">
+                <a:solidFill>
+                  <a:srgbClr val="FFC000"/>
+                </a:solidFill>
+                <a:latin typeface="Calibri"/>
+              </a:rPr>
+              <a:t>Team Details</a:t>
+            </a:r>
+            <a:endParaRPr/>
+          </a:p>
+        </p:txBody>
+      </p:sp>
+      <p:sp>
+        <p:nvSpPr>
+          <p:cNvPr id="2" name="TextBox 1"/>
+          <p:cNvSpPr txBox="1"/>
           <p:nvPr/>
         </p:nvSpPr>
         <p:spPr>
           <a:xfrm>
-            <a:off x="1371600" y="2364480"/>
-            <a:ext cx="6399000" cy="2298600"/>
-          </a:xfrm>
-          <a:prstGeom prst="rect">
-            <a:avLst/>
-          </a:prstGeom>
-        </p:spPr>
-        <p:txBody>
-          <a:bodyPr bIns="45000" lIns="90000" rIns="90000" tIns="45000"/>
-          <a:p>
-            <a:pPr algn="ctr">
-              <a:lnSpc>
-                <a:spcPct val="100000"/>
-              </a:lnSpc>
-            </a:pPr>
-            <a:r>
-              <a:rPr lang="en-US" sz="3200">
-                <a:solidFill>
-                  <a:srgbClr val="558ed5"/>
-                </a:solidFill>
-                <a:latin typeface="Calibri"/>
+            <a:off x="2819787" y="1600021"/>
+            <a:ext cx="3502626" cy="1508105"/>
+          </a:xfrm>
+          <a:prstGeom prst="rect">
+            <a:avLst/>
+          </a:prstGeom>
+          <a:noFill/>
+        </p:spPr>
+        <p:txBody>
+          <a:bodyPr wrap="none" rtlCol="0">
+            <a:spAutoFit/>
+          </a:bodyPr>
+          <a:lstStyle/>
+          <a:p>
+            <a:pPr algn="ctr"/>
+            <a:r>
+              <a:rPr lang="en-US" sz="3200" dirty="0" err="1" smtClean="0">
+                <a:latin typeface="Calibri" pitchFamily="34" charset="0"/>
+                <a:cs typeface="Calibri" pitchFamily="34" charset="0"/>
+              </a:rPr>
+              <a:t>Aniruddha</a:t>
+            </a:r>
+            <a:r>
+              <a:rPr lang="en-US" sz="3200" dirty="0" smtClean="0">
+                <a:latin typeface="Calibri" pitchFamily="34" charset="0"/>
+                <a:cs typeface="Calibri" pitchFamily="34" charset="0"/>
               </a:rPr>
               <a:t> </a:t>
             </a:r>
             <a:r>
-              <a:rPr lang="en-US" sz="3200">
-                <a:solidFill>
-                  <a:srgbClr val="558ed5"/>
-                </a:solidFill>
-                <a:latin typeface="Calibri"/>
-              </a:rPr>
-              <a:t>JSON / XML API for site data</a:t>
-            </a:r>
-            <a:endParaRPr/>
-          </a:p>
-          <a:p>
-            <a:pPr algn="ctr">
-              <a:lnSpc>
-                <a:spcPct val="100000"/>
-              </a:lnSpc>
-              <a:buFont typeface="StarSymbol"/>
-              <a:buChar char=""/>
-            </a:pPr>
-            <a:r>
-              <a:rPr lang="en-US" sz="3200">
-                <a:solidFill>
-                  <a:srgbClr val="558ed5"/>
-                </a:solidFill>
-                <a:latin typeface="Calibri"/>
-              </a:rPr>
-              <a:t> </a:t>
-            </a:r>
-            <a:r>
-              <a:rPr lang="en-US" sz="3200">
-                <a:solidFill>
-                  <a:srgbClr val="558ed5"/>
-                </a:solidFill>
-                <a:latin typeface="Calibri"/>
-              </a:rPr>
-              <a:t>Front page list of categories</a:t>
-            </a:r>
-            <a:endParaRPr/>
-          </a:p>
-          <a:p>
-            <a:pPr algn="ctr">
-              <a:lnSpc>
-                <a:spcPct val="100000"/>
-              </a:lnSpc>
-              <a:buFont typeface="StarSymbol"/>
-              <a:buChar char=""/>
-            </a:pPr>
-            <a:r>
-              <a:rPr lang="en-US" sz="3200">
-                <a:solidFill>
-                  <a:srgbClr val="558ed5"/>
-                </a:solidFill>
-                <a:latin typeface="Calibri"/>
-              </a:rPr>
-              <a:t> </a:t>
-            </a:r>
-            <a:r>
-              <a:rPr lang="en-US" sz="3200">
-                <a:solidFill>
-                  <a:srgbClr val="558ed5"/>
-                </a:solidFill>
-                <a:latin typeface="Calibri"/>
-              </a:rPr>
-              <a:t>Paged list of content in categories</a:t>
-            </a:r>
-            <a:endParaRPr/>
-          </a:p>
-          <a:p>
-            <a:pPr algn="ctr">
-              <a:lnSpc>
-                <a:spcPct val="100000"/>
-              </a:lnSpc>
-              <a:buFont typeface="StarSymbol"/>
-              <a:buChar char=""/>
-            </a:pPr>
-            <a:r>
-              <a:rPr lang="en-US" sz="3200">
-                <a:solidFill>
-                  <a:srgbClr val="558ed5"/>
-                </a:solidFill>
-                <a:latin typeface="Calibri"/>
-              </a:rPr>
-              <a:t>Blog Posts</a:t>
-            </a:r>
-            <a:r>
-              <a:rPr i="1" lang="en-US" sz="3200">
-                <a:solidFill>
-                  <a:srgbClr val="8b8b8b"/>
-                </a:solidFill>
-                <a:latin typeface="Calibri"/>
-              </a:rPr>
-              <a:t> </a:t>
-            </a:r>
-            <a:r>
-              <a:rPr lang="en-US" sz="3200">
-                <a:solidFill>
-                  <a:srgbClr val="8b8b8b"/>
-                </a:solidFill>
-                <a:latin typeface="Calibri"/>
-              </a:rPr>
-              <a:t>  </a:t>
-            </a:r>
-            <a:endParaRPr/>
+              <a:rPr lang="en-US" sz="3200" dirty="0" err="1" smtClean="0">
+                <a:latin typeface="Calibri" pitchFamily="34" charset="0"/>
+                <a:cs typeface="Calibri" pitchFamily="34" charset="0"/>
+              </a:rPr>
+              <a:t>Adhikary</a:t>
+            </a:r>
+            <a:endParaRPr lang="en-US" sz="3200" dirty="0" smtClean="0">
+              <a:latin typeface="Calibri" pitchFamily="34" charset="0"/>
+              <a:cs typeface="Calibri" pitchFamily="34" charset="0"/>
+            </a:endParaRPr>
+          </a:p>
+          <a:p>
+            <a:pPr algn="ctr"/>
+            <a:r>
+              <a:rPr lang="en-US" sz="2000" dirty="0" smtClean="0">
+                <a:latin typeface="Calibri" pitchFamily="34" charset="0"/>
+                <a:cs typeface="Calibri" pitchFamily="34" charset="0"/>
+              </a:rPr>
+              <a:t>Team Lead</a:t>
+            </a:r>
+          </a:p>
+          <a:p>
+            <a:pPr algn="ctr"/>
+            <a:r>
+              <a:rPr lang="en-US" sz="2000" dirty="0" smtClean="0">
+                <a:latin typeface="Calibri" pitchFamily="34" charset="0"/>
+                <a:cs typeface="Calibri" pitchFamily="34" charset="0"/>
+              </a:rPr>
+              <a:t>aniruddha@adhikary.net</a:t>
+            </a:r>
+          </a:p>
+          <a:p>
+            <a:pPr algn="ctr"/>
+            <a:r>
+              <a:rPr lang="en-US" sz="2000" dirty="0" smtClean="0">
+                <a:latin typeface="Calibri" pitchFamily="34" charset="0"/>
+                <a:cs typeface="Calibri" pitchFamily="34" charset="0"/>
+              </a:rPr>
+              <a:t>github.com/</a:t>
+            </a:r>
+            <a:r>
+              <a:rPr lang="en-US" sz="2000" dirty="0" err="1" smtClean="0">
+                <a:latin typeface="Calibri" pitchFamily="34" charset="0"/>
+                <a:cs typeface="Calibri" pitchFamily="34" charset="0"/>
+              </a:rPr>
+              <a:t>aniruddha-adhikary</a:t>
+            </a:r>
+            <a:endParaRPr lang="en-US" sz="2000" dirty="0">
+              <a:latin typeface="Calibri" pitchFamily="34" charset="0"/>
+              <a:cs typeface="Calibri" pitchFamily="34" charset="0"/>
+            </a:endParaRPr>
+          </a:p>
+        </p:txBody>
+      </p:sp>
+      <p:sp>
+        <p:nvSpPr>
+          <p:cNvPr id="5" name="TextBox 4"/>
+          <p:cNvSpPr txBox="1"/>
+          <p:nvPr/>
+        </p:nvSpPr>
+        <p:spPr>
+          <a:xfrm>
+            <a:off x="685800" y="3409949"/>
+            <a:ext cx="3637726" cy="1200329"/>
+          </a:xfrm>
+          <a:prstGeom prst="rect">
+            <a:avLst/>
+          </a:prstGeom>
+          <a:noFill/>
+        </p:spPr>
+        <p:txBody>
+          <a:bodyPr wrap="none" rtlCol="0">
+            <a:spAutoFit/>
+          </a:bodyPr>
+          <a:lstStyle/>
+          <a:p>
+            <a:pPr algn="ctr"/>
+            <a:r>
+              <a:rPr lang="en-US" sz="3200" dirty="0" err="1" smtClean="0">
+                <a:latin typeface="Calibri" pitchFamily="34" charset="0"/>
+                <a:cs typeface="Calibri" pitchFamily="34" charset="0"/>
+              </a:rPr>
+              <a:t>Iftekhar</a:t>
+            </a:r>
+            <a:r>
+              <a:rPr lang="en-US" sz="3200" dirty="0" smtClean="0">
+                <a:latin typeface="Calibri" pitchFamily="34" charset="0"/>
+                <a:cs typeface="Calibri" pitchFamily="34" charset="0"/>
+              </a:rPr>
+              <a:t> Mohammad</a:t>
+            </a:r>
+          </a:p>
+          <a:p>
+            <a:pPr algn="ctr"/>
+            <a:r>
+              <a:rPr lang="en-US" sz="2000" dirty="0" smtClean="0">
+                <a:latin typeface="Calibri" pitchFamily="34" charset="0"/>
+                <a:cs typeface="Calibri" pitchFamily="34" charset="0"/>
+              </a:rPr>
+              <a:t>Team Member</a:t>
+            </a:r>
+          </a:p>
+          <a:p>
+            <a:pPr algn="ctr"/>
+            <a:r>
+              <a:rPr lang="en-US" sz="2000" dirty="0">
+                <a:latin typeface="Calibri" pitchFamily="34" charset="0"/>
+                <a:cs typeface="Calibri" pitchFamily="34" charset="0"/>
+              </a:rPr>
+              <a:t>i</a:t>
+            </a:r>
+            <a:r>
+              <a:rPr lang="en-US" sz="2000" dirty="0" smtClean="0">
+                <a:latin typeface="Calibri" pitchFamily="34" charset="0"/>
+                <a:cs typeface="Calibri" pitchFamily="34" charset="0"/>
+              </a:rPr>
+              <a:t>m.toufiq@gmail.com</a:t>
+            </a:r>
+          </a:p>
+        </p:txBody>
+      </p:sp>
+      <p:sp>
+        <p:nvSpPr>
+          <p:cNvPr id="6" name="TextBox 5"/>
+          <p:cNvSpPr txBox="1"/>
+          <p:nvPr/>
+        </p:nvSpPr>
+        <p:spPr>
+          <a:xfrm>
+            <a:off x="4664441" y="3409950"/>
+            <a:ext cx="4098559" cy="1200329"/>
+          </a:xfrm>
+          <a:prstGeom prst="rect">
+            <a:avLst/>
+          </a:prstGeom>
+          <a:noFill/>
+        </p:spPr>
+        <p:txBody>
+          <a:bodyPr wrap="none" rtlCol="0">
+            <a:spAutoFit/>
+          </a:bodyPr>
+          <a:lstStyle/>
+          <a:p>
+            <a:pPr algn="ctr"/>
+            <a:r>
+              <a:rPr lang="en-US" sz="3200" dirty="0" err="1" smtClean="0">
+                <a:latin typeface="Calibri" pitchFamily="34" charset="0"/>
+                <a:cs typeface="Calibri" pitchFamily="34" charset="0"/>
+              </a:rPr>
+              <a:t>Ershadul</a:t>
+            </a:r>
+            <a:r>
+              <a:rPr lang="en-US" sz="3200" dirty="0" smtClean="0">
+                <a:latin typeface="Calibri" pitchFamily="34" charset="0"/>
+                <a:cs typeface="Calibri" pitchFamily="34" charset="0"/>
+              </a:rPr>
+              <a:t> Hakim </a:t>
+            </a:r>
+            <a:r>
+              <a:rPr lang="en-US" sz="3200" dirty="0" err="1" smtClean="0">
+                <a:latin typeface="Calibri" pitchFamily="34" charset="0"/>
+                <a:cs typeface="Calibri" pitchFamily="34" charset="0"/>
+              </a:rPr>
+              <a:t>Rayhan</a:t>
+            </a:r>
+            <a:endParaRPr lang="en-US" sz="3200" dirty="0" smtClean="0">
+              <a:latin typeface="Calibri" pitchFamily="34" charset="0"/>
+              <a:cs typeface="Calibri" pitchFamily="34" charset="0"/>
+            </a:endParaRPr>
+          </a:p>
+          <a:p>
+            <a:pPr algn="ctr"/>
+            <a:r>
+              <a:rPr lang="en-US" sz="2000" dirty="0" smtClean="0">
+                <a:latin typeface="Calibri" pitchFamily="34" charset="0"/>
+                <a:cs typeface="Calibri" pitchFamily="34" charset="0"/>
+              </a:rPr>
+              <a:t>Team Member</a:t>
+            </a:r>
+          </a:p>
+          <a:p>
+            <a:pPr algn="ctr"/>
+            <a:r>
+              <a:rPr lang="en-US" sz="2000" dirty="0" smtClean="0">
+                <a:latin typeface="Calibri" pitchFamily="34" charset="0"/>
+                <a:cs typeface="Calibri" pitchFamily="34" charset="0"/>
+              </a:rPr>
+              <a:t>ershadul100@gmail.com</a:t>
+            </a:r>
           </a:p>
         </p:txBody>
       </p:sp>
     </p:spTree>
   </p:cSld>
+  <p:clrMapOvr>
+    <a:masterClrMapping/>
+  </p:clrMapOvr>
   <p:transition>
     <p:fade/>
   </p:transition>
   <p:timing>
     <p:tnLst>
       <p:par>
-        <p:cTn dur="indefinite" id="19" nodeType="tmRoot" restart="never">
+        <p:cTn id="1" dur="indefinite" restart="never" nodeType="tmRoot">
           <p:childTnLst>
             <p:seq>
-              <p:cTn id="20" nodeType="mainSeq"/>
+              <p:cTn id="2" nodeType="mainSeq"/>
               <p:prevCondLst>
-                <p:cond delay="0" evt="onPrev">
+                <p:cond evt="onPrev" delay="0">
                   <p:tgtEl>
                     <p:sldTgt/>
                   </p:tgtEl>
                 </p:cond>
               </p:prevCondLst>
               <p:nextCondLst>
-                <p:cond delay="0" evt="onNext">
+                <p:cond evt="onNext" delay="0">
                   <p:tgtEl>
                     <p:sldTgt/>
                   </p:tgtEl>
@@ -1681,8 +2189,8 @@
 </p:sld>
 </file>
 
-<file path=ppt/slides/slide11.xml><?xml version="1.0" encoding="utf-8"?>
-<p:sld xmlns:a="http://schemas.openxmlformats.org/drawingml/2006/main" xmlns:p="http://schemas.openxmlformats.org/presentationml/2006/main" xmlns:r="http://schemas.openxmlformats.org/officeDocument/2006/relationships">
+<file path=ppt/slides/slide2.xml><?xml version="1.0" encoding="utf-8"?>
+<p:sld xmlns:a="http://schemas.openxmlformats.org/drawingml/2006/main" xmlns:r="http://schemas.openxmlformats.org/officeDocument/2006/relationships" xmlns:p="http://schemas.openxmlformats.org/presentationml/2006/main">
   <p:cSld>
     <p:spTree>
       <p:nvGrpSpPr>
@@ -1700,21 +2208,22 @@
       </p:grpSpPr>
       <p:sp>
         <p:nvSpPr>
-          <p:cNvPr id="59" name="CustomShape 1"/>
+          <p:cNvPr id="36" name="CustomShape 1"/>
           <p:cNvSpPr/>
           <p:nvPr/>
         </p:nvSpPr>
         <p:spPr>
           <a:xfrm>
-            <a:off x="685800" y="457200"/>
-            <a:ext cx="7770600" cy="914040"/>
-          </a:xfrm>
-          <a:prstGeom prst="rect">
-            <a:avLst/>
-          </a:prstGeom>
-        </p:spPr>
-        <p:txBody>
-          <a:bodyPr anchor="ctr" bIns="45000" lIns="90000" rIns="90000" tIns="45000"/>
+            <a:off x="685800" y="1047600"/>
+            <a:ext cx="7770600" cy="1100880"/>
+          </a:xfrm>
+          <a:prstGeom prst="rect">
+            <a:avLst/>
+          </a:prstGeom>
+        </p:spPr>
+        <p:txBody>
+          <a:bodyPr lIns="90000" tIns="45000" rIns="90000" bIns="45000" anchor="ctr"/>
+          <a:lstStyle/>
           <a:p>
             <a:pPr algn="ctr">
               <a:lnSpc>
@@ -1722,35 +2231,36 @@
               </a:lnSpc>
             </a:pPr>
             <a:r>
-              <a:rPr b="1" lang="en-US" sz="4400">
-                <a:solidFill>
-                  <a:srgbClr val="ffc000"/>
-                </a:solidFill>
-                <a:latin typeface="Calibri"/>
-              </a:rPr>
-              <a:t>Team Details</a:t>
-            </a:r>
-            <a:endParaRPr/>
-          </a:p>
-        </p:txBody>
-      </p:sp>
-      <p:sp>
-        <p:nvSpPr>
-          <p:cNvPr id="60" name="CustomShape 2"/>
+              <a:rPr lang="en-US" sz="4400" b="1">
+                <a:solidFill>
+                  <a:srgbClr val="FF420E"/>
+                </a:solidFill>
+                <a:latin typeface="Calibri"/>
+              </a:rPr>
+              <a:t>The Concept</a:t>
+            </a:r>
+            <a:endParaRPr/>
+          </a:p>
+        </p:txBody>
+      </p:sp>
+      <p:sp>
+        <p:nvSpPr>
+          <p:cNvPr id="37" name="CustomShape 2"/>
           <p:cNvSpPr/>
           <p:nvPr/>
         </p:nvSpPr>
         <p:spPr>
           <a:xfrm>
-            <a:off x="0" y="1828800"/>
-            <a:ext cx="9143640" cy="2834280"/>
-          </a:xfrm>
-          <a:prstGeom prst="rect">
-            <a:avLst/>
-          </a:prstGeom>
-        </p:spPr>
-        <p:txBody>
-          <a:bodyPr bIns="45000" lIns="90000" rIns="90000" tIns="45000"/>
+            <a:off x="1371600" y="2364480"/>
+            <a:ext cx="6399000" cy="1749600"/>
+          </a:xfrm>
+          <a:prstGeom prst="rect">
+            <a:avLst/>
+          </a:prstGeom>
+        </p:spPr>
+        <p:txBody>
+          <a:bodyPr lIns="90000" tIns="45000" rIns="90000" bIns="45000"/>
+          <a:lstStyle/>
           <a:p>
             <a:pPr algn="ctr">
               <a:lnSpc>
@@ -1758,115 +2268,105 @@
               </a:lnSpc>
             </a:pPr>
             <a:r>
-              <a:rPr lang="en-US" sz="3200">
-                <a:solidFill>
-                  <a:srgbClr val="558ed5"/>
-                </a:solidFill>
-                <a:latin typeface="Calibri"/>
-              </a:rPr>
-              <a:t>Aniruddha Adhikary </a:t>
-            </a:r>
-            <a:r>
-              <a:rPr lang="en-US" sz="2000">
-                <a:solidFill>
-                  <a:srgbClr val="558ed5"/>
-                </a:solidFill>
-                <a:latin typeface="Calibri"/>
-              </a:rPr>
-              <a:t>(aniruddha@adhikary.net)</a:t>
-            </a:r>
-            <a:endParaRPr/>
-          </a:p>
-          <a:p>
-            <a:pPr algn="ctr">
-              <a:lnSpc>
-                <a:spcPct val="100000"/>
-              </a:lnSpc>
-            </a:pPr>
-            <a:r>
-              <a:rPr lang="en-US" sz="3200">
-                <a:solidFill>
-                  <a:srgbClr val="558ed5"/>
-                </a:solidFill>
-                <a:latin typeface="Calibri"/>
-              </a:rPr>
-              <a:t>Ershadul Hakim Rayhan</a:t>
-            </a:r>
-            <a:endParaRPr/>
-          </a:p>
-          <a:p>
-            <a:pPr algn="ctr">
-              <a:lnSpc>
-                <a:spcPct val="100000"/>
-              </a:lnSpc>
-            </a:pPr>
-            <a:r>
-              <a:rPr lang="en-US" sz="3200">
-                <a:solidFill>
-                  <a:srgbClr val="558ed5"/>
-                </a:solidFill>
-                <a:latin typeface="Calibri"/>
-              </a:rPr>
-              <a:t>Iftekhar Mohammad</a:t>
-            </a:r>
-            <a:endParaRPr/>
-          </a:p>
-          <a:p>
-            <a:pPr algn="ctr">
-              <a:lnSpc>
-                <a:spcPct val="100000"/>
-              </a:lnSpc>
-            </a:pPr>
-            <a:endParaRPr/>
-          </a:p>
-          <a:p>
-            <a:pPr algn="ctr">
-              <a:lnSpc>
-                <a:spcPct val="100000"/>
-              </a:lnSpc>
-            </a:pPr>
-            <a:r>
-              <a:rPr lang="en-US" sz="3200">
-                <a:solidFill>
-                  <a:srgbClr val="558ed5"/>
-                </a:solidFill>
-                <a:latin typeface="Calibri"/>
-              </a:rPr>
-              <a:t>github.com/aniruddha-adhikary</a:t>
-            </a:r>
-            <a:endParaRPr/>
-          </a:p>
-          <a:p>
-            <a:pPr algn="ctr">
-              <a:lnSpc>
-                <a:spcPct val="100000"/>
-              </a:lnSpc>
-            </a:pPr>
-            <a:endParaRPr/>
+              <a:rPr lang="en-US" sz="3200" dirty="0">
+                <a:solidFill>
+                  <a:srgbClr val="993366"/>
+                </a:solidFill>
+                <a:latin typeface="Calibri"/>
+              </a:rPr>
+              <a:t>An App for </a:t>
+            </a:r>
+            <a:r>
+              <a:rPr lang="en-US" sz="3200" i="1" dirty="0">
+                <a:solidFill>
+                  <a:srgbClr val="993366"/>
+                </a:solidFill>
+                <a:latin typeface="Calibri"/>
+              </a:rPr>
+              <a:t>accessing</a:t>
+            </a:r>
+            <a:r>
+              <a:rPr lang="en-US" sz="3200" dirty="0">
+                <a:solidFill>
+                  <a:srgbClr val="993366"/>
+                </a:solidFill>
+                <a:latin typeface="Calibri"/>
+              </a:rPr>
+              <a:t> and </a:t>
+            </a:r>
+            <a:r>
+              <a:rPr lang="en-US" sz="3200" i="1" dirty="0">
+                <a:solidFill>
+                  <a:srgbClr val="993366"/>
+                </a:solidFill>
+                <a:latin typeface="Calibri"/>
+              </a:rPr>
+              <a:t>using</a:t>
+            </a:r>
+            <a:r>
+              <a:rPr lang="en-US" sz="3200" dirty="0">
+                <a:solidFill>
+                  <a:srgbClr val="993366"/>
+                </a:solidFill>
+                <a:latin typeface="Calibri"/>
+              </a:rPr>
+              <a:t> the National </a:t>
+            </a:r>
+            <a:r>
+              <a:rPr lang="en-US" sz="3200" i="1" dirty="0" err="1">
+                <a:solidFill>
+                  <a:srgbClr val="993366"/>
+                </a:solidFill>
+                <a:latin typeface="Calibri"/>
+              </a:rPr>
+              <a:t>Shikkhok</a:t>
+            </a:r>
+            <a:r>
+              <a:rPr lang="en-US" sz="3200" i="1" dirty="0">
+                <a:solidFill>
+                  <a:srgbClr val="993366"/>
+                </a:solidFill>
+                <a:latin typeface="Calibri"/>
+              </a:rPr>
+              <a:t> </a:t>
+            </a:r>
+            <a:r>
+              <a:rPr lang="en-US" sz="3200" i="1" dirty="0" err="1">
+                <a:solidFill>
+                  <a:srgbClr val="993366"/>
+                </a:solidFill>
+                <a:latin typeface="Calibri"/>
+              </a:rPr>
+              <a:t>Batayon</a:t>
+            </a:r>
+            <a:endParaRPr i="1" dirty="0"/>
           </a:p>
         </p:txBody>
       </p:sp>
     </p:spTree>
   </p:cSld>
+  <p:clrMapOvr>
+    <a:masterClrMapping/>
+  </p:clrMapOvr>
   <p:transition>
     <p:fade/>
   </p:transition>
   <p:timing>
     <p:tnLst>
       <p:par>
-        <p:cTn dur="indefinite" id="21" nodeType="tmRoot" restart="never">
+        <p:cTn id="1" dur="indefinite" restart="never" nodeType="tmRoot">
           <p:childTnLst>
             <p:seq>
-              <p:cTn id="22" nodeType="mainSeq"/>
+              <p:cTn id="2" nodeType="mainSeq"/>
               <p:prevCondLst>
-                <p:cond delay="0" evt="onPrev">
+                <p:cond evt="onPrev" delay="0">
                   <p:tgtEl>
                     <p:sldTgt/>
                   </p:tgtEl>
                 </p:cond>
               </p:prevCondLst>
               <p:nextCondLst>
-                <p:cond delay="0" evt="onNext">
+                <p:cond evt="onNext" delay="0">
                   <p:tgtEl>
                     <p:sldTgt/>
                   </p:tgtEl>
@@ -1881,8 +2381,8 @@
 </p:sld>
 </file>
 
-<file path=ppt/slides/slide12.xml><?xml version="1.0" encoding="utf-8"?>
-<p:sld xmlns:a="http://schemas.openxmlformats.org/drawingml/2006/main" xmlns:p="http://schemas.openxmlformats.org/presentationml/2006/main" xmlns:r="http://schemas.openxmlformats.org/officeDocument/2006/relationships">
+<file path=ppt/slides/slide3.xml><?xml version="1.0" encoding="utf-8"?>
+<p:sld xmlns:a="http://schemas.openxmlformats.org/drawingml/2006/main" xmlns:r="http://schemas.openxmlformats.org/officeDocument/2006/relationships" xmlns:p="http://schemas.openxmlformats.org/presentationml/2006/main">
   <p:cSld>
     <p:spTree>
       <p:nvGrpSpPr>
@@ -1900,21 +2400,22 @@
       </p:grpSpPr>
       <p:sp>
         <p:nvSpPr>
-          <p:cNvPr id="61" name="CustomShape 1"/>
+          <p:cNvPr id="38" name="CustomShape 1"/>
           <p:cNvSpPr/>
           <p:nvPr/>
         </p:nvSpPr>
         <p:spPr>
           <a:xfrm>
-            <a:off x="685800" y="457200"/>
-            <a:ext cx="7770600" cy="914040"/>
-          </a:xfrm>
-          <a:prstGeom prst="rect">
-            <a:avLst/>
-          </a:prstGeom>
-        </p:spPr>
-        <p:txBody>
-          <a:bodyPr anchor="ctr" bIns="45000" lIns="90000" rIns="90000" tIns="45000"/>
+            <a:off x="685800" y="514440"/>
+            <a:ext cx="7770600" cy="1100880"/>
+          </a:xfrm>
+          <a:prstGeom prst="rect">
+            <a:avLst/>
+          </a:prstGeom>
+        </p:spPr>
+        <p:txBody>
+          <a:bodyPr lIns="90000" tIns="45000" rIns="90000" bIns="45000" anchor="ctr"/>
+          <a:lstStyle/>
           <a:p>
             <a:pPr algn="ctr">
               <a:lnSpc>
@@ -1922,151 +2423,191 @@
               </a:lnSpc>
             </a:pPr>
             <a:r>
-              <a:rPr b="1" lang="en-US" sz="4400">
-                <a:solidFill>
-                  <a:srgbClr val="ffc000"/>
-                </a:solidFill>
-                <a:latin typeface="Calibri"/>
-              </a:rPr>
-              <a:t>Team Details</a:t>
-            </a:r>
-            <a:endParaRPr/>
-          </a:p>
-        </p:txBody>
-      </p:sp>
-      <p:sp>
-        <p:nvSpPr>
-          <p:cNvPr id="62" name="CustomShape 2"/>
+              <a:rPr lang="en-US" sz="4400" b="1">
+                <a:solidFill>
+                  <a:srgbClr val="FFC000"/>
+                </a:solidFill>
+                <a:latin typeface="Calibri"/>
+              </a:rPr>
+              <a:t>The Features</a:t>
+            </a:r>
+            <a:endParaRPr/>
+          </a:p>
+        </p:txBody>
+      </p:sp>
+      <p:sp>
+        <p:nvSpPr>
+          <p:cNvPr id="39" name="CustomShape 2"/>
           <p:cNvSpPr/>
           <p:nvPr/>
         </p:nvSpPr>
         <p:spPr>
           <a:xfrm>
-            <a:off x="0" y="1828800"/>
-            <a:ext cx="9143640" cy="2834280"/>
-          </a:xfrm>
-          <a:prstGeom prst="rect">
-            <a:avLst/>
-          </a:prstGeom>
-        </p:spPr>
-        <p:txBody>
-          <a:bodyPr bIns="45000" lIns="90000" rIns="90000" tIns="45000"/>
-          <a:p>
-            <a:pPr algn="ctr">
+            <a:off x="822960" y="1828800"/>
+            <a:ext cx="7405200" cy="3774960"/>
+          </a:xfrm>
+          <a:prstGeom prst="rect">
+            <a:avLst/>
+          </a:prstGeom>
+        </p:spPr>
+        <p:txBody>
+          <a:bodyPr lIns="90000" tIns="45000" rIns="90000" bIns="45000"/>
+          <a:lstStyle/>
+          <a:p>
+            <a:pPr>
               <a:lnSpc>
                 <a:spcPct val="100000"/>
               </a:lnSpc>
+              <a:buFont typeface="Arial"/>
+              <a:buChar char="•"/>
             </a:pPr>
             <a:r>
-              <a:rPr lang="en-US" sz="3200">
-                <a:solidFill>
-                  <a:srgbClr val="558ed5"/>
-                </a:solidFill>
-                <a:latin typeface="Calibri"/>
-              </a:rPr>
-              <a:t>Aniruddha Adhikary </a:t>
-            </a:r>
-            <a:r>
-              <a:rPr lang="en-US" sz="2000">
-                <a:solidFill>
-                  <a:srgbClr val="558ed5"/>
-                </a:solidFill>
-                <a:latin typeface="Calibri"/>
-              </a:rPr>
-              <a:t>(aniruddha@adhikary.net)</a:t>
-            </a:r>
-            <a:endParaRPr/>
-          </a:p>
-          <a:p>
-            <a:pPr algn="ctr">
+              <a:rPr lang="en-US" sz="2200" dirty="0" smtClean="0">
+                <a:solidFill>
+                  <a:srgbClr val="000000"/>
+                </a:solidFill>
+                <a:latin typeface="Calibri"/>
+              </a:rPr>
+              <a:t> Preview</a:t>
+            </a:r>
+            <a:r>
+              <a:rPr lang="en-US" sz="2200" dirty="0">
+                <a:solidFill>
+                  <a:srgbClr val="000000"/>
+                </a:solidFill>
+                <a:latin typeface="Calibri"/>
+              </a:rPr>
+              <a:t>, Comment and rate presentations and blog </a:t>
+            </a:r>
+            <a:r>
+              <a:rPr lang="en-US" sz="2200" dirty="0" smtClean="0">
+                <a:solidFill>
+                  <a:srgbClr val="000000"/>
+                </a:solidFill>
+                <a:latin typeface="Calibri"/>
+              </a:rPr>
+              <a:t>posts</a:t>
+            </a:r>
+          </a:p>
+          <a:p>
+            <a:pPr>
               <a:lnSpc>
                 <a:spcPct val="100000"/>
               </a:lnSpc>
+              <a:buFont typeface="Arial"/>
+              <a:buChar char="•"/>
             </a:pPr>
             <a:r>
-              <a:rPr lang="en-US" sz="3200">
-                <a:solidFill>
-                  <a:srgbClr val="558ed5"/>
-                </a:solidFill>
-                <a:latin typeface="Calibri"/>
-              </a:rPr>
-              <a:t>Ershadul Hakim Rayhan</a:t>
-            </a:r>
-            <a:endParaRPr/>
-          </a:p>
-          <a:p>
-            <a:pPr algn="ctr">
+              <a:rPr lang="en-US" sz="2200" dirty="0">
+                <a:solidFill>
+                  <a:srgbClr val="000000"/>
+                </a:solidFill>
+                <a:latin typeface="Calibri"/>
+              </a:rPr>
+              <a:t> </a:t>
+            </a:r>
+            <a:r>
+              <a:rPr lang="en-US" sz="2200" dirty="0" smtClean="0">
+                <a:solidFill>
+                  <a:srgbClr val="000000"/>
+                </a:solidFill>
+                <a:latin typeface="Calibri"/>
+              </a:rPr>
+              <a:t>Bangla does not break when viewing presentations</a:t>
+            </a:r>
+            <a:endParaRPr dirty="0"/>
+          </a:p>
+          <a:p>
+            <a:pPr>
               <a:lnSpc>
                 <a:spcPct val="100000"/>
               </a:lnSpc>
+              <a:buFont typeface="Arial"/>
+              <a:buChar char="•"/>
             </a:pPr>
             <a:r>
-              <a:rPr lang="en-US" sz="3200">
-                <a:solidFill>
-                  <a:srgbClr val="558ed5"/>
-                </a:solidFill>
-                <a:latin typeface="Calibri"/>
-              </a:rPr>
-              <a:t>Iftekhar Mohammad</a:t>
-            </a:r>
-            <a:endParaRPr/>
-          </a:p>
-          <a:p>
-            <a:pPr algn="ctr">
+              <a:rPr lang="en-US" sz="2200" dirty="0" smtClean="0">
+                <a:solidFill>
+                  <a:srgbClr val="000000"/>
+                </a:solidFill>
+                <a:latin typeface="Calibri"/>
+              </a:rPr>
+              <a:t> Download </a:t>
+            </a:r>
+            <a:r>
+              <a:rPr lang="en-US" sz="2200" dirty="0">
+                <a:solidFill>
+                  <a:srgbClr val="000000"/>
+                </a:solidFill>
+                <a:latin typeface="Calibri"/>
+              </a:rPr>
+              <a:t>presentations to Memory </a:t>
+            </a:r>
+            <a:r>
+              <a:rPr lang="en-US" sz="2200" dirty="0" smtClean="0">
+                <a:solidFill>
+                  <a:srgbClr val="000000"/>
+                </a:solidFill>
+                <a:latin typeface="Calibri"/>
+              </a:rPr>
+              <a:t>Card</a:t>
+            </a:r>
+            <a:endParaRPr dirty="0"/>
+          </a:p>
+          <a:p>
+            <a:pPr>
               <a:lnSpc>
                 <a:spcPct val="100000"/>
               </a:lnSpc>
+              <a:buFont typeface="Arial"/>
+              <a:buChar char="•"/>
             </a:pPr>
-            <a:endParaRPr/>
-          </a:p>
-          <a:p>
-            <a:pPr algn="ctr">
-              <a:lnSpc>
-                <a:spcPct val="100000"/>
-              </a:lnSpc>
-            </a:pPr>
-            <a:r>
-              <a:rPr lang="en-US" sz="3200">
-                <a:solidFill>
-                  <a:srgbClr val="558ed5"/>
-                </a:solidFill>
-                <a:latin typeface="Calibri"/>
-              </a:rPr>
-              <a:t>github.com/aniruddha-adhikary</a:t>
-            </a:r>
-            <a:endParaRPr/>
-          </a:p>
-          <a:p>
-            <a:pPr algn="ctr">
-              <a:lnSpc>
-                <a:spcPct val="100000"/>
-              </a:lnSpc>
-            </a:pPr>
-            <a:endParaRPr/>
+            <a:r>
+              <a:rPr lang="en-US" sz="2200" dirty="0" smtClean="0">
+                <a:solidFill>
+                  <a:srgbClr val="000000"/>
+                </a:solidFill>
+                <a:latin typeface="Calibri"/>
+              </a:rPr>
+              <a:t> Upload </a:t>
+            </a:r>
+            <a:r>
+              <a:rPr lang="en-US" sz="2200" dirty="0">
+                <a:solidFill>
+                  <a:srgbClr val="000000"/>
+                </a:solidFill>
+                <a:latin typeface="Calibri"/>
+              </a:rPr>
+              <a:t>presentations directly from device's office suite</a:t>
+            </a:r>
+            <a:endParaRPr dirty="0"/>
           </a:p>
         </p:txBody>
       </p:sp>
     </p:spTree>
   </p:cSld>
+  <p:clrMapOvr>
+    <a:masterClrMapping/>
+  </p:clrMapOvr>
   <p:transition>
     <p:fade/>
   </p:transition>
   <p:timing>
     <p:tnLst>
       <p:par>
-        <p:cTn dur="indefinite" id="23" nodeType="tmRoot" restart="never">
+        <p:cTn id="1" dur="indefinite" restart="never" nodeType="tmRoot">
           <p:childTnLst>
             <p:seq>
-              <p:cTn id="24" nodeType="mainSeq"/>
+              <p:cTn id="2" nodeType="mainSeq"/>
               <p:prevCondLst>
-                <p:cond delay="0" evt="onPrev">
+                <p:cond evt="onPrev" delay="0">
                   <p:tgtEl>
                     <p:sldTgt/>
                   </p:tgtEl>
                 </p:cond>
               </p:prevCondLst>
               <p:nextCondLst>
-                <p:cond delay="0" evt="onNext">
+                <p:cond evt="onNext" delay="0">
                   <p:tgtEl>
                     <p:sldTgt/>
                   </p:tgtEl>
@@ -2081,8 +2622,8 @@
 </p:sld>
 </file>
 
-<file path=ppt/slides/slide2.xml><?xml version="1.0" encoding="utf-8"?>
-<p:sld xmlns:a="http://schemas.openxmlformats.org/drawingml/2006/main" xmlns:p="http://schemas.openxmlformats.org/presentationml/2006/main" xmlns:r="http://schemas.openxmlformats.org/officeDocument/2006/relationships">
+<file path=ppt/slides/slide4.xml><?xml version="1.0" encoding="utf-8"?>
+<p:sld xmlns:a="http://schemas.openxmlformats.org/drawingml/2006/main" xmlns:r="http://schemas.openxmlformats.org/officeDocument/2006/relationships" xmlns:p="http://schemas.openxmlformats.org/presentationml/2006/main">
   <p:cSld>
     <p:spTree>
       <p:nvGrpSpPr>
@@ -2100,21 +2641,22 @@
       </p:grpSpPr>
       <p:sp>
         <p:nvSpPr>
-          <p:cNvPr id="36" name="CustomShape 1"/>
+          <p:cNvPr id="40" name="CustomShape 1"/>
           <p:cNvSpPr/>
           <p:nvPr/>
         </p:nvSpPr>
         <p:spPr>
           <a:xfrm>
-            <a:off x="685800" y="1047600"/>
-            <a:ext cx="7770600" cy="1100880"/>
-          </a:xfrm>
-          <a:prstGeom prst="rect">
-            <a:avLst/>
-          </a:prstGeom>
-        </p:spPr>
-        <p:txBody>
-          <a:bodyPr anchor="ctr" bIns="45000" lIns="90000" rIns="90000" tIns="45000"/>
+            <a:off x="749531" y="1276350"/>
+            <a:ext cx="4708800" cy="1100880"/>
+          </a:xfrm>
+          <a:prstGeom prst="rect">
+            <a:avLst/>
+          </a:prstGeom>
+        </p:spPr>
+        <p:txBody>
+          <a:bodyPr lIns="90000" tIns="45000" rIns="90000" bIns="45000" anchor="ctr"/>
+          <a:lstStyle/>
           <a:p>
             <a:pPr algn="ctr">
               <a:lnSpc>
@@ -2122,75 +2664,110 @@
               </a:lnSpc>
             </a:pPr>
             <a:r>
-              <a:rPr b="1" lang="en-US" sz="4400">
-                <a:solidFill>
-                  <a:srgbClr val="ff420e"/>
-                </a:solidFill>
-                <a:latin typeface="Calibri"/>
-              </a:rPr>
-              <a:t>The Concept</a:t>
-            </a:r>
-            <a:endParaRPr/>
-          </a:p>
-        </p:txBody>
-      </p:sp>
-      <p:sp>
-        <p:nvSpPr>
-          <p:cNvPr id="37" name="CustomShape 2"/>
+              <a:rPr lang="en-US" sz="4400" b="1" dirty="0">
+                <a:solidFill>
+                  <a:srgbClr val="FFC000"/>
+                </a:solidFill>
+                <a:latin typeface="Calibri"/>
+              </a:rPr>
+              <a:t>Main Activity</a:t>
+            </a:r>
+            <a:endParaRPr dirty="0"/>
+          </a:p>
+        </p:txBody>
+      </p:sp>
+      <p:pic>
+        <p:nvPicPr>
+          <p:cNvPr id="41" name="Picture 40"/>
+          <p:cNvPicPr/>
+          <p:nvPr/>
+        </p:nvPicPr>
+        <p:blipFill>
+          <a:blip r:embed="rId2"/>
+          <a:stretch>
+            <a:fillRect/>
+          </a:stretch>
+        </p:blipFill>
+        <p:spPr>
+          <a:xfrm>
+            <a:off x="5852160" y="640080"/>
+            <a:ext cx="2827800" cy="4023000"/>
+          </a:xfrm>
+          <a:prstGeom prst="rect">
+            <a:avLst/>
+          </a:prstGeom>
+        </p:spPr>
+      </p:pic>
+      <p:sp>
+        <p:nvSpPr>
+          <p:cNvPr id="42" name="CustomShape 2"/>
           <p:cNvSpPr/>
           <p:nvPr/>
         </p:nvSpPr>
         <p:spPr>
           <a:xfrm>
-            <a:off x="1371600" y="2364480"/>
-            <a:ext cx="6399000" cy="1749600"/>
-          </a:xfrm>
-          <a:prstGeom prst="rect">
-            <a:avLst/>
-          </a:prstGeom>
-        </p:spPr>
-        <p:txBody>
-          <a:bodyPr bIns="45000" lIns="90000" rIns="90000" tIns="45000"/>
-          <a:p>
-            <a:pPr algn="ctr">
-              <a:lnSpc>
-                <a:spcPct val="100000"/>
-              </a:lnSpc>
-            </a:pPr>
-            <a:r>
-              <a:rPr lang="en-US" sz="3200">
-                <a:solidFill>
-                  <a:srgbClr val="993366"/>
-                </a:solidFill>
-                <a:latin typeface="Calibri"/>
-              </a:rPr>
-              <a:t>An App for accessing and using the National Shikkhok Batayon</a:t>
-            </a:r>
-            <a:endParaRPr/>
+            <a:off x="1029240" y="2697300"/>
+            <a:ext cx="4456800" cy="1737000"/>
+          </a:xfrm>
+          <a:prstGeom prst="rect">
+            <a:avLst/>
+          </a:prstGeom>
+        </p:spPr>
+        <p:txBody>
+          <a:bodyPr wrap="none" lIns="90000" tIns="45000" rIns="90000" bIns="45000"/>
+          <a:lstStyle/>
+          <a:p>
+            <a:r>
+              <a:rPr lang="en-US" sz="2800" dirty="0">
+                <a:latin typeface="Calibri" pitchFamily="34" charset="0"/>
+                <a:cs typeface="Calibri" pitchFamily="34" charset="0"/>
+              </a:rPr>
+              <a:t>Activity displaying the list</a:t>
+            </a:r>
+            <a:endParaRPr dirty="0">
+              <a:latin typeface="Calibri" pitchFamily="34" charset="0"/>
+              <a:cs typeface="Calibri" pitchFamily="34" charset="0"/>
+            </a:endParaRPr>
+          </a:p>
+          <a:p>
+            <a:r>
+              <a:rPr lang="en-US" sz="2800" dirty="0">
+                <a:latin typeface="Calibri" pitchFamily="34" charset="0"/>
+                <a:cs typeface="Calibri" pitchFamily="34" charset="0"/>
+              </a:rPr>
+              <a:t>of presentation categories</a:t>
+            </a:r>
+            <a:endParaRPr dirty="0">
+              <a:latin typeface="Calibri" pitchFamily="34" charset="0"/>
+              <a:cs typeface="Calibri" pitchFamily="34" charset="0"/>
+            </a:endParaRPr>
           </a:p>
         </p:txBody>
       </p:sp>
     </p:spTree>
   </p:cSld>
+  <p:clrMapOvr>
+    <a:masterClrMapping/>
+  </p:clrMapOvr>
   <p:transition>
     <p:fade/>
   </p:transition>
   <p:timing>
     <p:tnLst>
       <p:par>
-        <p:cTn dur="indefinite" id="3" nodeType="tmRoot" restart="never">
+        <p:cTn id="1" dur="indefinite" restart="never" nodeType="tmRoot">
           <p:childTnLst>
             <p:seq>
-              <p:cTn id="4" nodeType="mainSeq"/>
+              <p:cTn id="2" nodeType="mainSeq"/>
               <p:prevCondLst>
-                <p:cond delay="0" evt="onPrev">
+                <p:cond evt="onPrev" delay="0">
                   <p:tgtEl>
                     <p:sldTgt/>
                   </p:tgtEl>
                 </p:cond>
               </p:prevCondLst>
               <p:nextCondLst>
-                <p:cond delay="0" evt="onNext">
+                <p:cond evt="onNext" delay="0">
                   <p:tgtEl>
                     <p:sldTgt/>
                   </p:tgtEl>
@@ -2205,8 +2782,8 @@
 </p:sld>
 </file>
 
-<file path=ppt/slides/slide3.xml><?xml version="1.0" encoding="utf-8"?>
-<p:sld xmlns:a="http://schemas.openxmlformats.org/drawingml/2006/main" xmlns:p="http://schemas.openxmlformats.org/presentationml/2006/main" xmlns:r="http://schemas.openxmlformats.org/officeDocument/2006/relationships">
+<file path=ppt/slides/slide5.xml><?xml version="1.0" encoding="utf-8"?>
+<p:sld xmlns:a="http://schemas.openxmlformats.org/drawingml/2006/main" xmlns:r="http://schemas.openxmlformats.org/officeDocument/2006/relationships" xmlns:p="http://schemas.openxmlformats.org/presentationml/2006/main">
   <p:cSld>
     <p:spTree>
       <p:nvGrpSpPr>
@@ -2224,21 +2801,22 @@
       </p:grpSpPr>
       <p:sp>
         <p:nvSpPr>
-          <p:cNvPr id="38" name="CustomShape 1"/>
+          <p:cNvPr id="43" name="CustomShape 1"/>
           <p:cNvSpPr/>
           <p:nvPr/>
         </p:nvSpPr>
         <p:spPr>
           <a:xfrm>
-            <a:off x="685800" y="514440"/>
-            <a:ext cx="7770600" cy="1100880"/>
-          </a:xfrm>
-          <a:prstGeom prst="rect">
-            <a:avLst/>
-          </a:prstGeom>
-        </p:spPr>
-        <p:txBody>
-          <a:bodyPr anchor="ctr" bIns="45000" lIns="90000" rIns="90000" tIns="45000"/>
+            <a:off x="3597000" y="1200150"/>
+            <a:ext cx="4708800" cy="1100880"/>
+          </a:xfrm>
+          <a:prstGeom prst="rect">
+            <a:avLst/>
+          </a:prstGeom>
+        </p:spPr>
+        <p:txBody>
+          <a:bodyPr lIns="90000" tIns="45000" rIns="90000" bIns="45000" anchor="ctr"/>
+          <a:lstStyle/>
           <a:p>
             <a:pPr algn="ctr">
               <a:lnSpc>
@@ -2246,134 +2824,113 @@
               </a:lnSpc>
             </a:pPr>
             <a:r>
-              <a:rPr b="1" lang="en-US" sz="4400">
-                <a:solidFill>
-                  <a:srgbClr val="ffc000"/>
-                </a:solidFill>
-                <a:latin typeface="Calibri"/>
-              </a:rPr>
-              <a:t>The Features</a:t>
-            </a:r>
-            <a:endParaRPr/>
-          </a:p>
-        </p:txBody>
-      </p:sp>
-      <p:sp>
-        <p:nvSpPr>
-          <p:cNvPr id="39" name="CustomShape 2"/>
+              <a:rPr lang="en-US" sz="4400" b="1" dirty="0">
+                <a:solidFill>
+                  <a:srgbClr val="FFC000"/>
+                </a:solidFill>
+                <a:latin typeface="Calibri"/>
+              </a:rPr>
+              <a:t>Browsing</a:t>
+            </a:r>
+            <a:endParaRPr dirty="0"/>
+          </a:p>
+        </p:txBody>
+      </p:sp>
+      <p:sp>
+        <p:nvSpPr>
+          <p:cNvPr id="44" name="CustomShape 2"/>
           <p:cNvSpPr/>
           <p:nvPr/>
         </p:nvSpPr>
         <p:spPr>
           <a:xfrm>
-            <a:off x="822960" y="1828800"/>
-            <a:ext cx="7405200" cy="3774960"/>
-          </a:xfrm>
-          <a:prstGeom prst="rect">
-            <a:avLst/>
-          </a:prstGeom>
-        </p:spPr>
-        <p:txBody>
-          <a:bodyPr bIns="45000" lIns="90000" rIns="90000" tIns="45000"/>
-          <a:p>
-            <a:pPr>
-              <a:lnSpc>
-                <a:spcPct val="100000"/>
-              </a:lnSpc>
-              <a:buFont typeface="Arial"/>
-              <a:buChar char="•"/>
-            </a:pPr>
-            <a:r>
-              <a:rPr lang="en-US" sz="2200">
-                <a:solidFill>
-                  <a:srgbClr val="000000"/>
-                </a:solidFill>
-                <a:latin typeface="Calibri"/>
-              </a:rPr>
-              <a:t>Instant notification on device</a:t>
-            </a:r>
-            <a:endParaRPr/>
-          </a:p>
-          <a:p>
-            <a:pPr>
-              <a:lnSpc>
-                <a:spcPct val="100000"/>
-              </a:lnSpc>
-              <a:buFont typeface="Arial"/>
-              <a:buChar char="•"/>
-            </a:pPr>
-            <a:r>
-              <a:rPr lang="en-US" sz="2200">
-                <a:solidFill>
-                  <a:srgbClr val="000000"/>
-                </a:solidFill>
-                <a:latin typeface="Calibri"/>
-              </a:rPr>
-              <a:t>Preview, Comment and rate presentations and blog post</a:t>
-            </a:r>
-            <a:endParaRPr/>
-          </a:p>
-          <a:p>
-            <a:pPr>
-              <a:lnSpc>
-                <a:spcPct val="100000"/>
-              </a:lnSpc>
-              <a:buFont typeface="Arial"/>
-              <a:buChar char="•"/>
-            </a:pPr>
-            <a:r>
-              <a:rPr lang="en-US" sz="2200">
-                <a:solidFill>
-                  <a:srgbClr val="000000"/>
-                </a:solidFill>
-                <a:latin typeface="Calibri"/>
-              </a:rPr>
-              <a:t>Download presentations to Memory Card (View with other office suite)</a:t>
-            </a:r>
-            <a:endParaRPr/>
-          </a:p>
-          <a:p>
-            <a:pPr>
-              <a:lnSpc>
-                <a:spcPct val="100000"/>
-              </a:lnSpc>
-              <a:buFont typeface="Arial"/>
-              <a:buChar char="•"/>
-            </a:pPr>
-            <a:r>
-              <a:rPr lang="en-US" sz="2200">
-                <a:solidFill>
-                  <a:srgbClr val="000000"/>
-                </a:solidFill>
-                <a:latin typeface="Calibri"/>
-              </a:rPr>
-              <a:t>Upload presentations directly from device's office suite</a:t>
-            </a:r>
-            <a:endParaRPr/>
-          </a:p>
-        </p:txBody>
-      </p:sp>
+            <a:off x="4572000" y="2322804"/>
+            <a:ext cx="3352800" cy="1737000"/>
+          </a:xfrm>
+          <a:prstGeom prst="rect">
+            <a:avLst/>
+          </a:prstGeom>
+        </p:spPr>
+        <p:txBody>
+          <a:bodyPr wrap="none" lIns="90000" tIns="45000" rIns="90000" bIns="45000"/>
+          <a:lstStyle/>
+          <a:p>
+            <a:r>
+              <a:rPr lang="en-US" sz="2800" dirty="0">
+                <a:latin typeface="Calibri" pitchFamily="34" charset="0"/>
+                <a:cs typeface="Calibri" pitchFamily="34" charset="0"/>
+              </a:rPr>
+              <a:t>Presentation </a:t>
+            </a:r>
+            <a:r>
+              <a:rPr lang="en-US" sz="2800" dirty="0" smtClean="0">
+                <a:latin typeface="Calibri" pitchFamily="34" charset="0"/>
+                <a:cs typeface="Calibri" pitchFamily="34" charset="0"/>
+              </a:rPr>
+              <a:t>listing in</a:t>
+            </a:r>
+          </a:p>
+          <a:p>
+            <a:r>
+              <a:rPr lang="en-US" sz="2800" dirty="0" smtClean="0">
+                <a:latin typeface="Calibri" pitchFamily="34" charset="0"/>
+                <a:cs typeface="Calibri" pitchFamily="34" charset="0"/>
+              </a:rPr>
+              <a:t>Respective categories</a:t>
+            </a:r>
+            <a:endParaRPr dirty="0">
+              <a:latin typeface="Calibri" pitchFamily="34" charset="0"/>
+              <a:cs typeface="Calibri" pitchFamily="34" charset="0"/>
+            </a:endParaRPr>
+          </a:p>
+        </p:txBody>
+      </p:sp>
+      <p:pic>
+        <p:nvPicPr>
+          <p:cNvPr id="45" name="Picture 44"/>
+          <p:cNvPicPr/>
+          <p:nvPr/>
+        </p:nvPicPr>
+        <p:blipFill>
+          <a:blip r:embed="rId2"/>
+          <a:stretch>
+            <a:fillRect/>
+          </a:stretch>
+        </p:blipFill>
+        <p:spPr>
+          <a:xfrm>
+            <a:off x="671945" y="438150"/>
+            <a:ext cx="2892960" cy="4214880"/>
+          </a:xfrm>
+          <a:prstGeom prst="rect">
+            <a:avLst/>
+          </a:prstGeom>
+        </p:spPr>
+      </p:pic>
     </p:spTree>
   </p:cSld>
+  <p:clrMapOvr>
+    <a:masterClrMapping/>
+  </p:clrMapOvr>
   <p:transition>
     <p:fade/>
   </p:transition>
   <p:timing>
     <p:tnLst>
       <p:par>
-        <p:cTn dur="indefinite" id="5" nodeType="tmRoot" restart="never">
+        <p:cTn id="1" dur="indefinite" restart="never" nodeType="tmRoot">
           <p:childTnLst>
             <p:seq>
-              <p:cTn id="6" nodeType="mainSeq"/>
+              <p:cTn id="2" nodeType="mainSeq"/>
               <p:prevCondLst>
-                <p:cond delay="0" evt="onPrev">
+                <p:cond evt="onPrev" delay="0">
                   <p:tgtEl>
                     <p:sldTgt/>
                   </p:tgtEl>
                 </p:cond>
               </p:prevCondLst>
               <p:nextCondLst>
-                <p:cond delay="0" evt="onNext">
+                <p:cond evt="onNext" delay="0">
                   <p:tgtEl>
                     <p:sldTgt/>
                   </p:tgtEl>
@@ -2388,8 +2945,8 @@
 </p:sld>
 </file>
 
-<file path=ppt/slides/slide4.xml><?xml version="1.0" encoding="utf-8"?>
-<p:sld xmlns:a="http://schemas.openxmlformats.org/drawingml/2006/main" xmlns:p="http://schemas.openxmlformats.org/presentationml/2006/main" xmlns:r="http://schemas.openxmlformats.org/officeDocument/2006/relationships">
+<file path=ppt/slides/slide6.xml><?xml version="1.0" encoding="utf-8"?>
+<p:sld xmlns:a="http://schemas.openxmlformats.org/drawingml/2006/main" xmlns:r="http://schemas.openxmlformats.org/officeDocument/2006/relationships" xmlns:p="http://schemas.openxmlformats.org/presentationml/2006/main">
   <p:cSld>
     <p:spTree>
       <p:nvGrpSpPr>
@@ -2407,21 +2964,22 @@
       </p:grpSpPr>
       <p:sp>
         <p:nvSpPr>
-          <p:cNvPr id="40" name="CustomShape 1"/>
+          <p:cNvPr id="46" name="CustomShape 1"/>
           <p:cNvSpPr/>
           <p:nvPr/>
         </p:nvSpPr>
         <p:spPr>
           <a:xfrm>
-            <a:off x="685800" y="291600"/>
-            <a:ext cx="4708800" cy="1100880"/>
-          </a:xfrm>
-          <a:prstGeom prst="rect">
-            <a:avLst/>
-          </a:prstGeom>
-        </p:spPr>
-        <p:txBody>
-          <a:bodyPr anchor="ctr" bIns="45000" lIns="90000" rIns="90000" tIns="45000"/>
+            <a:off x="304800" y="1278360"/>
+            <a:ext cx="4480200" cy="1100880"/>
+          </a:xfrm>
+          <a:prstGeom prst="rect">
+            <a:avLst/>
+          </a:prstGeom>
+        </p:spPr>
+        <p:txBody>
+          <a:bodyPr lIns="90000" tIns="45000" rIns="90000" bIns="45000" anchor="ctr"/>
+          <a:lstStyle/>
           <a:p>
             <a:pPr algn="ctr">
               <a:lnSpc>
@@ -2429,34 +2987,34 @@
               </a:lnSpc>
             </a:pPr>
             <a:r>
-              <a:rPr b="1" lang="en-US" sz="4400">
-                <a:solidFill>
-                  <a:srgbClr val="ffc000"/>
-                </a:solidFill>
-                <a:latin typeface="Calibri"/>
-              </a:rPr>
-              <a:t>Main Activity</a:t>
-            </a:r>
-            <a:endParaRPr/>
+              <a:rPr lang="en-US" sz="4400" b="1" dirty="0">
+                <a:solidFill>
+                  <a:srgbClr val="FFC000"/>
+                </a:solidFill>
+                <a:latin typeface="Calibri"/>
+              </a:rPr>
+              <a:t>Notifications</a:t>
+            </a:r>
+            <a:endParaRPr dirty="0"/>
           </a:p>
         </p:txBody>
       </p:sp>
       <p:pic>
         <p:nvPicPr>
-          <p:cNvPr descr="" id="41" name=""/>
+          <p:cNvPr id="47" name="Picture 46"/>
           <p:cNvPicPr/>
           <p:nvPr/>
         </p:nvPicPr>
         <p:blipFill>
-          <a:blip r:embed="rId1"/>
+          <a:blip r:embed="rId2"/>
           <a:stretch>
             <a:fillRect/>
           </a:stretch>
         </p:blipFill>
         <p:spPr>
           <a:xfrm>
-            <a:off x="5852160" y="640080"/>
-            <a:ext cx="2827800" cy="4023000"/>
+            <a:off x="5257800" y="365940"/>
+            <a:ext cx="2923920" cy="4662720"/>
           </a:xfrm>
           <a:prstGeom prst="rect">
             <a:avLst/>
@@ -2465,13 +3023,13 @@
       </p:pic>
       <p:sp>
         <p:nvSpPr>
-          <p:cNvPr id="42" name="CustomShape 2"/>
+          <p:cNvPr id="48" name="CustomShape 2"/>
           <p:cNvSpPr/>
           <p:nvPr/>
         </p:nvSpPr>
         <p:spPr>
           <a:xfrm>
-            <a:off x="1029240" y="1828800"/>
+            <a:off x="533400" y="2379016"/>
             <a:ext cx="4456800" cy="1737000"/>
           </a:xfrm>
           <a:prstGeom prst="rect">
@@ -2479,44 +3037,65 @@
           </a:prstGeom>
         </p:spPr>
         <p:txBody>
-          <a:bodyPr bIns="45000" lIns="90000" rIns="90000" tIns="45000" wrap="none"/>
-          <a:p>
-            <a:r>
-              <a:rPr lang="en-US" sz="2800"/>
-              <a:t>Activity displaying the list</a:t>
-            </a:r>
-            <a:endParaRPr/>
-          </a:p>
-          <a:p>
-            <a:r>
-              <a:rPr lang="en-US" sz="2800"/>
-              <a:t>of presentation categories</a:t>
-            </a:r>
-            <a:endParaRPr/>
+          <a:bodyPr wrap="none" lIns="90000" tIns="45000" rIns="90000" bIns="45000"/>
+          <a:lstStyle/>
+          <a:p>
+            <a:r>
+              <a:rPr lang="en-US" sz="2800" dirty="0" smtClean="0">
+                <a:latin typeface="Calibri" pitchFamily="34" charset="0"/>
+                <a:cs typeface="Calibri" pitchFamily="34" charset="0"/>
+              </a:rPr>
+              <a:t>Default Android Notifications</a:t>
+            </a:r>
+          </a:p>
+          <a:p>
+            <a:r>
+              <a:rPr lang="en-US" sz="2800" dirty="0" smtClean="0">
+                <a:latin typeface="Calibri" pitchFamily="34" charset="0"/>
+                <a:cs typeface="Calibri" pitchFamily="34" charset="0"/>
+              </a:rPr>
+              <a:t>and a quick one click</a:t>
+            </a:r>
+          </a:p>
+          <a:p>
+            <a:r>
+              <a:rPr lang="en-US" sz="2800" dirty="0" smtClean="0">
+                <a:latin typeface="Calibri" pitchFamily="34" charset="0"/>
+                <a:cs typeface="Calibri" pitchFamily="34" charset="0"/>
+              </a:rPr>
+              <a:t>notification access button.</a:t>
+            </a:r>
+            <a:endParaRPr dirty="0">
+              <a:latin typeface="Calibri" pitchFamily="34" charset="0"/>
+              <a:cs typeface="Calibri" pitchFamily="34" charset="0"/>
+            </a:endParaRPr>
           </a:p>
         </p:txBody>
       </p:sp>
     </p:spTree>
   </p:cSld>
+  <p:clrMapOvr>
+    <a:masterClrMapping/>
+  </p:clrMapOvr>
   <p:transition>
     <p:fade/>
   </p:transition>
   <p:timing>
     <p:tnLst>
       <p:par>
-        <p:cTn dur="indefinite" id="7" nodeType="tmRoot" restart="never">
+        <p:cTn id="1" dur="indefinite" restart="never" nodeType="tmRoot">
           <p:childTnLst>
             <p:seq>
-              <p:cTn id="8" nodeType="mainSeq"/>
+              <p:cTn id="2" nodeType="mainSeq"/>
               <p:prevCondLst>
-                <p:cond delay="0" evt="onPrev">
+                <p:cond evt="onPrev" delay="0">
                   <p:tgtEl>
                     <p:sldTgt/>
                   </p:tgtEl>
                 </p:cond>
               </p:prevCondLst>
               <p:nextCondLst>
-                <p:cond delay="0" evt="onNext">
+                <p:cond evt="onNext" delay="0">
                   <p:tgtEl>
                     <p:sldTgt/>
                   </p:tgtEl>
@@ -2531,8 +3110,8 @@
 </p:sld>
 </file>
 
-<file path=ppt/slides/slide5.xml><?xml version="1.0" encoding="utf-8"?>
-<p:sld xmlns:a="http://schemas.openxmlformats.org/drawingml/2006/main" xmlns:p="http://schemas.openxmlformats.org/presentationml/2006/main" xmlns:r="http://schemas.openxmlformats.org/officeDocument/2006/relationships">
+<file path=ppt/slides/slide7.xml><?xml version="1.0" encoding="utf-8"?>
+<p:sld xmlns:a="http://schemas.openxmlformats.org/drawingml/2006/main" xmlns:r="http://schemas.openxmlformats.org/officeDocument/2006/relationships" xmlns:p="http://schemas.openxmlformats.org/presentationml/2006/main">
   <p:cSld>
     <p:spTree>
       <p:nvGrpSpPr>
@@ -2550,13 +3129,13 @@
       </p:grpSpPr>
       <p:sp>
         <p:nvSpPr>
-          <p:cNvPr id="43" name="CustomShape 1"/>
+          <p:cNvPr id="49" name="CustomShape 1"/>
           <p:cNvSpPr/>
           <p:nvPr/>
         </p:nvSpPr>
         <p:spPr>
           <a:xfrm>
-            <a:off x="685800" y="291600"/>
+            <a:off x="3810000" y="727920"/>
             <a:ext cx="4708800" cy="1100880"/>
           </a:xfrm>
           <a:prstGeom prst="rect">
@@ -2564,7 +3143,8 @@
           </a:prstGeom>
         </p:spPr>
         <p:txBody>
-          <a:bodyPr anchor="ctr" bIns="45000" lIns="90000" rIns="90000" tIns="45000"/>
+          <a:bodyPr lIns="90000" tIns="45000" rIns="90000" bIns="45000" anchor="ctr"/>
+          <a:lstStyle/>
           <a:p>
             <a:pPr algn="ctr">
               <a:lnSpc>
@@ -2572,87 +3152,163 @@
               </a:lnSpc>
             </a:pPr>
             <a:r>
-              <a:rPr b="1" lang="en-US" sz="4400">
-                <a:solidFill>
-                  <a:srgbClr val="ffc000"/>
-                </a:solidFill>
-                <a:latin typeface="Calibri"/>
-              </a:rPr>
-              <a:t>Browsing</a:t>
-            </a:r>
-            <a:endParaRPr/>
-          </a:p>
-        </p:txBody>
-      </p:sp>
-      <p:sp>
-        <p:nvSpPr>
-          <p:cNvPr id="44" name="CustomShape 2"/>
-          <p:cNvSpPr/>
-          <p:nvPr/>
-        </p:nvSpPr>
-        <p:spPr>
-          <a:xfrm>
-            <a:off x="1029240" y="1828800"/>
-            <a:ext cx="4456800" cy="1737000"/>
-          </a:xfrm>
-          <a:prstGeom prst="rect">
-            <a:avLst/>
-          </a:prstGeom>
-        </p:spPr>
-        <p:txBody>
-          <a:bodyPr bIns="45000" lIns="90000" rIns="90000" tIns="45000" wrap="none"/>
-          <a:p>
-            <a:r>
-              <a:rPr lang="en-US" sz="2800"/>
-              <a:t>Presentation listing</a:t>
-            </a:r>
-            <a:endParaRPr/>
+              <a:rPr lang="en-US" sz="4400" b="1" dirty="0">
+                <a:solidFill>
+                  <a:srgbClr val="FFC000"/>
+                </a:solidFill>
+                <a:latin typeface="Calibri"/>
+              </a:rPr>
+              <a:t>Viewer</a:t>
+            </a:r>
+            <a:endParaRPr dirty="0"/>
           </a:p>
         </p:txBody>
       </p:sp>
       <p:pic>
         <p:nvPicPr>
-          <p:cNvPr descr="" id="45" name=""/>
+          <p:cNvPr id="50" name="Picture 49"/>
           <p:cNvPicPr/>
           <p:nvPr/>
         </p:nvPicPr>
         <p:blipFill>
-          <a:blip r:embed="rId1"/>
+          <a:blip r:embed="rId2"/>
           <a:stretch>
             <a:fillRect/>
           </a:stretch>
         </p:blipFill>
         <p:spPr>
           <a:xfrm>
-            <a:off x="5669280" y="539640"/>
-            <a:ext cx="2892960" cy="4214880"/>
+            <a:off x="675042" y="329042"/>
+            <a:ext cx="3017160" cy="4388400"/>
           </a:xfrm>
           <a:prstGeom prst="rect">
             <a:avLst/>
           </a:prstGeom>
         </p:spPr>
       </p:pic>
+      <p:sp>
+        <p:nvSpPr>
+          <p:cNvPr id="51" name="CustomShape 2"/>
+          <p:cNvSpPr/>
+          <p:nvPr/>
+        </p:nvSpPr>
+        <p:spPr>
+          <a:xfrm>
+            <a:off x="4247478" y="1962150"/>
+            <a:ext cx="4896522" cy="1981200"/>
+          </a:xfrm>
+          <a:prstGeom prst="rect">
+            <a:avLst/>
+          </a:prstGeom>
+        </p:spPr>
+        <p:txBody>
+          <a:bodyPr wrap="none" lIns="90000" tIns="45000" rIns="90000" bIns="45000"/>
+          <a:lstStyle/>
+          <a:p>
+            <a:r>
+              <a:rPr lang="en-US" sz="2800" dirty="0">
+                <a:latin typeface="Calibri" pitchFamily="34" charset="0"/>
+                <a:cs typeface="Calibri" pitchFamily="34" charset="0"/>
+              </a:rPr>
+              <a:t>Click on presentation and</a:t>
+            </a:r>
+            <a:endParaRPr dirty="0">
+              <a:latin typeface="Calibri" pitchFamily="34" charset="0"/>
+              <a:cs typeface="Calibri" pitchFamily="34" charset="0"/>
+            </a:endParaRPr>
+          </a:p>
+          <a:p>
+            <a:r>
+              <a:rPr lang="en-US" sz="2800" dirty="0">
+                <a:latin typeface="Calibri" pitchFamily="34" charset="0"/>
+                <a:cs typeface="Calibri" pitchFamily="34" charset="0"/>
+              </a:rPr>
+              <a:t>preview </a:t>
+            </a:r>
+            <a:r>
+              <a:rPr lang="en-US" sz="2800" dirty="0" smtClean="0">
+                <a:latin typeface="Calibri" pitchFamily="34" charset="0"/>
+                <a:cs typeface="Calibri" pitchFamily="34" charset="0"/>
+              </a:rPr>
+              <a:t>that (Bangla doesn’t</a:t>
+            </a:r>
+          </a:p>
+          <a:p>
+            <a:r>
+              <a:rPr lang="en-US" sz="2800" dirty="0" smtClean="0">
+                <a:latin typeface="Calibri" pitchFamily="34" charset="0"/>
+                <a:cs typeface="Calibri" pitchFamily="34" charset="0"/>
+              </a:rPr>
+              <a:t>Break)</a:t>
+            </a:r>
+            <a:r>
+              <a:rPr lang="en-US" sz="2800" dirty="0" smtClean="0">
+                <a:latin typeface="Calibri" pitchFamily="34" charset="0"/>
+                <a:cs typeface="Calibri" pitchFamily="34" charset="0"/>
+              </a:rPr>
+              <a:t>. Rate </a:t>
+            </a:r>
+            <a:r>
+              <a:rPr lang="en-US" sz="2800" dirty="0">
+                <a:latin typeface="Calibri" pitchFamily="34" charset="0"/>
+                <a:cs typeface="Calibri" pitchFamily="34" charset="0"/>
+              </a:rPr>
+              <a:t>and </a:t>
+            </a:r>
+            <a:r>
+              <a:rPr lang="en-US" sz="2800" dirty="0" smtClean="0">
+                <a:latin typeface="Calibri" pitchFamily="34" charset="0"/>
+                <a:cs typeface="Calibri" pitchFamily="34" charset="0"/>
+              </a:rPr>
+              <a:t>comment</a:t>
+            </a:r>
+          </a:p>
+          <a:p>
+            <a:r>
+              <a:rPr lang="en-US" sz="2800" dirty="0" smtClean="0">
+                <a:latin typeface="Calibri" pitchFamily="34" charset="0"/>
+                <a:cs typeface="Calibri" pitchFamily="34" charset="0"/>
+              </a:rPr>
+              <a:t>to </a:t>
+            </a:r>
+            <a:r>
+              <a:rPr lang="en-US" sz="2800" dirty="0">
+                <a:latin typeface="Calibri" pitchFamily="34" charset="0"/>
+                <a:cs typeface="Calibri" pitchFamily="34" charset="0"/>
+              </a:rPr>
+              <a:t>engage.</a:t>
+            </a:r>
+            <a:endParaRPr dirty="0">
+              <a:latin typeface="Calibri" pitchFamily="34" charset="0"/>
+              <a:cs typeface="Calibri" pitchFamily="34" charset="0"/>
+            </a:endParaRPr>
+          </a:p>
+        </p:txBody>
+      </p:sp>
     </p:spTree>
   </p:cSld>
+  <p:clrMapOvr>
+    <a:masterClrMapping/>
+  </p:clrMapOvr>
   <p:transition>
     <p:fade/>
   </p:transition>
   <p:timing>
     <p:tnLst>
       <p:par>
-        <p:cTn dur="indefinite" id="9" nodeType="tmRoot" restart="never">
+        <p:cTn id="1" dur="indefinite" restart="never" nodeType="tmRoot">
           <p:childTnLst>
             <p:seq>
-              <p:cTn id="10" nodeType="mainSeq"/>
+              <p:cTn id="2" nodeType="mainSeq"/>
               <p:prevCondLst>
-                <p:cond delay="0" evt="onPrev">
+                <p:cond evt="onPrev" delay="0">
                   <p:tgtEl>
                     <p:sldTgt/>
                   </p:tgtEl>
                 </p:cond>
               </p:prevCondLst>
               <p:nextCondLst>
-                <p:cond delay="0" evt="onNext">
+                <p:cond evt="onNext" delay="0">
                   <p:tgtEl>
                     <p:sldTgt/>
                   </p:tgtEl>
@@ -2667,8 +3323,8 @@
 </p:sld>
 </file>
 
-<file path=ppt/slides/slide6.xml><?xml version="1.0" encoding="utf-8"?>
-<p:sld xmlns:a="http://schemas.openxmlformats.org/drawingml/2006/main" xmlns:p="http://schemas.openxmlformats.org/presentationml/2006/main" xmlns:r="http://schemas.openxmlformats.org/officeDocument/2006/relationships">
+<file path=ppt/slides/slide8.xml><?xml version="1.0" encoding="utf-8"?>
+<p:sld xmlns:a="http://schemas.openxmlformats.org/drawingml/2006/main" xmlns:r="http://schemas.openxmlformats.org/officeDocument/2006/relationships" xmlns:p="http://schemas.openxmlformats.org/presentationml/2006/main">
   <p:cSld>
     <p:spTree>
       <p:nvGrpSpPr>
@@ -2686,13 +3342,13 @@
       </p:grpSpPr>
       <p:sp>
         <p:nvSpPr>
-          <p:cNvPr id="46" name="CustomShape 1"/>
+          <p:cNvPr id="52" name="CustomShape 1"/>
           <p:cNvSpPr/>
           <p:nvPr/>
         </p:nvSpPr>
         <p:spPr>
           <a:xfrm>
-            <a:off x="4206240" y="291600"/>
+            <a:off x="381000" y="842040"/>
             <a:ext cx="4480200" cy="1100880"/>
           </a:xfrm>
           <a:prstGeom prst="rect">
@@ -2700,7 +3356,8 @@
           </a:prstGeom>
         </p:spPr>
         <p:txBody>
-          <a:bodyPr anchor="ctr" bIns="45000" lIns="90000" rIns="90000" tIns="45000"/>
+          <a:bodyPr lIns="90000" tIns="45000" rIns="90000" bIns="45000" anchor="ctr"/>
+          <a:lstStyle/>
           <a:p>
             <a:pPr algn="ctr">
               <a:lnSpc>
@@ -2708,34 +3365,34 @@
               </a:lnSpc>
             </a:pPr>
             <a:r>
-              <a:rPr b="1" lang="en-US" sz="4400">
-                <a:solidFill>
-                  <a:srgbClr val="ffc000"/>
-                </a:solidFill>
-                <a:latin typeface="Calibri"/>
-              </a:rPr>
-              <a:t>Notifications</a:t>
-            </a:r>
-            <a:endParaRPr/>
+              <a:rPr lang="en-US" sz="4400" b="1" dirty="0">
+                <a:solidFill>
+                  <a:srgbClr val="FFC000"/>
+                </a:solidFill>
+                <a:latin typeface="Calibri"/>
+              </a:rPr>
+              <a:t>Subscription</a:t>
+            </a:r>
+            <a:endParaRPr dirty="0"/>
           </a:p>
         </p:txBody>
       </p:sp>
       <p:pic>
         <p:nvPicPr>
-          <p:cNvPr descr="" id="47" name=""/>
+          <p:cNvPr id="53" name="Picture 52"/>
           <p:cNvPicPr/>
           <p:nvPr/>
         </p:nvPicPr>
         <p:blipFill>
-          <a:blip r:embed="rId1"/>
+          <a:blip r:embed="rId2"/>
           <a:stretch>
             <a:fillRect/>
           </a:stretch>
         </p:blipFill>
         <p:spPr>
           <a:xfrm>
-            <a:off x="274320" y="274320"/>
-            <a:ext cx="2923920" cy="4662720"/>
+            <a:off x="5105400" y="263621"/>
+            <a:ext cx="3108600" cy="4571640"/>
           </a:xfrm>
           <a:prstGeom prst="rect">
             <a:avLst/>
@@ -2744,13 +3401,13 @@
       </p:pic>
       <p:sp>
         <p:nvSpPr>
-          <p:cNvPr id="48" name="CustomShape 2"/>
+          <p:cNvPr id="54" name="CustomShape 2"/>
           <p:cNvSpPr/>
           <p:nvPr/>
         </p:nvSpPr>
         <p:spPr>
           <a:xfrm>
-            <a:off x="4114800" y="1828800"/>
+            <a:off x="652064" y="2190750"/>
             <a:ext cx="4456800" cy="1737000"/>
           </a:xfrm>
           <a:prstGeom prst="rect">
@@ -2758,37 +3415,93 @@
           </a:prstGeom>
         </p:spPr>
         <p:txBody>
-          <a:bodyPr bIns="45000" lIns="90000" rIns="90000" tIns="45000" wrap="none"/>
-          <a:p>
-            <a:r>
-              <a:rPr lang="en-US" sz="2800"/>
-              <a:t>Default Android Notifications and a quick one click notification access button.</a:t>
-            </a:r>
-            <a:endParaRPr/>
+          <a:bodyPr wrap="none" lIns="90000" tIns="45000" rIns="90000" bIns="45000"/>
+          <a:lstStyle/>
+          <a:p>
+            <a:r>
+              <a:rPr lang="en-US" sz="2800" dirty="0">
+                <a:latin typeface="Calibri" pitchFamily="34" charset="0"/>
+                <a:cs typeface="Calibri" pitchFamily="34" charset="0"/>
+              </a:rPr>
+              <a:t>Subscribe to </a:t>
+            </a:r>
+            <a:r>
+              <a:rPr lang="en-US" sz="2800" dirty="0" smtClean="0">
+                <a:latin typeface="Calibri" pitchFamily="34" charset="0"/>
+                <a:cs typeface="Calibri" pitchFamily="34" charset="0"/>
+              </a:rPr>
+              <a:t>different</a:t>
+            </a:r>
+          </a:p>
+          <a:p>
+            <a:r>
+              <a:rPr lang="en-US" sz="2800" dirty="0" smtClean="0">
+                <a:latin typeface="Calibri" pitchFamily="34" charset="0"/>
+                <a:cs typeface="Calibri" pitchFamily="34" charset="0"/>
+              </a:rPr>
+              <a:t>categories </a:t>
+            </a:r>
+            <a:r>
+              <a:rPr lang="en-US" sz="2800" dirty="0">
+                <a:latin typeface="Calibri" pitchFamily="34" charset="0"/>
+                <a:cs typeface="Calibri" pitchFamily="34" charset="0"/>
+              </a:rPr>
+              <a:t>to get </a:t>
+            </a:r>
+            <a:r>
+              <a:rPr lang="en-US" sz="2800" dirty="0" smtClean="0">
+                <a:latin typeface="Calibri" pitchFamily="34" charset="0"/>
+                <a:cs typeface="Calibri" pitchFamily="34" charset="0"/>
+              </a:rPr>
+              <a:t>notified</a:t>
+            </a:r>
+          </a:p>
+          <a:p>
+            <a:r>
+              <a:rPr lang="en-US" sz="2800" dirty="0" smtClean="0">
+                <a:latin typeface="Calibri" pitchFamily="34" charset="0"/>
+                <a:cs typeface="Calibri" pitchFamily="34" charset="0"/>
+              </a:rPr>
+              <a:t>of </a:t>
+            </a:r>
+            <a:r>
+              <a:rPr lang="en-US" sz="2800" dirty="0">
+                <a:latin typeface="Calibri" pitchFamily="34" charset="0"/>
+                <a:cs typeface="Calibri" pitchFamily="34" charset="0"/>
+              </a:rPr>
+              <a:t>newly uploaded content.</a:t>
+            </a:r>
+            <a:endParaRPr dirty="0">
+              <a:latin typeface="Calibri" pitchFamily="34" charset="0"/>
+              <a:cs typeface="Calibri" pitchFamily="34" charset="0"/>
+            </a:endParaRPr>
           </a:p>
         </p:txBody>
       </p:sp>
     </p:spTree>
   </p:cSld>
+  <p:clrMapOvr>
+    <a:masterClrMapping/>
+  </p:clrMapOvr>
   <p:transition>
     <p:fade/>
   </p:transition>
   <p:timing>
     <p:tnLst>
       <p:par>
-        <p:cTn dur="indefinite" id="11" nodeType="tmRoot" restart="never">
+        <p:cTn id="1" dur="indefinite" restart="never" nodeType="tmRoot">
           <p:childTnLst>
             <p:seq>
-              <p:cTn id="12" nodeType="mainSeq"/>
+              <p:cTn id="2" nodeType="mainSeq"/>
               <p:prevCondLst>
-                <p:cond delay="0" evt="onPrev">
+                <p:cond evt="onPrev" delay="0">
                   <p:tgtEl>
                     <p:sldTgt/>
                   </p:tgtEl>
                 </p:cond>
               </p:prevCondLst>
               <p:nextCondLst>
-                <p:cond delay="0" evt="onNext">
+                <p:cond evt="onNext" delay="0">
                   <p:tgtEl>
                     <p:sldTgt/>
                   </p:tgtEl>
@@ -2803,8 +3516,8 @@
 </p:sld>
 </file>
 
-<file path=ppt/slides/slide7.xml><?xml version="1.0" encoding="utf-8"?>
-<p:sld xmlns:a="http://schemas.openxmlformats.org/drawingml/2006/main" xmlns:p="http://schemas.openxmlformats.org/presentationml/2006/main" xmlns:r="http://schemas.openxmlformats.org/officeDocument/2006/relationships">
+<file path=ppt/slides/slide9.xml><?xml version="1.0" encoding="utf-8"?>
+<p:sld xmlns:a="http://schemas.openxmlformats.org/drawingml/2006/main" xmlns:r="http://schemas.openxmlformats.org/officeDocument/2006/relationships" xmlns:p="http://schemas.openxmlformats.org/presentationml/2006/main">
   <p:cSld>
     <p:spTree>
       <p:nvGrpSpPr>
@@ -2822,21 +3535,22 @@
       </p:grpSpPr>
       <p:sp>
         <p:nvSpPr>
-          <p:cNvPr id="49" name="CustomShape 1"/>
+          <p:cNvPr id="55" name="CustomShape 1"/>
           <p:cNvSpPr/>
           <p:nvPr/>
         </p:nvSpPr>
         <p:spPr>
           <a:xfrm>
-            <a:off x="685800" y="291600"/>
-            <a:ext cx="4708800" cy="1100880"/>
-          </a:xfrm>
-          <a:prstGeom prst="rect">
-            <a:avLst/>
-          </a:prstGeom>
-        </p:spPr>
-        <p:txBody>
-          <a:bodyPr anchor="ctr" bIns="45000" lIns="90000" rIns="90000" tIns="45000"/>
+            <a:off x="685800" y="209520"/>
+            <a:ext cx="7770600" cy="1100880"/>
+          </a:xfrm>
+          <a:prstGeom prst="rect">
+            <a:avLst/>
+          </a:prstGeom>
+        </p:spPr>
+        <p:txBody>
+          <a:bodyPr lIns="90000" tIns="45000" rIns="90000" bIns="45000" anchor="ctr"/>
+          <a:lstStyle/>
           <a:p>
             <a:pPr algn="ctr">
               <a:lnSpc>
@@ -2844,429 +3558,149 @@
               </a:lnSpc>
             </a:pPr>
             <a:r>
-              <a:rPr b="1" lang="en-US" sz="4400">
-                <a:solidFill>
-                  <a:srgbClr val="ffc000"/>
-                </a:solidFill>
-                <a:latin typeface="Calibri"/>
-              </a:rPr>
-              <a:t>Viewer</a:t>
-            </a:r>
-            <a:endParaRPr/>
-          </a:p>
-        </p:txBody>
-      </p:sp>
-      <p:pic>
-        <p:nvPicPr>
-          <p:cNvPr descr="" id="50" name=""/>
-          <p:cNvPicPr/>
-          <p:nvPr/>
-        </p:nvPicPr>
-        <p:blipFill>
-          <a:blip r:embed="rId1"/>
-          <a:stretch>
-            <a:fillRect/>
-          </a:stretch>
-        </p:blipFill>
-        <p:spPr>
-          <a:xfrm>
-            <a:off x="5669280" y="274320"/>
-            <a:ext cx="3017160" cy="4388400"/>
-          </a:xfrm>
-          <a:prstGeom prst="rect">
-            <a:avLst/>
-          </a:prstGeom>
-        </p:spPr>
-      </p:pic>
-      <p:sp>
-        <p:nvSpPr>
-          <p:cNvPr id="51" name="CustomShape 2"/>
+              <a:rPr lang="en-US" sz="4400" b="1">
+                <a:solidFill>
+                  <a:srgbClr val="FFC000"/>
+                </a:solidFill>
+                <a:latin typeface="Calibri"/>
+              </a:rPr>
+              <a:t>Final Vision</a:t>
+            </a:r>
+            <a:endParaRPr/>
+          </a:p>
+        </p:txBody>
+      </p:sp>
+      <p:sp>
+        <p:nvSpPr>
+          <p:cNvPr id="56" name="CustomShape 2"/>
           <p:cNvSpPr/>
           <p:nvPr/>
         </p:nvSpPr>
         <p:spPr>
           <a:xfrm>
-            <a:off x="1029600" y="1828800"/>
-            <a:ext cx="4456800" cy="1737000"/>
-          </a:xfrm>
-          <a:prstGeom prst="rect">
-            <a:avLst/>
-          </a:prstGeom>
-        </p:spPr>
-        <p:txBody>
-          <a:bodyPr bIns="45000" lIns="90000" rIns="90000" tIns="45000" wrap="none"/>
-          <a:p>
-            <a:r>
-              <a:rPr lang="en-US" sz="2800"/>
-              <a:t>Click on presentation and</a:t>
-            </a:r>
-            <a:endParaRPr/>
-          </a:p>
-          <a:p>
-            <a:r>
-              <a:rPr lang="en-US" sz="2800"/>
-              <a:t>preview that on a third-party viewer. Rate and comment to engage.</a:t>
-            </a:r>
-            <a:endParaRPr/>
+            <a:off x="1371600" y="1526400"/>
+            <a:ext cx="7223400" cy="2862360"/>
+          </a:xfrm>
+          <a:prstGeom prst="rect">
+            <a:avLst/>
+          </a:prstGeom>
+        </p:spPr>
+        <p:txBody>
+          <a:bodyPr lIns="90000" tIns="45000" rIns="90000" bIns="45000"/>
+          <a:lstStyle/>
+          <a:p>
+            <a:pPr>
+              <a:lnSpc>
+                <a:spcPct val="100000"/>
+              </a:lnSpc>
+            </a:pPr>
+            <a:endParaRPr dirty="0"/>
+          </a:p>
+          <a:p>
+            <a:pPr marL="457200" indent="-457200">
+              <a:lnSpc>
+                <a:spcPct val="100000"/>
+              </a:lnSpc>
+              <a:buFont typeface="Arial" pitchFamily="34" charset="0"/>
+              <a:buChar char="•"/>
+            </a:pPr>
+            <a:r>
+              <a:rPr lang="en-US" sz="3200" dirty="0" smtClean="0">
+                <a:solidFill>
+                  <a:srgbClr val="558ED5"/>
+                </a:solidFill>
+                <a:latin typeface="Calibri"/>
+              </a:rPr>
+              <a:t>View Presentations on Device</a:t>
+            </a:r>
+          </a:p>
+          <a:p>
+            <a:pPr marL="457200" indent="-457200">
+              <a:lnSpc>
+                <a:spcPct val="100000"/>
+              </a:lnSpc>
+              <a:buFont typeface="Arial" pitchFamily="34" charset="0"/>
+              <a:buChar char="•"/>
+            </a:pPr>
+            <a:r>
+              <a:rPr lang="en-US" sz="3200" dirty="0" smtClean="0">
+                <a:solidFill>
+                  <a:srgbClr val="558ED5"/>
+                </a:solidFill>
+                <a:latin typeface="Calibri"/>
+              </a:rPr>
+              <a:t>Upload presentations from device</a:t>
+            </a:r>
+            <a:endParaRPr lang="en-US" sz="3200" dirty="0" smtClean="0">
+              <a:solidFill>
+                <a:srgbClr val="558ED5"/>
+              </a:solidFill>
+              <a:latin typeface="Calibri"/>
+            </a:endParaRPr>
+          </a:p>
+          <a:p>
+            <a:pPr marL="457200" indent="-457200">
+              <a:lnSpc>
+                <a:spcPct val="100000"/>
+              </a:lnSpc>
+              <a:buFont typeface="Arial" pitchFamily="34" charset="0"/>
+              <a:buChar char="•"/>
+            </a:pPr>
+            <a:r>
+              <a:rPr lang="en-US" sz="3200" dirty="0" smtClean="0">
+                <a:solidFill>
+                  <a:srgbClr val="558ED5"/>
+                </a:solidFill>
+                <a:latin typeface="Calibri"/>
+              </a:rPr>
+              <a:t>Projection will no longer require computers</a:t>
+            </a:r>
+          </a:p>
+          <a:p>
+            <a:pPr marL="457200" indent="-457200">
+              <a:lnSpc>
+                <a:spcPct val="100000"/>
+              </a:lnSpc>
+              <a:buFont typeface="Arial" pitchFamily="34" charset="0"/>
+              <a:buChar char="•"/>
+            </a:pPr>
+            <a:r>
+              <a:rPr lang="en-US" sz="3200" dirty="0" smtClean="0">
+                <a:solidFill>
+                  <a:srgbClr val="558ED5"/>
+                </a:solidFill>
+                <a:latin typeface="Calibri"/>
+              </a:rPr>
+              <a:t>Decrease digital divide cost-effectively</a:t>
+            </a:r>
+            <a:endParaRPr dirty="0"/>
           </a:p>
         </p:txBody>
       </p:sp>
     </p:spTree>
   </p:cSld>
+  <p:clrMapOvr>
+    <a:masterClrMapping/>
+  </p:clrMapOvr>
   <p:transition>
     <p:fade/>
   </p:transition>
   <p:timing>
     <p:tnLst>
       <p:par>
-        <p:cTn dur="indefinite" id="13" nodeType="tmRoot" restart="never">
+        <p:cTn id="1" dur="indefinite" restart="never" nodeType="tmRoot">
           <p:childTnLst>
             <p:seq>
-              <p:cTn id="14" nodeType="mainSeq"/>
+              <p:cTn id="2" nodeType="mainSeq"/>
               <p:prevCondLst>
-                <p:cond delay="0" evt="onPrev">
+                <p:cond evt="onPrev" delay="0">
                   <p:tgtEl>
                     <p:sldTgt/>
                   </p:tgtEl>
                 </p:cond>
               </p:prevCondLst>
               <p:nextCondLst>
-                <p:cond delay="0" evt="onNext">
-                  <p:tgtEl>
-                    <p:sldTgt/>
-                  </p:tgtEl>
-                </p:cond>
-              </p:nextCondLst>
-            </p:seq>
-          </p:childTnLst>
-        </p:cTn>
-      </p:par>
-    </p:tnLst>
-  </p:timing>
-</p:sld>
-</file>
-
-<file path=ppt/slides/slide8.xml><?xml version="1.0" encoding="utf-8"?>
-<p:sld xmlns:a="http://schemas.openxmlformats.org/drawingml/2006/main" xmlns:p="http://schemas.openxmlformats.org/presentationml/2006/main" xmlns:r="http://schemas.openxmlformats.org/officeDocument/2006/relationships">
-  <p:cSld>
-    <p:spTree>
-      <p:nvGrpSpPr>
-        <p:cNvPr id="1" name=""/>
-        <p:cNvGrpSpPr/>
-        <p:nvPr/>
-      </p:nvGrpSpPr>
-      <p:grpSpPr>
-        <a:xfrm>
-          <a:off x="0" y="0"/>
-          <a:ext cx="0" cy="0"/>
-          <a:chOff x="0" y="0"/>
-          <a:chExt cx="0" cy="0"/>
-        </a:xfrm>
-      </p:grpSpPr>
-      <p:sp>
-        <p:nvSpPr>
-          <p:cNvPr id="52" name="CustomShape 1"/>
-          <p:cNvSpPr/>
-          <p:nvPr/>
-        </p:nvSpPr>
-        <p:spPr>
-          <a:xfrm>
-            <a:off x="4206240" y="291600"/>
-            <a:ext cx="4480200" cy="1100880"/>
-          </a:xfrm>
-          <a:prstGeom prst="rect">
-            <a:avLst/>
-          </a:prstGeom>
-        </p:spPr>
-        <p:txBody>
-          <a:bodyPr anchor="ctr" bIns="45000" lIns="90000" rIns="90000" tIns="45000"/>
-          <a:p>
-            <a:pPr algn="ctr">
-              <a:lnSpc>
-                <a:spcPct val="100000"/>
-              </a:lnSpc>
-            </a:pPr>
-            <a:r>
-              <a:rPr b="1" lang="en-US" sz="4400">
-                <a:solidFill>
-                  <a:srgbClr val="ffc000"/>
-                </a:solidFill>
-                <a:latin typeface="Calibri"/>
-              </a:rPr>
-              <a:t>Subscription</a:t>
-            </a:r>
-            <a:endParaRPr/>
-          </a:p>
-        </p:txBody>
-      </p:sp>
-      <p:pic>
-        <p:nvPicPr>
-          <p:cNvPr descr="" id="53" name=""/>
-          <p:cNvPicPr/>
-          <p:nvPr/>
-        </p:nvPicPr>
-        <p:blipFill>
-          <a:blip r:embed="rId1"/>
-          <a:stretch>
-            <a:fillRect/>
-          </a:stretch>
-        </p:blipFill>
-        <p:spPr>
-          <a:xfrm>
-            <a:off x="257760" y="254880"/>
-            <a:ext cx="3108600" cy="4571640"/>
-          </a:xfrm>
-          <a:prstGeom prst="rect">
-            <a:avLst/>
-          </a:prstGeom>
-        </p:spPr>
-      </p:pic>
-      <p:sp>
-        <p:nvSpPr>
-          <p:cNvPr id="54" name="CustomShape 2"/>
-          <p:cNvSpPr/>
-          <p:nvPr/>
-        </p:nvSpPr>
-        <p:spPr>
-          <a:xfrm>
-            <a:off x="4023360" y="1920240"/>
-            <a:ext cx="4456800" cy="1737000"/>
-          </a:xfrm>
-          <a:prstGeom prst="rect">
-            <a:avLst/>
-          </a:prstGeom>
-        </p:spPr>
-        <p:txBody>
-          <a:bodyPr bIns="45000" lIns="90000" rIns="90000" tIns="45000" wrap="none"/>
-          <a:p>
-            <a:r>
-              <a:rPr lang="en-US" sz="2800"/>
-              <a:t>Subscribe to different categories to get notified of newly uploaded content.</a:t>
-            </a:r>
-            <a:endParaRPr/>
-          </a:p>
-        </p:txBody>
-      </p:sp>
-    </p:spTree>
-  </p:cSld>
-  <p:transition>
-    <p:fade/>
-  </p:transition>
-  <p:timing>
-    <p:tnLst>
-      <p:par>
-        <p:cTn dur="indefinite" id="15" nodeType="tmRoot" restart="never">
-          <p:childTnLst>
-            <p:seq>
-              <p:cTn id="16" nodeType="mainSeq"/>
-              <p:prevCondLst>
-                <p:cond delay="0" evt="onPrev">
-                  <p:tgtEl>
-                    <p:sldTgt/>
-                  </p:tgtEl>
-                </p:cond>
-              </p:prevCondLst>
-              <p:nextCondLst>
-                <p:cond delay="0" evt="onNext">
-                  <p:tgtEl>
-                    <p:sldTgt/>
-                  </p:tgtEl>
-                </p:cond>
-              </p:nextCondLst>
-            </p:seq>
-          </p:childTnLst>
-        </p:cTn>
-      </p:par>
-    </p:tnLst>
-  </p:timing>
-</p:sld>
-</file>
-
-<file path=ppt/slides/slide9.xml><?xml version="1.0" encoding="utf-8"?>
-<p:sld xmlns:a="http://schemas.openxmlformats.org/drawingml/2006/main" xmlns:p="http://schemas.openxmlformats.org/presentationml/2006/main" xmlns:r="http://schemas.openxmlformats.org/officeDocument/2006/relationships">
-  <p:cSld>
-    <p:spTree>
-      <p:nvGrpSpPr>
-        <p:cNvPr id="1" name=""/>
-        <p:cNvGrpSpPr/>
-        <p:nvPr/>
-      </p:nvGrpSpPr>
-      <p:grpSpPr>
-        <a:xfrm>
-          <a:off x="0" y="0"/>
-          <a:ext cx="0" cy="0"/>
-          <a:chOff x="0" y="0"/>
-          <a:chExt cx="0" cy="0"/>
-        </a:xfrm>
-      </p:grpSpPr>
-      <p:sp>
-        <p:nvSpPr>
-          <p:cNvPr id="55" name="CustomShape 1"/>
-          <p:cNvSpPr/>
-          <p:nvPr/>
-        </p:nvSpPr>
-        <p:spPr>
-          <a:xfrm>
-            <a:off x="685800" y="209520"/>
-            <a:ext cx="7770600" cy="1100880"/>
-          </a:xfrm>
-          <a:prstGeom prst="rect">
-            <a:avLst/>
-          </a:prstGeom>
-        </p:spPr>
-        <p:txBody>
-          <a:bodyPr anchor="ctr" bIns="45000" lIns="90000" rIns="90000" tIns="45000"/>
-          <a:p>
-            <a:pPr algn="ctr">
-              <a:lnSpc>
-                <a:spcPct val="100000"/>
-              </a:lnSpc>
-            </a:pPr>
-            <a:r>
-              <a:rPr b="1" lang="en-US" sz="4400">
-                <a:solidFill>
-                  <a:srgbClr val="ffc000"/>
-                </a:solidFill>
-                <a:latin typeface="Calibri"/>
-              </a:rPr>
-              <a:t>Final Vision</a:t>
-            </a:r>
-            <a:endParaRPr/>
-          </a:p>
-        </p:txBody>
-      </p:sp>
-      <p:sp>
-        <p:nvSpPr>
-          <p:cNvPr id="56" name="CustomShape 2"/>
-          <p:cNvSpPr/>
-          <p:nvPr/>
-        </p:nvSpPr>
-        <p:spPr>
-          <a:xfrm>
-            <a:off x="1371600" y="1526400"/>
-            <a:ext cx="7223400" cy="2862360"/>
-          </a:xfrm>
-          <a:prstGeom prst="rect">
-            <a:avLst/>
-          </a:prstGeom>
-        </p:spPr>
-        <p:txBody>
-          <a:bodyPr bIns="45000" lIns="90000" rIns="90000" tIns="45000"/>
-          <a:p>
-            <a:pPr>
-              <a:lnSpc>
-                <a:spcPct val="100000"/>
-              </a:lnSpc>
-            </a:pPr>
-            <a:endParaRPr/>
-          </a:p>
-          <a:p>
-            <a:pPr>
-              <a:lnSpc>
-                <a:spcPct val="100000"/>
-              </a:lnSpc>
-              <a:buFont typeface="StarSymbol"/>
-              <a:buChar char="l"/>
-            </a:pPr>
-            <a:r>
-              <a:rPr lang="en-US" sz="3200">
-                <a:solidFill>
-                  <a:srgbClr val="558ed5"/>
-                </a:solidFill>
-                <a:latin typeface="Calibri"/>
-              </a:rPr>
-              <a:t> </a:t>
-            </a:r>
-            <a:r>
-              <a:rPr lang="en-US" sz="3200">
-                <a:solidFill>
-                  <a:srgbClr val="558ed5"/>
-                </a:solidFill>
-                <a:latin typeface="Calibri"/>
-              </a:rPr>
-              <a:t>View / Download Presentations</a:t>
-            </a:r>
-            <a:endParaRPr/>
-          </a:p>
-          <a:p>
-            <a:pPr>
-              <a:lnSpc>
-                <a:spcPct val="100000"/>
-              </a:lnSpc>
-              <a:buFont typeface="StarSymbol"/>
-              <a:buChar char="l"/>
-            </a:pPr>
-            <a:r>
-              <a:rPr lang="en-US" sz="3200">
-                <a:solidFill>
-                  <a:srgbClr val="558ed5"/>
-                </a:solidFill>
-                <a:latin typeface="Calibri"/>
-              </a:rPr>
-              <a:t> </a:t>
-            </a:r>
-            <a:r>
-              <a:rPr lang="en-US" sz="3200">
-                <a:solidFill>
-                  <a:srgbClr val="558ed5"/>
-                </a:solidFill>
-                <a:latin typeface="Calibri"/>
-              </a:rPr>
-              <a:t>Presentation rating, comment</a:t>
-            </a:r>
-            <a:endParaRPr/>
-          </a:p>
-          <a:p>
-            <a:pPr>
-              <a:lnSpc>
-                <a:spcPct val="100000"/>
-              </a:lnSpc>
-              <a:buFont typeface="StarSymbol"/>
-              <a:buChar char="l"/>
-            </a:pPr>
-            <a:r>
-              <a:rPr lang="en-US" sz="3200">
-                <a:solidFill>
-                  <a:srgbClr val="558ed5"/>
-                </a:solidFill>
-                <a:latin typeface="Calibri"/>
-              </a:rPr>
-              <a:t> </a:t>
-            </a:r>
-            <a:r>
-              <a:rPr lang="en-US" sz="3200">
-                <a:solidFill>
-                  <a:srgbClr val="558ed5"/>
-                </a:solidFill>
-                <a:latin typeface="Calibri"/>
-              </a:rPr>
-              <a:t>Blog post reader</a:t>
-            </a:r>
-            <a:endParaRPr/>
-          </a:p>
-        </p:txBody>
-      </p:sp>
-    </p:spTree>
-  </p:cSld>
-  <p:transition>
-    <p:fade/>
-  </p:transition>
-  <p:timing>
-    <p:tnLst>
-      <p:par>
-        <p:cTn dur="indefinite" id="17" nodeType="tmRoot" restart="never">
-          <p:childTnLst>
-            <p:seq>
-              <p:cTn id="18" nodeType="mainSeq"/>
-              <p:prevCondLst>
-                <p:cond delay="0" evt="onPrev">
-                  <p:tgtEl>
-                    <p:sldTgt/>
-                  </p:tgtEl>
-                </p:cond>
-              </p:prevCondLst>
-              <p:nextCondLst>
-                <p:cond delay="0" evt="onNext">
+                <p:cond evt="onNext" delay="0">
                   <p:tgtEl>
                     <p:sldTgt/>
                   </p:tgtEl>
@@ -3501,5 +3935,7 @@
       </a:bgFillStyleLst>
     </a:fmtScheme>
   </a:themeElements>
+  <a:objectDefaults/>
+  <a:extraClrSchemeLst/>
 </a:theme>
 </file>